--- a/DotNet-Conf/deck/dotnet-mcp.pptx
+++ b/DotNet-Conf/deck/dotnet-mcp.pptx
@@ -120,6 +120,11 @@
       </a:defRPr>
     </a:lvl9pPr>
   </p:defaultTextStyle>
+  <p:extLst>
+    <p:ext uri="{EFAFB233-063F-42B5-8137-9DF3F51BA10A}">
+      <p15:sldGuideLst xmlns:p15="http://schemas.microsoft.com/office/powerpoint/2012/main"/>
+    </p:ext>
+  </p:extLst>
 </p:presentation>
 </file>
 
@@ -128,7 +133,7 @@
   <pc:docChgLst>
     <pc:chgData name="Niels Berglund" userId="6462ffc3c746bb1c" providerId="LiveId" clId="{572CFA61-6849-42BD-B1DA-93EA9D7DCECD}"/>
     <pc:docChg chg="undo redo custSel addSld delSld modSld">
-      <pc:chgData name="Niels Berglund" userId="6462ffc3c746bb1c" providerId="LiveId" clId="{572CFA61-6849-42BD-B1DA-93EA9D7DCECD}" dt="2025-11-01T13:29:03.128" v="1240"/>
+      <pc:chgData name="Niels Berglund" userId="6462ffc3c746bb1c" providerId="LiveId" clId="{572CFA61-6849-42BD-B1DA-93EA9D7DCECD}" dt="2025-11-20T10:33:49.792" v="1251" actId="20577"/>
       <pc:docMkLst>
         <pc:docMk/>
       </pc:docMkLst>
@@ -138,30 +143,6 @@
           <pc:docMk/>
           <pc:sldMk cId="3785071296" sldId="256"/>
         </pc:sldMkLst>
-        <pc:spChg chg="del mod">
-          <ac:chgData name="Niels Berglund" userId="6462ffc3c746bb1c" providerId="LiveId" clId="{572CFA61-6849-42BD-B1DA-93EA9D7DCECD}" dt="2025-11-01T12:35:03.480" v="672" actId="478"/>
-          <ac:spMkLst>
-            <pc:docMk/>
-            <pc:sldMk cId="3785071296" sldId="256"/>
-            <ac:spMk id="2" creationId="{F70846D6-DC37-2C48-1AA2-ACB1D2E14245}"/>
-          </ac:spMkLst>
-        </pc:spChg>
-        <pc:spChg chg="del">
-          <ac:chgData name="Niels Berglund" userId="6462ffc3c746bb1c" providerId="LiveId" clId="{572CFA61-6849-42BD-B1DA-93EA9D7DCECD}" dt="2025-11-01T12:35:36.281" v="676" actId="478"/>
-          <ac:spMkLst>
-            <pc:docMk/>
-            <pc:sldMk cId="3785071296" sldId="256"/>
-            <ac:spMk id="3" creationId="{5E023EF4-EE24-058E-0DA9-00819DB5DAC7}"/>
-          </ac:spMkLst>
-        </pc:spChg>
-        <pc:spChg chg="add del mod">
-          <ac:chgData name="Niels Berglund" userId="6462ffc3c746bb1c" providerId="LiveId" clId="{572CFA61-6849-42BD-B1DA-93EA9D7DCECD}" dt="2025-11-01T12:35:07.705" v="673" actId="478"/>
-          <ac:spMkLst>
-            <pc:docMk/>
-            <pc:sldMk cId="3785071296" sldId="256"/>
-            <ac:spMk id="5" creationId="{4D3160AF-9890-5F7D-D0A3-3DD4D5FBF546}"/>
-          </ac:spMkLst>
-        </pc:spChg>
         <pc:spChg chg="add mod">
           <ac:chgData name="Niels Berglund" userId="6462ffc3c746bb1c" providerId="LiveId" clId="{572CFA61-6849-42BD-B1DA-93EA9D7DCECD}" dt="2025-11-01T12:38:06.726" v="690" actId="207"/>
           <ac:spMkLst>
@@ -217,14 +198,6 @@
             <ac:picMk id="9" creationId="{3111A7F0-00EA-FF47-030E-B3201B19BA55}"/>
           </ac:picMkLst>
         </pc:picChg>
-        <pc:picChg chg="add del mod ord">
-          <ac:chgData name="Niels Berglund" userId="6462ffc3c746bb1c" providerId="LiveId" clId="{572CFA61-6849-42BD-B1DA-93EA9D7DCECD}" dt="2025-11-01T12:42:26.931" v="720" actId="478"/>
-          <ac:picMkLst>
-            <pc:docMk/>
-            <pc:sldMk cId="781112186" sldId="257"/>
-            <ac:picMk id="11" creationId="{B6741D6D-6CBB-502C-DE5B-3A7B4E2AAF0F}"/>
-          </ac:picMkLst>
-        </pc:picChg>
         <pc:picChg chg="add mod ord">
           <ac:chgData name="Niels Berglund" userId="6462ffc3c746bb1c" providerId="LiveId" clId="{572CFA61-6849-42BD-B1DA-93EA9D7DCECD}" dt="2025-11-01T12:42:44.783" v="724" actId="167"/>
           <ac:picMkLst>
@@ -233,21 +206,6 @@
             <ac:picMk id="13" creationId="{43C7D197-87E5-808B-80E0-033DFA36A5AC}"/>
           </ac:picMkLst>
         </pc:picChg>
-      </pc:sldChg>
-      <pc:sldChg chg="modSp del mod">
-        <pc:chgData name="Niels Berglund" userId="6462ffc3c746bb1c" providerId="LiveId" clId="{572CFA61-6849-42BD-B1DA-93EA9D7DCECD}" dt="2025-11-01T13:15:43.835" v="1195" actId="47"/>
-        <pc:sldMkLst>
-          <pc:docMk/>
-          <pc:sldMk cId="2122901675" sldId="258"/>
-        </pc:sldMkLst>
-        <pc:spChg chg="mod">
-          <ac:chgData name="Niels Berglund" userId="6462ffc3c746bb1c" providerId="LiveId" clId="{572CFA61-6849-42BD-B1DA-93EA9D7DCECD}" dt="2025-11-01T11:36:16.072" v="341" actId="6549"/>
-          <ac:spMkLst>
-            <pc:docMk/>
-            <pc:sldMk cId="2122901675" sldId="258"/>
-            <ac:spMk id="3" creationId="{7D2F7EBB-0B6A-31F2-69D8-D28648AF7977}"/>
-          </ac:spMkLst>
-        </pc:spChg>
       </pc:sldChg>
       <pc:sldChg chg="addSp modSp mod">
         <pc:chgData name="Niels Berglund" userId="6462ffc3c746bb1c" providerId="LiveId" clId="{572CFA61-6849-42BD-B1DA-93EA9D7DCECD}" dt="2025-11-01T12:43:16.407" v="729" actId="167"/>
@@ -302,38 +260,6 @@
             <ac:spMk id="5" creationId="{3EB7FC8B-7276-D1DC-4BC1-8A6EC6F6E5BE}"/>
           </ac:spMkLst>
         </pc:spChg>
-        <pc:spChg chg="del mod">
-          <ac:chgData name="Niels Berglund" userId="6462ffc3c746bb1c" providerId="LiveId" clId="{572CFA61-6849-42BD-B1DA-93EA9D7DCECD}" dt="2025-11-01T10:40:00.419" v="21" actId="478"/>
-          <ac:spMkLst>
-            <pc:docMk/>
-            <pc:sldMk cId="465395078" sldId="260"/>
-            <ac:spMk id="6" creationId="{723C53F0-7778-13C2-48DD-83D0F8FE9F6A}"/>
-          </ac:spMkLst>
-        </pc:spChg>
-        <pc:spChg chg="del mod">
-          <ac:chgData name="Niels Berglund" userId="6462ffc3c746bb1c" providerId="LiveId" clId="{572CFA61-6849-42BD-B1DA-93EA9D7DCECD}" dt="2025-11-01T10:39:51.663" v="19" actId="478"/>
-          <ac:spMkLst>
-            <pc:docMk/>
-            <pc:sldMk cId="465395078" sldId="260"/>
-            <ac:spMk id="7" creationId="{177D8DB2-B3EB-BA46-7D0F-C5AD315F0D54}"/>
-          </ac:spMkLst>
-        </pc:spChg>
-        <pc:spChg chg="add del mod">
-          <ac:chgData name="Niels Berglund" userId="6462ffc3c746bb1c" providerId="LiveId" clId="{572CFA61-6849-42BD-B1DA-93EA9D7DCECD}" dt="2025-11-01T10:39:55.956" v="20" actId="478"/>
-          <ac:spMkLst>
-            <pc:docMk/>
-            <pc:sldMk cId="465395078" sldId="260"/>
-            <ac:spMk id="9" creationId="{3FE919B3-00C9-F148-7387-B6990F40CAF4}"/>
-          </ac:spMkLst>
-        </pc:spChg>
-        <pc:spChg chg="add del mod">
-          <ac:chgData name="Niels Berglund" userId="6462ffc3c746bb1c" providerId="LiveId" clId="{572CFA61-6849-42BD-B1DA-93EA9D7DCECD}" dt="2025-11-01T10:40:05.262" v="22" actId="478"/>
-          <ac:spMkLst>
-            <pc:docMk/>
-            <pc:sldMk cId="465395078" sldId="260"/>
-            <ac:spMk id="11" creationId="{F6C5FF10-0747-092E-B669-AB4E97888681}"/>
-          </ac:spMkLst>
-        </pc:spChg>
         <pc:picChg chg="add mod ord">
           <ac:chgData name="Niels Berglund" userId="6462ffc3c746bb1c" providerId="LiveId" clId="{572CFA61-6849-42BD-B1DA-93EA9D7DCECD}" dt="2025-11-01T12:46:14.663" v="733" actId="167"/>
           <ac:picMkLst>
@@ -355,126 +281,6 @@
             <pc:docMk/>
             <pc:sldMk cId="465671313" sldId="261"/>
             <ac:spMk id="2" creationId="{195AE836-9AC2-48E7-A742-F2B5DC96B48E}"/>
-          </ac:spMkLst>
-        </pc:spChg>
-        <pc:spChg chg="del">
-          <ac:chgData name="Niels Berglund" userId="6462ffc3c746bb1c" providerId="LiveId" clId="{572CFA61-6849-42BD-B1DA-93EA9D7DCECD}" dt="2025-11-01T10:46:43.827" v="52" actId="478"/>
-          <ac:spMkLst>
-            <pc:docMk/>
-            <pc:sldMk cId="465671313" sldId="261"/>
-            <ac:spMk id="3" creationId="{306887C7-4546-683E-79E4-472B492E922C}"/>
-          </ac:spMkLst>
-        </pc:spChg>
-        <pc:spChg chg="del">
-          <ac:chgData name="Niels Berglund" userId="6462ffc3c746bb1c" providerId="LiveId" clId="{572CFA61-6849-42BD-B1DA-93EA9D7DCECD}" dt="2025-11-01T10:46:43.827" v="52" actId="478"/>
-          <ac:spMkLst>
-            <pc:docMk/>
-            <pc:sldMk cId="465671313" sldId="261"/>
-            <ac:spMk id="4" creationId="{1D7DB1E1-248F-AF3F-07E4-AD7D94302250}"/>
-          </ac:spMkLst>
-        </pc:spChg>
-        <pc:spChg chg="del">
-          <ac:chgData name="Niels Berglund" userId="6462ffc3c746bb1c" providerId="LiveId" clId="{572CFA61-6849-42BD-B1DA-93EA9D7DCECD}" dt="2025-11-01T10:46:43.827" v="52" actId="478"/>
-          <ac:spMkLst>
-            <pc:docMk/>
-            <pc:sldMk cId="465671313" sldId="261"/>
-            <ac:spMk id="5" creationId="{90EB2042-787C-BD13-EA76-D73B14CB984F}"/>
-          </ac:spMkLst>
-        </pc:spChg>
-        <pc:spChg chg="add del mod">
-          <ac:chgData name="Niels Berglund" userId="6462ffc3c746bb1c" providerId="LiveId" clId="{572CFA61-6849-42BD-B1DA-93EA9D7DCECD}" dt="2025-11-01T11:11:46.919" v="157" actId="478"/>
-          <ac:spMkLst>
-            <pc:docMk/>
-            <pc:sldMk cId="465671313" sldId="261"/>
-            <ac:spMk id="6" creationId="{33441BD1-95E2-906A-6146-0B002A3497FE}"/>
-          </ac:spMkLst>
-        </pc:spChg>
-        <pc:spChg chg="add del mod">
-          <ac:chgData name="Niels Berglund" userId="6462ffc3c746bb1c" providerId="LiveId" clId="{572CFA61-6849-42BD-B1DA-93EA9D7DCECD}" dt="2025-11-01T11:11:50.607" v="158" actId="478"/>
-          <ac:spMkLst>
-            <pc:docMk/>
-            <pc:sldMk cId="465671313" sldId="261"/>
-            <ac:spMk id="7" creationId="{0966963E-8873-8C83-9136-A34751909C61}"/>
-          </ac:spMkLst>
-        </pc:spChg>
-        <pc:spChg chg="add del mod">
-          <ac:chgData name="Niels Berglund" userId="6462ffc3c746bb1c" providerId="LiveId" clId="{572CFA61-6849-42BD-B1DA-93EA9D7DCECD}" dt="2025-11-01T11:11:50.607" v="158" actId="478"/>
-          <ac:spMkLst>
-            <pc:docMk/>
-            <pc:sldMk cId="465671313" sldId="261"/>
-            <ac:spMk id="8" creationId="{132C4DA8-AEAA-6951-F665-AD6AADE65341}"/>
-          </ac:spMkLst>
-        </pc:spChg>
-        <pc:spChg chg="add del mod">
-          <ac:chgData name="Niels Berglund" userId="6462ffc3c746bb1c" providerId="LiveId" clId="{572CFA61-6849-42BD-B1DA-93EA9D7DCECD}" dt="2025-11-01T11:11:50.607" v="158" actId="478"/>
-          <ac:spMkLst>
-            <pc:docMk/>
-            <pc:sldMk cId="465671313" sldId="261"/>
-            <ac:spMk id="9" creationId="{7935E5F4-2601-4CC2-90A5-F416EF69F655}"/>
-          </ac:spMkLst>
-        </pc:spChg>
-        <pc:spChg chg="add del mod">
-          <ac:chgData name="Niels Berglund" userId="6462ffc3c746bb1c" providerId="LiveId" clId="{572CFA61-6849-42BD-B1DA-93EA9D7DCECD}" dt="2025-11-01T11:12:20.968" v="161" actId="478"/>
-          <ac:spMkLst>
-            <pc:docMk/>
-            <pc:sldMk cId="465671313" sldId="261"/>
-            <ac:spMk id="10" creationId="{63D3FA81-0C03-5D53-8549-CDB92E0B138F}"/>
-          </ac:spMkLst>
-        </pc:spChg>
-        <pc:spChg chg="add del mod">
-          <ac:chgData name="Niels Berglund" userId="6462ffc3c746bb1c" providerId="LiveId" clId="{572CFA61-6849-42BD-B1DA-93EA9D7DCECD}" dt="2025-11-01T11:12:18.745" v="160" actId="478"/>
-          <ac:spMkLst>
-            <pc:docMk/>
-            <pc:sldMk cId="465671313" sldId="261"/>
-            <ac:spMk id="11" creationId="{7B886CD2-8E95-96C3-F81B-38702A9DB84E}"/>
-          </ac:spMkLst>
-        </pc:spChg>
-        <pc:spChg chg="del mod">
-          <ac:chgData name="Niels Berglund" userId="6462ffc3c746bb1c" providerId="LiveId" clId="{572CFA61-6849-42BD-B1DA-93EA9D7DCECD}" dt="2025-11-01T11:12:18.745" v="160" actId="478"/>
-          <ac:spMkLst>
-            <pc:docMk/>
-            <pc:sldMk cId="465671313" sldId="261"/>
-            <ac:spMk id="12" creationId="{E365AD6C-EC70-1DAE-6FDD-0BCD4ACC24B8}"/>
-          </ac:spMkLst>
-        </pc:spChg>
-        <pc:spChg chg="add del mod">
-          <ac:chgData name="Niels Berglund" userId="6462ffc3c746bb1c" providerId="LiveId" clId="{572CFA61-6849-42BD-B1DA-93EA9D7DCECD}" dt="2025-11-01T11:12:18.745" v="160" actId="478"/>
-          <ac:spMkLst>
-            <pc:docMk/>
-            <pc:sldMk cId="465671313" sldId="261"/>
-            <ac:spMk id="13" creationId="{A0BBA1C2-12CA-F15F-92A6-5745AA02736C}"/>
-          </ac:spMkLst>
-        </pc:spChg>
-        <pc:spChg chg="add del mod">
-          <ac:chgData name="Niels Berglund" userId="6462ffc3c746bb1c" providerId="LiveId" clId="{572CFA61-6849-42BD-B1DA-93EA9D7DCECD}" dt="2025-11-01T11:12:18.745" v="160" actId="478"/>
-          <ac:spMkLst>
-            <pc:docMk/>
-            <pc:sldMk cId="465671313" sldId="261"/>
-            <ac:spMk id="14" creationId="{773E835B-6493-9207-D2FB-98AF83AC5AB4}"/>
-          </ac:spMkLst>
-        </pc:spChg>
-        <pc:spChg chg="add del mod">
-          <ac:chgData name="Niels Berglund" userId="6462ffc3c746bb1c" providerId="LiveId" clId="{572CFA61-6849-42BD-B1DA-93EA9D7DCECD}" dt="2025-11-01T11:12:18.745" v="160" actId="478"/>
-          <ac:spMkLst>
-            <pc:docMk/>
-            <pc:sldMk cId="465671313" sldId="261"/>
-            <ac:spMk id="15" creationId="{2FB050CA-2A10-D925-B976-2148E85B9A2F}"/>
-          </ac:spMkLst>
-        </pc:spChg>
-        <pc:spChg chg="del mod">
-          <ac:chgData name="Niels Berglund" userId="6462ffc3c746bb1c" providerId="LiveId" clId="{572CFA61-6849-42BD-B1DA-93EA9D7DCECD}" dt="2025-11-01T11:12:18.745" v="160" actId="478"/>
-          <ac:spMkLst>
-            <pc:docMk/>
-            <pc:sldMk cId="465671313" sldId="261"/>
-            <ac:spMk id="16" creationId="{1D83E6CD-46B8-EE40-7A64-9EA9D126F810}"/>
-          </ac:spMkLst>
-        </pc:spChg>
-        <pc:spChg chg="add del mod">
-          <ac:chgData name="Niels Berglund" userId="6462ffc3c746bb1c" providerId="LiveId" clId="{572CFA61-6849-42BD-B1DA-93EA9D7DCECD}" dt="2025-11-01T11:12:18.745" v="160" actId="478"/>
-          <ac:spMkLst>
-            <pc:docMk/>
-            <pc:sldMk cId="465671313" sldId="261"/>
-            <ac:spMk id="17" creationId="{035BBDB3-4DC0-F1D8-C90F-D99A8169C12B}"/>
           </ac:spMkLst>
         </pc:spChg>
         <pc:spChg chg="add mod">
@@ -636,22 +442,6 @@
             <ac:spMk id="2" creationId="{8A20AAF8-CCFF-3109-3C19-47166D30559F}"/>
           </ac:spMkLst>
         </pc:spChg>
-        <pc:spChg chg="add del mod">
-          <ac:chgData name="Niels Berglund" userId="6462ffc3c746bb1c" providerId="LiveId" clId="{572CFA61-6849-42BD-B1DA-93EA9D7DCECD}" dt="2025-11-01T11:21:43.928" v="241" actId="478"/>
-          <ac:spMkLst>
-            <pc:docMk/>
-            <pc:sldMk cId="2839801116" sldId="262"/>
-            <ac:spMk id="4" creationId="{B8CFDEA7-0AA0-A661-81CB-FD1BB0F67961}"/>
-          </ac:spMkLst>
-        </pc:spChg>
-        <pc:spChg chg="del">
-          <ac:chgData name="Niels Berglund" userId="6462ffc3c746bb1c" providerId="LiveId" clId="{572CFA61-6849-42BD-B1DA-93EA9D7DCECD}" dt="2025-11-01T11:21:41.450" v="240" actId="478"/>
-          <ac:spMkLst>
-            <pc:docMk/>
-            <pc:sldMk cId="2839801116" sldId="262"/>
-            <ac:spMk id="6" creationId="{F479BE08-A15A-C452-4257-398FF685FF74}"/>
-          </ac:spMkLst>
-        </pc:spChg>
         <pc:spChg chg="mod">
           <ac:chgData name="Niels Berglund" userId="6462ffc3c746bb1c" providerId="LiveId" clId="{572CFA61-6849-42BD-B1DA-93EA9D7DCECD}" dt="2025-11-01T11:35:03.235" v="308" actId="20577"/>
           <ac:spMkLst>
@@ -681,14 +471,6 @@
             <pc:docMk/>
             <pc:sldMk cId="156162954" sldId="263"/>
             <ac:spMk id="2" creationId="{AA962FA7-9597-C5F1-7AC4-29096238F49D}"/>
-          </ac:spMkLst>
-        </pc:spChg>
-        <pc:spChg chg="add mod">
-          <ac:chgData name="Niels Berglund" userId="6462ffc3c746bb1c" providerId="LiveId" clId="{572CFA61-6849-42BD-B1DA-93EA9D7DCECD}" dt="2025-11-01T11:34:39.993" v="304"/>
-          <ac:spMkLst>
-            <pc:docMk/>
-            <pc:sldMk cId="156162954" sldId="263"/>
-            <ac:spMk id="3" creationId="{A3A5C08C-6672-C99E-200D-4A476F9C573F}"/>
           </ac:spMkLst>
         </pc:spChg>
         <pc:spChg chg="mod ord">
@@ -730,36 +512,12 @@
             <ac:spMk id="2" creationId="{D535998D-4277-DE5E-EABF-6DE51048015D}"/>
           </ac:spMkLst>
         </pc:spChg>
-        <pc:spChg chg="add del">
-          <ac:chgData name="Niels Berglund" userId="6462ffc3c746bb1c" providerId="LiveId" clId="{572CFA61-6849-42BD-B1DA-93EA9D7DCECD}" dt="2025-11-01T11:56:04.365" v="368" actId="478"/>
-          <ac:spMkLst>
-            <pc:docMk/>
-            <pc:sldMk cId="2328144897" sldId="264"/>
-            <ac:spMk id="3" creationId="{F0F1EDE5-FF9F-DE23-206E-6AF3F5C58455}"/>
-          </ac:spMkLst>
-        </pc:spChg>
-        <pc:spChg chg="add del mod">
-          <ac:chgData name="Niels Berglund" userId="6462ffc3c746bb1c" providerId="LiveId" clId="{572CFA61-6849-42BD-B1DA-93EA9D7DCECD}" dt="2025-11-01T11:56:56.864" v="371" actId="478"/>
-          <ac:spMkLst>
-            <pc:docMk/>
-            <pc:sldMk cId="2328144897" sldId="264"/>
-            <ac:spMk id="4" creationId="{3B3CBDA2-49E3-1429-1B55-72C098B81498}"/>
-          </ac:spMkLst>
-        </pc:spChg>
         <pc:spChg chg="add mod">
           <ac:chgData name="Niels Berglund" userId="6462ffc3c746bb1c" providerId="LiveId" clId="{572CFA61-6849-42BD-B1DA-93EA9D7DCECD}" dt="2025-11-01T12:05:10.944" v="626" actId="207"/>
           <ac:spMkLst>
             <pc:docMk/>
             <pc:sldMk cId="2328144897" sldId="264"/>
             <ac:spMk id="5" creationId="{AC9B4D44-2D85-B13A-CE4D-5E7B47B70B46}"/>
-          </ac:spMkLst>
-        </pc:spChg>
-        <pc:spChg chg="add del mod">
-          <ac:chgData name="Niels Berglund" userId="6462ffc3c746bb1c" providerId="LiveId" clId="{572CFA61-6849-42BD-B1DA-93EA9D7DCECD}" dt="2025-11-01T12:01:32.703" v="516" actId="478"/>
-          <ac:spMkLst>
-            <pc:docMk/>
-            <pc:sldMk cId="2328144897" sldId="264"/>
-            <ac:spMk id="6" creationId="{1272915D-3A59-A006-9A92-1D069BE46211}"/>
           </ac:spMkLst>
         </pc:spChg>
         <pc:spChg chg="add mod">
@@ -778,78 +536,6 @@
             <ac:spMk id="8" creationId="{4621B28D-C0E6-9999-8137-CE577A140E5E}"/>
           </ac:spMkLst>
         </pc:spChg>
-        <pc:spChg chg="del">
-          <ac:chgData name="Niels Berglund" userId="6462ffc3c746bb1c" providerId="LiveId" clId="{572CFA61-6849-42BD-B1DA-93EA9D7DCECD}" dt="2025-11-01T11:47:10.016" v="366" actId="478"/>
-          <ac:spMkLst>
-            <pc:docMk/>
-            <pc:sldMk cId="2328144897" sldId="264"/>
-            <ac:spMk id="18" creationId="{BBF5788C-9EA8-ABBC-D2B5-155F5A3AB5E6}"/>
-          </ac:spMkLst>
-        </pc:spChg>
-        <pc:spChg chg="del">
-          <ac:chgData name="Niels Berglund" userId="6462ffc3c746bb1c" providerId="LiveId" clId="{572CFA61-6849-42BD-B1DA-93EA9D7DCECD}" dt="2025-11-01T11:47:10.016" v="366" actId="478"/>
-          <ac:spMkLst>
-            <pc:docMk/>
-            <pc:sldMk cId="2328144897" sldId="264"/>
-            <ac:spMk id="19" creationId="{2CBA84B7-90FF-9C01-8691-275E359D22F5}"/>
-          </ac:spMkLst>
-        </pc:spChg>
-        <pc:spChg chg="del">
-          <ac:chgData name="Niels Berglund" userId="6462ffc3c746bb1c" providerId="LiveId" clId="{572CFA61-6849-42BD-B1DA-93EA9D7DCECD}" dt="2025-11-01T11:47:10.016" v="366" actId="478"/>
-          <ac:spMkLst>
-            <pc:docMk/>
-            <pc:sldMk cId="2328144897" sldId="264"/>
-            <ac:spMk id="20" creationId="{22AD8ED0-BEE3-6748-179D-8C319A423EA7}"/>
-          </ac:spMkLst>
-        </pc:spChg>
-        <pc:spChg chg="del">
-          <ac:chgData name="Niels Berglund" userId="6462ffc3c746bb1c" providerId="LiveId" clId="{572CFA61-6849-42BD-B1DA-93EA9D7DCECD}" dt="2025-11-01T11:47:10.016" v="366" actId="478"/>
-          <ac:spMkLst>
-            <pc:docMk/>
-            <pc:sldMk cId="2328144897" sldId="264"/>
-            <ac:spMk id="27" creationId="{FA6437F7-8128-D606-2E61-2F7962A6EBEF}"/>
-          </ac:spMkLst>
-        </pc:spChg>
-        <pc:spChg chg="del">
-          <ac:chgData name="Niels Berglund" userId="6462ffc3c746bb1c" providerId="LiveId" clId="{572CFA61-6849-42BD-B1DA-93EA9D7DCECD}" dt="2025-11-01T11:47:10.016" v="366" actId="478"/>
-          <ac:spMkLst>
-            <pc:docMk/>
-            <pc:sldMk cId="2328144897" sldId="264"/>
-            <ac:spMk id="28" creationId="{879DD89A-957E-D616-7F2B-CBB612E52AD3}"/>
-          </ac:spMkLst>
-        </pc:spChg>
-        <pc:spChg chg="del">
-          <ac:chgData name="Niels Berglund" userId="6462ffc3c746bb1c" providerId="LiveId" clId="{572CFA61-6849-42BD-B1DA-93EA9D7DCECD}" dt="2025-11-01T11:47:10.016" v="366" actId="478"/>
-          <ac:spMkLst>
-            <pc:docMk/>
-            <pc:sldMk cId="2328144897" sldId="264"/>
-            <ac:spMk id="29" creationId="{3AB8B948-2554-BC34-5100-A28CDC9CD1C3}"/>
-          </ac:spMkLst>
-        </pc:spChg>
-        <pc:spChg chg="del">
-          <ac:chgData name="Niels Berglund" userId="6462ffc3c746bb1c" providerId="LiveId" clId="{572CFA61-6849-42BD-B1DA-93EA9D7DCECD}" dt="2025-11-01T11:47:10.016" v="366" actId="478"/>
-          <ac:spMkLst>
-            <pc:docMk/>
-            <pc:sldMk cId="2328144897" sldId="264"/>
-            <ac:spMk id="30" creationId="{105938D0-3958-E170-8D2B-54A8EA9A1D97}"/>
-          </ac:spMkLst>
-        </pc:spChg>
-        <pc:grpChg chg="del">
-          <ac:chgData name="Niels Berglund" userId="6462ffc3c746bb1c" providerId="LiveId" clId="{572CFA61-6849-42BD-B1DA-93EA9D7DCECD}" dt="2025-11-01T11:47:10.016" v="366" actId="478"/>
-          <ac:grpSpMkLst>
-            <pc:docMk/>
-            <pc:sldMk cId="2328144897" sldId="264"/>
-            <ac:grpSpMk id="23" creationId="{146C9BCC-4D14-BC00-9CC8-5BA933DFB1CB}"/>
-          </ac:grpSpMkLst>
-        </pc:grpChg>
-        <pc:grpChg chg="del">
-          <ac:chgData name="Niels Berglund" userId="6462ffc3c746bb1c" providerId="LiveId" clId="{572CFA61-6849-42BD-B1DA-93EA9D7DCECD}" dt="2025-11-01T11:47:10.016" v="366" actId="478"/>
-          <ac:grpSpMkLst>
-            <pc:docMk/>
-            <pc:sldMk cId="2328144897" sldId="264"/>
-            <ac:grpSpMk id="24" creationId="{712D9B1C-9165-673C-240B-C8BEAAB5E918}"/>
-          </ac:grpSpMkLst>
-        </pc:grpChg>
         <pc:picChg chg="add mod ord">
           <ac:chgData name="Niels Berglund" userId="6462ffc3c746bb1c" providerId="LiveId" clId="{572CFA61-6849-42BD-B1DA-93EA9D7DCECD}" dt="2025-11-01T12:51:21.685" v="753" actId="167"/>
           <ac:picMkLst>
@@ -874,14 +560,6 @@
             <ac:cxnSpMk id="11" creationId="{BB15B4B5-0784-70AC-E43D-3C46EF6FDBB1}"/>
           </ac:cxnSpMkLst>
         </pc:cxnChg>
-        <pc:cxnChg chg="del mod">
-          <ac:chgData name="Niels Berglund" userId="6462ffc3c746bb1c" providerId="LiveId" clId="{572CFA61-6849-42BD-B1DA-93EA9D7DCECD}" dt="2025-11-01T11:47:10.016" v="366" actId="478"/>
-          <ac:cxnSpMkLst>
-            <pc:docMk/>
-            <pc:sldMk cId="2328144897" sldId="264"/>
-            <ac:cxnSpMk id="33" creationId="{631D31C4-B23A-7BAA-C06B-0BD9D9042891}"/>
-          </ac:cxnSpMkLst>
-        </pc:cxnChg>
       </pc:sldChg>
       <pc:sldChg chg="addSp delSp modSp new mod modClrScheme chgLayout">
         <pc:chgData name="Niels Berglund" userId="6462ffc3c746bb1c" providerId="LiveId" clId="{572CFA61-6849-42BD-B1DA-93EA9D7DCECD}" dt="2025-11-01T12:51:33.672" v="757" actId="167"/>
@@ -889,46 +567,6 @@
           <pc:docMk/>
           <pc:sldMk cId="1280766974" sldId="265"/>
         </pc:sldMkLst>
-        <pc:spChg chg="del mod ord">
-          <ac:chgData name="Niels Berglund" userId="6462ffc3c746bb1c" providerId="LiveId" clId="{572CFA61-6849-42BD-B1DA-93EA9D7DCECD}" dt="2025-11-01T12:25:51.597" v="628" actId="700"/>
-          <ac:spMkLst>
-            <pc:docMk/>
-            <pc:sldMk cId="1280766974" sldId="265"/>
-            <ac:spMk id="2" creationId="{415A74B1-36AA-35BB-B53E-6E44D5390D70}"/>
-          </ac:spMkLst>
-        </pc:spChg>
-        <pc:spChg chg="del">
-          <ac:chgData name="Niels Berglund" userId="6462ffc3c746bb1c" providerId="LiveId" clId="{572CFA61-6849-42BD-B1DA-93EA9D7DCECD}" dt="2025-11-01T12:25:51.597" v="628" actId="700"/>
-          <ac:spMkLst>
-            <pc:docMk/>
-            <pc:sldMk cId="1280766974" sldId="265"/>
-            <ac:spMk id="3" creationId="{763228FD-5BD9-16B5-A2AF-483E33847B1F}"/>
-          </ac:spMkLst>
-        </pc:spChg>
-        <pc:spChg chg="del mod ord">
-          <ac:chgData name="Niels Berglund" userId="6462ffc3c746bb1c" providerId="LiveId" clId="{572CFA61-6849-42BD-B1DA-93EA9D7DCECD}" dt="2025-11-01T12:25:51.597" v="628" actId="700"/>
-          <ac:spMkLst>
-            <pc:docMk/>
-            <pc:sldMk cId="1280766974" sldId="265"/>
-            <ac:spMk id="4" creationId="{DDC3C6F1-9B66-3CFF-2B3C-216F477A907E}"/>
-          </ac:spMkLst>
-        </pc:spChg>
-        <pc:spChg chg="del">
-          <ac:chgData name="Niels Berglund" userId="6462ffc3c746bb1c" providerId="LiveId" clId="{572CFA61-6849-42BD-B1DA-93EA9D7DCECD}" dt="2025-11-01T12:25:51.597" v="628" actId="700"/>
-          <ac:spMkLst>
-            <pc:docMk/>
-            <pc:sldMk cId="1280766974" sldId="265"/>
-            <ac:spMk id="5" creationId="{5CE155C3-D843-798B-ECD4-B1089E6DC3DD}"/>
-          </ac:spMkLst>
-        </pc:spChg>
-        <pc:spChg chg="del">
-          <ac:chgData name="Niels Berglund" userId="6462ffc3c746bb1c" providerId="LiveId" clId="{572CFA61-6849-42BD-B1DA-93EA9D7DCECD}" dt="2025-11-01T12:25:51.597" v="628" actId="700"/>
-          <ac:spMkLst>
-            <pc:docMk/>
-            <pc:sldMk cId="1280766974" sldId="265"/>
-            <ac:spMk id="6" creationId="{F4C3281A-D4EB-039B-602E-3E35EB228BA8}"/>
-          </ac:spMkLst>
-        </pc:spChg>
         <pc:spChg chg="add mod ord">
           <ac:chgData name="Niels Berglund" userId="6462ffc3c746bb1c" providerId="LiveId" clId="{572CFA61-6849-42BD-B1DA-93EA9D7DCECD}" dt="2025-11-01T12:26:27.179" v="660" actId="20577"/>
           <ac:spMkLst>
@@ -954,31 +592,8 @@
           </ac:picMkLst>
         </pc:picChg>
       </pc:sldChg>
-      <pc:sldChg chg="modSp add del mod">
-        <pc:chgData name="Niels Berglund" userId="6462ffc3c746bb1c" providerId="LiveId" clId="{572CFA61-6849-42BD-B1DA-93EA9D7DCECD}" dt="2025-11-01T12:30:20.244" v="669" actId="2696"/>
-        <pc:sldMkLst>
-          <pc:docMk/>
-          <pc:sldMk cId="641105780" sldId="266"/>
-        </pc:sldMkLst>
-        <pc:spChg chg="mod">
-          <ac:chgData name="Niels Berglund" userId="6462ffc3c746bb1c" providerId="LiveId" clId="{572CFA61-6849-42BD-B1DA-93EA9D7DCECD}" dt="2025-11-01T12:29:40.809" v="664"/>
-          <ac:spMkLst>
-            <pc:docMk/>
-            <pc:sldMk cId="641105780" sldId="266"/>
-            <ac:spMk id="7" creationId="{99F0704D-E1A6-735C-5045-E3033B7DDD0F}"/>
-          </ac:spMkLst>
-        </pc:spChg>
-        <pc:spChg chg="mod">
-          <ac:chgData name="Niels Berglund" userId="6462ffc3c746bb1c" providerId="LiveId" clId="{572CFA61-6849-42BD-B1DA-93EA9D7DCECD}" dt="2025-11-01T12:30:11.285" v="668" actId="20577"/>
-          <ac:spMkLst>
-            <pc:docMk/>
-            <pc:sldMk cId="641105780" sldId="266"/>
-            <ac:spMk id="8" creationId="{8F11D1F1-C3E3-CDA2-A841-D1E976DDBFB2}"/>
-          </ac:spMkLst>
-        </pc:spChg>
-      </pc:sldChg>
       <pc:sldChg chg="modSp add mod">
-        <pc:chgData name="Niels Berglund" userId="6462ffc3c746bb1c" providerId="LiveId" clId="{572CFA61-6849-42BD-B1DA-93EA9D7DCECD}" dt="2025-11-01T13:08:53.819" v="948" actId="6549"/>
+        <pc:chgData name="Niels Berglund" userId="6462ffc3c746bb1c" providerId="LiveId" clId="{572CFA61-6849-42BD-B1DA-93EA9D7DCECD}" dt="2025-11-20T10:33:18.017" v="1247" actId="20577"/>
         <pc:sldMkLst>
           <pc:docMk/>
           <pc:sldMk cId="1006093960" sldId="266"/>
@@ -992,7 +607,7 @@
           </ac:spMkLst>
         </pc:spChg>
         <pc:spChg chg="mod">
-          <ac:chgData name="Niels Berglund" userId="6462ffc3c746bb1c" providerId="LiveId" clId="{572CFA61-6849-42BD-B1DA-93EA9D7DCECD}" dt="2025-11-01T13:08:53.819" v="948" actId="6549"/>
+          <ac:chgData name="Niels Berglund" userId="6462ffc3c746bb1c" providerId="LiveId" clId="{572CFA61-6849-42BD-B1DA-93EA9D7DCECD}" dt="2025-11-20T10:33:18.017" v="1247" actId="20577"/>
           <ac:spMkLst>
             <pc:docMk/>
             <pc:sldMk cId="1006093960" sldId="266"/>
@@ -1001,7 +616,7 @@
         </pc:spChg>
       </pc:sldChg>
       <pc:sldChg chg="modSp add mod">
-        <pc:chgData name="Niels Berglund" userId="6462ffc3c746bb1c" providerId="LiveId" clId="{572CFA61-6849-42BD-B1DA-93EA9D7DCECD}" dt="2025-11-01T13:12:24.179" v="1181" actId="5793"/>
+        <pc:chgData name="Niels Berglund" userId="6462ffc3c746bb1c" providerId="LiveId" clId="{572CFA61-6849-42BD-B1DA-93EA9D7DCECD}" dt="2025-11-20T10:33:49.792" v="1251" actId="20577"/>
         <pc:sldMkLst>
           <pc:docMk/>
           <pc:sldMk cId="441496072" sldId="267"/>
@@ -1015,7 +630,7 @@
           </ac:spMkLst>
         </pc:spChg>
         <pc:spChg chg="mod">
-          <ac:chgData name="Niels Berglund" userId="6462ffc3c746bb1c" providerId="LiveId" clId="{572CFA61-6849-42BD-B1DA-93EA9D7DCECD}" dt="2025-11-01T13:12:24.179" v="1181" actId="5793"/>
+          <ac:chgData name="Niels Berglund" userId="6462ffc3c746bb1c" providerId="LiveId" clId="{572CFA61-6849-42BD-B1DA-93EA9D7DCECD}" dt="2025-11-20T10:33:49.792" v="1251" actId="20577"/>
           <ac:spMkLst>
             <pc:docMk/>
             <pc:sldMk cId="441496072" sldId="267"/>
@@ -1023,21 +638,14 @@
           </ac:spMkLst>
         </pc:spChg>
       </pc:sldChg>
-      <pc:sldChg chg="add del">
-        <pc:chgData name="Niels Berglund" userId="6462ffc3c746bb1c" providerId="LiveId" clId="{572CFA61-6849-42BD-B1DA-93EA9D7DCECD}" dt="2025-11-01T13:15:41.090" v="1194" actId="47"/>
-        <pc:sldMkLst>
-          <pc:docMk/>
-          <pc:sldMk cId="1849699014" sldId="268"/>
-        </pc:sldMkLst>
-      </pc:sldChg>
       <pc:sldChg chg="addSp delSp modSp add mod">
-        <pc:chgData name="Niels Berglund" userId="6462ffc3c746bb1c" providerId="LiveId" clId="{572CFA61-6849-42BD-B1DA-93EA9D7DCECD}" dt="2025-11-01T13:18:14.609" v="1206" actId="1076"/>
+        <pc:chgData name="Niels Berglund" userId="6462ffc3c746bb1c" providerId="LiveId" clId="{572CFA61-6849-42BD-B1DA-93EA9D7DCECD}" dt="2025-11-20T10:29:23.108" v="1243" actId="14100"/>
         <pc:sldMkLst>
           <pc:docMk/>
           <pc:sldMk cId="1644626494" sldId="342"/>
         </pc:sldMkLst>
         <pc:spChg chg="mod">
-          <ac:chgData name="Niels Berglund" userId="6462ffc3c746bb1c" providerId="LiveId" clId="{572CFA61-6849-42BD-B1DA-93EA9D7DCECD}" dt="2025-11-01T13:18:14.105" v="1205" actId="207"/>
+          <ac:chgData name="Niels Berglund" userId="6462ffc3c746bb1c" providerId="LiveId" clId="{572CFA61-6849-42BD-B1DA-93EA9D7DCECD}" dt="2025-11-20T10:29:18.222" v="1241" actId="1076"/>
           <ac:spMkLst>
             <pc:docMk/>
             <pc:sldMk cId="1644626494" sldId="342"/>
@@ -1052,16 +660,8 @@
             <ac:spMk id="18" creationId="{4EE5CCFA-2CF9-A362-D6F0-7147937F805A}"/>
           </ac:spMkLst>
         </pc:spChg>
-        <pc:picChg chg="del">
-          <ac:chgData name="Niels Berglund" userId="6462ffc3c746bb1c" providerId="LiveId" clId="{572CFA61-6849-42BD-B1DA-93EA9D7DCECD}" dt="2025-11-01T13:17:54.963" v="1199" actId="478"/>
-          <ac:picMkLst>
-            <pc:docMk/>
-            <pc:sldMk cId="1644626494" sldId="342"/>
-            <ac:picMk id="2" creationId="{897CACFD-48C6-7D8D-90C9-4C39DA15BDCA}"/>
-          </ac:picMkLst>
-        </pc:picChg>
         <pc:picChg chg="add mod ord">
-          <ac:chgData name="Niels Berglund" userId="6462ffc3c746bb1c" providerId="LiveId" clId="{572CFA61-6849-42BD-B1DA-93EA9D7DCECD}" dt="2025-11-01T13:18:14.609" v="1206" actId="1076"/>
+          <ac:chgData name="Niels Berglund" userId="6462ffc3c746bb1c" providerId="LiveId" clId="{572CFA61-6849-42BD-B1DA-93EA9D7DCECD}" dt="2025-11-20T10:29:23.108" v="1243" actId="14100"/>
           <ac:picMkLst>
             <pc:docMk/>
             <pc:sldMk cId="1644626494" sldId="342"/>
@@ -1091,14 +691,6 @@
             <ac:spMk id="9" creationId="{A3585BD4-A4EA-302D-A762-84ACEA203E74}"/>
           </ac:spMkLst>
         </pc:spChg>
-        <pc:picChg chg="del">
-          <ac:chgData name="Niels Berglund" userId="6462ffc3c746bb1c" providerId="LiveId" clId="{572CFA61-6849-42BD-B1DA-93EA9D7DCECD}" dt="2025-11-01T13:14:44.453" v="1186" actId="478"/>
-          <ac:picMkLst>
-            <pc:docMk/>
-            <pc:sldMk cId="2724713371" sldId="348"/>
-            <ac:picMk id="2" creationId="{4A2A6AE2-7B2B-9FA3-5F83-BF7848401660}"/>
-          </ac:picMkLst>
-        </pc:picChg>
         <pc:picChg chg="add mod ord">
           <ac:chgData name="Niels Berglund" userId="6462ffc3c746bb1c" providerId="LiveId" clId="{572CFA61-6849-42BD-B1DA-93EA9D7DCECD}" dt="2025-11-01T13:15:33.332" v="1193" actId="1076"/>
           <ac:picMkLst>
@@ -1195,7 +787,7 @@
           <a:p>
             <a:fld id="{C01FF5A2-7221-4D0A-BA7E-3E97D457CE20}" type="datetimeFigureOut">
               <a:rPr lang="en-US" smtClean="0"/>
-              <a:t>2025-11-01</a:t>
+              <a:t>2025-11-20</a:t>
             </a:fld>
             <a:endParaRPr lang="en-US"/>
           </a:p>
@@ -1917,7 +1509,7 @@
           <a:p>
             <a:fld id="{2C846FF3-5801-4186-ADA5-4C3C17C77B4C}" type="datetimeFigureOut">
               <a:rPr lang="en-US" smtClean="0"/>
-              <a:t>2025-11-01</a:t>
+              <a:t>2025-11-20</a:t>
             </a:fld>
             <a:endParaRPr lang="en-US"/>
           </a:p>
@@ -2115,7 +1707,7 @@
           <a:p>
             <a:fld id="{2C846FF3-5801-4186-ADA5-4C3C17C77B4C}" type="datetimeFigureOut">
               <a:rPr lang="en-US" smtClean="0"/>
-              <a:t>2025-11-01</a:t>
+              <a:t>2025-11-20</a:t>
             </a:fld>
             <a:endParaRPr lang="en-US"/>
           </a:p>
@@ -2323,7 +1915,7 @@
           <a:p>
             <a:fld id="{2C846FF3-5801-4186-ADA5-4C3C17C77B4C}" type="datetimeFigureOut">
               <a:rPr lang="en-US" smtClean="0"/>
-              <a:t>2025-11-01</a:t>
+              <a:t>2025-11-20</a:t>
             </a:fld>
             <a:endParaRPr lang="en-US"/>
           </a:p>
@@ -2543,7 +2135,7 @@
           <a:p>
             <a:fld id="{35E7EF3B-1460-4EE6-BB1F-95D983DE5504}" type="datetimeFigureOut">
               <a:rPr lang="en-US" smtClean="0"/>
-              <a:t>2025-11-01</a:t>
+              <a:t>2025-11-20</a:t>
             </a:fld>
             <a:endParaRPr lang="en-US"/>
           </a:p>
@@ -2741,7 +2333,7 @@
           <a:p>
             <a:fld id="{35E7EF3B-1460-4EE6-BB1F-95D983DE5504}" type="datetimeFigureOut">
               <a:rPr lang="en-US" smtClean="0"/>
-              <a:t>2025-11-01</a:t>
+              <a:t>2025-11-20</a:t>
             </a:fld>
             <a:endParaRPr lang="en-US"/>
           </a:p>
@@ -3016,7 +2608,7 @@
           <a:p>
             <a:fld id="{35E7EF3B-1460-4EE6-BB1F-95D983DE5504}" type="datetimeFigureOut">
               <a:rPr lang="en-US" smtClean="0"/>
-              <a:t>2025-11-01</a:t>
+              <a:t>2025-11-20</a:t>
             </a:fld>
             <a:endParaRPr lang="en-US"/>
           </a:p>
@@ -3281,7 +2873,7 @@
           <a:p>
             <a:fld id="{35E7EF3B-1460-4EE6-BB1F-95D983DE5504}" type="datetimeFigureOut">
               <a:rPr lang="en-US" smtClean="0"/>
-              <a:t>2025-11-01</a:t>
+              <a:t>2025-11-20</a:t>
             </a:fld>
             <a:endParaRPr lang="en-US"/>
           </a:p>
@@ -3693,7 +3285,7 @@
           <a:p>
             <a:fld id="{35E7EF3B-1460-4EE6-BB1F-95D983DE5504}" type="datetimeFigureOut">
               <a:rPr lang="en-US" smtClean="0"/>
-              <a:t>2025-11-01</a:t>
+              <a:t>2025-11-20</a:t>
             </a:fld>
             <a:endParaRPr lang="en-US"/>
           </a:p>
@@ -3834,7 +3426,7 @@
           <a:p>
             <a:fld id="{35E7EF3B-1460-4EE6-BB1F-95D983DE5504}" type="datetimeFigureOut">
               <a:rPr lang="en-US" smtClean="0"/>
-              <a:t>2025-11-01</a:t>
+              <a:t>2025-11-20</a:t>
             </a:fld>
             <a:endParaRPr lang="en-US"/>
           </a:p>
@@ -3947,7 +3539,7 @@
           <a:p>
             <a:fld id="{35E7EF3B-1460-4EE6-BB1F-95D983DE5504}" type="datetimeFigureOut">
               <a:rPr lang="en-US" smtClean="0"/>
-              <a:t>2025-11-01</a:t>
+              <a:t>2025-11-20</a:t>
             </a:fld>
             <a:endParaRPr lang="en-US"/>
           </a:p>
@@ -4258,7 +3850,7 @@
           <a:p>
             <a:fld id="{35E7EF3B-1460-4EE6-BB1F-95D983DE5504}" type="datetimeFigureOut">
               <a:rPr lang="en-US" smtClean="0"/>
-              <a:t>2025-11-01</a:t>
+              <a:t>2025-11-20</a:t>
             </a:fld>
             <a:endParaRPr lang="en-US"/>
           </a:p>
@@ -4456,7 +4048,7 @@
           <a:p>
             <a:fld id="{2C846FF3-5801-4186-ADA5-4C3C17C77B4C}" type="datetimeFigureOut">
               <a:rPr lang="en-US" smtClean="0"/>
-              <a:t>2025-11-01</a:t>
+              <a:t>2025-11-20</a:t>
             </a:fld>
             <a:endParaRPr lang="en-US"/>
           </a:p>
@@ -4744,7 +4336,7 @@
           <a:p>
             <a:fld id="{35E7EF3B-1460-4EE6-BB1F-95D983DE5504}" type="datetimeFigureOut">
               <a:rPr lang="en-US" smtClean="0"/>
-              <a:t>2025-11-01</a:t>
+              <a:t>2025-11-20</a:t>
             </a:fld>
             <a:endParaRPr lang="en-US"/>
           </a:p>
@@ -4942,7 +4534,7 @@
           <a:p>
             <a:fld id="{35E7EF3B-1460-4EE6-BB1F-95D983DE5504}" type="datetimeFigureOut">
               <a:rPr lang="en-US" smtClean="0"/>
-              <a:t>2025-11-01</a:t>
+              <a:t>2025-11-20</a:t>
             </a:fld>
             <a:endParaRPr lang="en-US"/>
           </a:p>
@@ -5150,7 +4742,7 @@
           <a:p>
             <a:fld id="{35E7EF3B-1460-4EE6-BB1F-95D983DE5504}" type="datetimeFigureOut">
               <a:rPr lang="en-US" smtClean="0"/>
-              <a:t>2025-11-01</a:t>
+              <a:t>2025-11-20</a:t>
             </a:fld>
             <a:endParaRPr lang="en-US"/>
           </a:p>
@@ -5498,7 +5090,7 @@
           <a:p>
             <a:fld id="{2C846FF3-5801-4186-ADA5-4C3C17C77B4C}" type="datetimeFigureOut">
               <a:rPr lang="en-US" smtClean="0"/>
-              <a:t>2025-11-01</a:t>
+              <a:t>2025-11-20</a:t>
             </a:fld>
             <a:endParaRPr lang="en-US"/>
           </a:p>
@@ -5763,7 +5355,7 @@
           <a:p>
             <a:fld id="{2C846FF3-5801-4186-ADA5-4C3C17C77B4C}" type="datetimeFigureOut">
               <a:rPr lang="en-US" smtClean="0"/>
-              <a:t>2025-11-01</a:t>
+              <a:t>2025-11-20</a:t>
             </a:fld>
             <a:endParaRPr lang="en-US"/>
           </a:p>
@@ -6175,7 +5767,7 @@
           <a:p>
             <a:fld id="{2C846FF3-5801-4186-ADA5-4C3C17C77B4C}" type="datetimeFigureOut">
               <a:rPr lang="en-US" smtClean="0"/>
-              <a:t>2025-11-01</a:t>
+              <a:t>2025-11-20</a:t>
             </a:fld>
             <a:endParaRPr lang="en-US"/>
           </a:p>
@@ -6316,7 +5908,7 @@
           <a:p>
             <a:fld id="{2C846FF3-5801-4186-ADA5-4C3C17C77B4C}" type="datetimeFigureOut">
               <a:rPr lang="en-US" smtClean="0"/>
-              <a:t>2025-11-01</a:t>
+              <a:t>2025-11-20</a:t>
             </a:fld>
             <a:endParaRPr lang="en-US"/>
           </a:p>
@@ -6429,7 +6021,7 @@
           <a:p>
             <a:fld id="{2C846FF3-5801-4186-ADA5-4C3C17C77B4C}" type="datetimeFigureOut">
               <a:rPr lang="en-US" smtClean="0"/>
-              <a:t>2025-11-01</a:t>
+              <a:t>2025-11-20</a:t>
             </a:fld>
             <a:endParaRPr lang="en-US"/>
           </a:p>
@@ -6740,7 +6332,7 @@
           <a:p>
             <a:fld id="{2C846FF3-5801-4186-ADA5-4C3C17C77B4C}" type="datetimeFigureOut">
               <a:rPr lang="en-US" smtClean="0"/>
-              <a:t>2025-11-01</a:t>
+              <a:t>2025-11-20</a:t>
             </a:fld>
             <a:endParaRPr lang="en-US"/>
           </a:p>
@@ -7028,7 +6620,7 @@
           <a:p>
             <a:fld id="{2C846FF3-5801-4186-ADA5-4C3C17C77B4C}" type="datetimeFigureOut">
               <a:rPr lang="en-US" smtClean="0"/>
-              <a:t>2025-11-01</a:t>
+              <a:t>2025-11-20</a:t>
             </a:fld>
             <a:endParaRPr lang="en-US"/>
           </a:p>
@@ -7269,7 +6861,7 @@
           <a:p>
             <a:fld id="{2C846FF3-5801-4186-ADA5-4C3C17C77B4C}" type="datetimeFigureOut">
               <a:rPr lang="en-US" smtClean="0"/>
-              <a:t>2025-11-01</a:t>
+              <a:t>2025-11-20</a:t>
             </a:fld>
             <a:endParaRPr lang="en-US"/>
           </a:p>
@@ -7837,7 +7429,7 @@
           <a:p>
             <a:fld id="{35E7EF3B-1460-4EE6-BB1F-95D983DE5504}" type="datetimeFigureOut">
               <a:rPr lang="en-US" smtClean="0"/>
-              <a:t>2025-11-01</a:t>
+              <a:t>2025-11-20</a:t>
             </a:fld>
             <a:endParaRPr lang="en-US"/>
           </a:p>
@@ -9004,7 +8596,7 @@
               <a:rPr lang="en-US" dirty="0">
                 <a:latin typeface="Arial Rounded MT Bold" panose="020F0704030504030204" pitchFamily="34" charset="0"/>
               </a:rPr>
-              <a:t>Lines of C# code: ~750</a:t>
+              <a:t>Lines of C# code: ~500</a:t>
             </a:r>
           </a:p>
           <a:p>
@@ -9176,10 +8768,16 @@
           </a:p>
           <a:p>
             <a:r>
+              <a:rPr lang="en-US">
+                <a:latin typeface="Arial Rounded MT Bold" panose="020F0704030504030204" pitchFamily="34" charset="0"/>
+              </a:rPr>
+              <a:t>LLM as </a:t>
+            </a:r>
+            <a:r>
               <a:rPr lang="en-US" dirty="0">
                 <a:latin typeface="Arial Rounded MT Bold" panose="020F0704030504030204" pitchFamily="34" charset="0"/>
               </a:rPr>
-              <a:t>Azure AI as Orchestrator: Let it handle the tool selection</a:t>
+              <a:t>Orchestrator: Let it handle the tool selection</a:t>
             </a:r>
           </a:p>
           <a:p>
@@ -9804,8 +9402,8 @@
         </p:blipFill>
         <p:spPr>
           <a:xfrm>
-            <a:off x="0" y="-90721"/>
-            <a:ext cx="12192000" cy="6849438"/>
+            <a:off x="0" y="-299348"/>
+            <a:ext cx="12192000" cy="7157348"/>
           </a:xfrm>
           <a:prstGeom prst="rect">
             <a:avLst/>
@@ -9913,7 +9511,7 @@
         </p:nvSpPr>
         <p:spPr>
           <a:xfrm>
-            <a:off x="2613102" y="2751892"/>
+            <a:off x="2613102" y="2716622"/>
             <a:ext cx="6965796" cy="677108"/>
           </a:xfrm>
           <a:prstGeom prst="rect">

--- a/DotNet-Conf/deck/dotnet-mcp.pptx
+++ b/DotNet-Conf/deck/dotnet-mcp.pptx
@@ -6,22 +6,23 @@
     <p:sldMasterId id="2147483660" r:id="rId2"/>
   </p:sldMasterIdLst>
   <p:notesMasterIdLst>
-    <p:notesMasterId r:id="rId16"/>
+    <p:notesMasterId r:id="rId17"/>
   </p:notesMasterIdLst>
   <p:sldIdLst>
     <p:sldId id="256" r:id="rId3"/>
-    <p:sldId id="342" r:id="rId4"/>
-    <p:sldId id="257" r:id="rId5"/>
-    <p:sldId id="259" r:id="rId6"/>
-    <p:sldId id="260" r:id="rId7"/>
-    <p:sldId id="261" r:id="rId8"/>
-    <p:sldId id="262" r:id="rId9"/>
-    <p:sldId id="263" r:id="rId10"/>
-    <p:sldId id="264" r:id="rId11"/>
-    <p:sldId id="265" r:id="rId12"/>
-    <p:sldId id="266" r:id="rId13"/>
-    <p:sldId id="267" r:id="rId14"/>
-    <p:sldId id="348" r:id="rId15"/>
+    <p:sldId id="349" r:id="rId4"/>
+    <p:sldId id="342" r:id="rId5"/>
+    <p:sldId id="257" r:id="rId6"/>
+    <p:sldId id="259" r:id="rId7"/>
+    <p:sldId id="260" r:id="rId8"/>
+    <p:sldId id="261" r:id="rId9"/>
+    <p:sldId id="262" r:id="rId10"/>
+    <p:sldId id="263" r:id="rId11"/>
+    <p:sldId id="264" r:id="rId12"/>
+    <p:sldId id="265" r:id="rId13"/>
+    <p:sldId id="266" r:id="rId14"/>
+    <p:sldId id="267" r:id="rId15"/>
+    <p:sldId id="348" r:id="rId16"/>
   </p:sldIdLst>
   <p:sldSz cx="12192000" cy="6858000"/>
   <p:notesSz cx="6858000" cy="9144000"/>
@@ -133,7 +134,7 @@
   <pc:docChgLst>
     <pc:chgData name="Niels Berglund" userId="6462ffc3c746bb1c" providerId="LiveId" clId="{572CFA61-6849-42BD-B1DA-93EA9D7DCECD}"/>
     <pc:docChg chg="undo redo custSel addSld delSld modSld">
-      <pc:chgData name="Niels Berglund" userId="6462ffc3c746bb1c" providerId="LiveId" clId="{572CFA61-6849-42BD-B1DA-93EA9D7DCECD}" dt="2025-11-20T10:33:49.792" v="1251" actId="20577"/>
+      <pc:chgData name="Niels Berglund" userId="6462ffc3c746bb1c" providerId="LiveId" clId="{572CFA61-6849-42BD-B1DA-93EA9D7DCECD}" dt="2025-11-21T06:17:57.849" v="1257" actId="14100"/>
       <pc:docMkLst>
         <pc:docMk/>
       </pc:docMkLst>
@@ -700,6 +701,29 @@
           </ac:picMkLst>
         </pc:picChg>
       </pc:sldChg>
+      <pc:sldChg chg="addSp delSp modSp new mod">
+        <pc:chgData name="Niels Berglund" userId="6462ffc3c746bb1c" providerId="LiveId" clId="{572CFA61-6849-42BD-B1DA-93EA9D7DCECD}" dt="2025-11-21T06:17:57.849" v="1257" actId="14100"/>
+        <pc:sldMkLst>
+          <pc:docMk/>
+          <pc:sldMk cId="2813410835" sldId="349"/>
+        </pc:sldMkLst>
+        <pc:spChg chg="del">
+          <ac:chgData name="Niels Berglund" userId="6462ffc3c746bb1c" providerId="LiveId" clId="{572CFA61-6849-42BD-B1DA-93EA9D7DCECD}" dt="2025-11-21T06:17:51.495" v="1253"/>
+          <ac:spMkLst>
+            <pc:docMk/>
+            <pc:sldMk cId="2813410835" sldId="349"/>
+            <ac:spMk id="3" creationId="{3DCE38C8-386F-222A-DF62-203BBB19EC52}"/>
+          </ac:spMkLst>
+        </pc:spChg>
+        <pc:picChg chg="add mod">
+          <ac:chgData name="Niels Berglund" userId="6462ffc3c746bb1c" providerId="LiveId" clId="{572CFA61-6849-42BD-B1DA-93EA9D7DCECD}" dt="2025-11-21T06:17:57.849" v="1257" actId="14100"/>
+          <ac:picMkLst>
+            <pc:docMk/>
+            <pc:sldMk cId="2813410835" sldId="349"/>
+            <ac:picMk id="5" creationId="{66609B0F-81B9-A35C-20AB-5CB38BBEA825}"/>
+          </ac:picMkLst>
+        </pc:picChg>
+      </pc:sldChg>
     </pc:docChg>
   </pc:docChgLst>
 </pc:chgInfo>
@@ -787,7 +811,7 @@
           <a:p>
             <a:fld id="{C01FF5A2-7221-4D0A-BA7E-3E97D457CE20}" type="datetimeFigureOut">
               <a:rPr lang="en-US" smtClean="0"/>
-              <a:t>2025-11-20</a:t>
+              <a:t>2025-11-21</a:t>
             </a:fld>
             <a:endParaRPr lang="en-US"/>
           </a:p>
@@ -1186,7 +1210,7 @@
                 <a:tabLst/>
                 <a:defRPr/>
               </a:pPr>
-              <a:t>2</a:t>
+              <a:t>3</a:t>
             </a:fld>
             <a:endParaRPr kumimoji="0" lang="en-GB" sz="1200" b="0" i="0" u="none" strike="noStrike" kern="1200" cap="none" spc="0" normalizeH="0" baseline="0" noProof="0">
               <a:ln>
@@ -1330,7 +1354,7 @@
                 <a:tabLst/>
                 <a:defRPr/>
               </a:pPr>
-              <a:t>13</a:t>
+              <a:t>14</a:t>
             </a:fld>
             <a:endParaRPr kumimoji="0" lang="en-US" sz="1200" b="0" i="0" u="none" strike="noStrike" kern="1200" cap="none" spc="0" normalizeH="0" baseline="0" noProof="0">
               <a:ln>
@@ -1509,7 +1533,7 @@
           <a:p>
             <a:fld id="{2C846FF3-5801-4186-ADA5-4C3C17C77B4C}" type="datetimeFigureOut">
               <a:rPr lang="en-US" smtClean="0"/>
-              <a:t>2025-11-20</a:t>
+              <a:t>2025-11-21</a:t>
             </a:fld>
             <a:endParaRPr lang="en-US"/>
           </a:p>
@@ -1707,7 +1731,7 @@
           <a:p>
             <a:fld id="{2C846FF3-5801-4186-ADA5-4C3C17C77B4C}" type="datetimeFigureOut">
               <a:rPr lang="en-US" smtClean="0"/>
-              <a:t>2025-11-20</a:t>
+              <a:t>2025-11-21</a:t>
             </a:fld>
             <a:endParaRPr lang="en-US"/>
           </a:p>
@@ -1915,7 +1939,7 @@
           <a:p>
             <a:fld id="{2C846FF3-5801-4186-ADA5-4C3C17C77B4C}" type="datetimeFigureOut">
               <a:rPr lang="en-US" smtClean="0"/>
-              <a:t>2025-11-20</a:t>
+              <a:t>2025-11-21</a:t>
             </a:fld>
             <a:endParaRPr lang="en-US"/>
           </a:p>
@@ -2135,7 +2159,7 @@
           <a:p>
             <a:fld id="{35E7EF3B-1460-4EE6-BB1F-95D983DE5504}" type="datetimeFigureOut">
               <a:rPr lang="en-US" smtClean="0"/>
-              <a:t>2025-11-20</a:t>
+              <a:t>2025-11-21</a:t>
             </a:fld>
             <a:endParaRPr lang="en-US"/>
           </a:p>
@@ -2333,7 +2357,7 @@
           <a:p>
             <a:fld id="{35E7EF3B-1460-4EE6-BB1F-95D983DE5504}" type="datetimeFigureOut">
               <a:rPr lang="en-US" smtClean="0"/>
-              <a:t>2025-11-20</a:t>
+              <a:t>2025-11-21</a:t>
             </a:fld>
             <a:endParaRPr lang="en-US"/>
           </a:p>
@@ -2608,7 +2632,7 @@
           <a:p>
             <a:fld id="{35E7EF3B-1460-4EE6-BB1F-95D983DE5504}" type="datetimeFigureOut">
               <a:rPr lang="en-US" smtClean="0"/>
-              <a:t>2025-11-20</a:t>
+              <a:t>2025-11-21</a:t>
             </a:fld>
             <a:endParaRPr lang="en-US"/>
           </a:p>
@@ -2873,7 +2897,7 @@
           <a:p>
             <a:fld id="{35E7EF3B-1460-4EE6-BB1F-95D983DE5504}" type="datetimeFigureOut">
               <a:rPr lang="en-US" smtClean="0"/>
-              <a:t>2025-11-20</a:t>
+              <a:t>2025-11-21</a:t>
             </a:fld>
             <a:endParaRPr lang="en-US"/>
           </a:p>
@@ -3285,7 +3309,7 @@
           <a:p>
             <a:fld id="{35E7EF3B-1460-4EE6-BB1F-95D983DE5504}" type="datetimeFigureOut">
               <a:rPr lang="en-US" smtClean="0"/>
-              <a:t>2025-11-20</a:t>
+              <a:t>2025-11-21</a:t>
             </a:fld>
             <a:endParaRPr lang="en-US"/>
           </a:p>
@@ -3426,7 +3450,7 @@
           <a:p>
             <a:fld id="{35E7EF3B-1460-4EE6-BB1F-95D983DE5504}" type="datetimeFigureOut">
               <a:rPr lang="en-US" smtClean="0"/>
-              <a:t>2025-11-20</a:t>
+              <a:t>2025-11-21</a:t>
             </a:fld>
             <a:endParaRPr lang="en-US"/>
           </a:p>
@@ -3539,7 +3563,7 @@
           <a:p>
             <a:fld id="{35E7EF3B-1460-4EE6-BB1F-95D983DE5504}" type="datetimeFigureOut">
               <a:rPr lang="en-US" smtClean="0"/>
-              <a:t>2025-11-20</a:t>
+              <a:t>2025-11-21</a:t>
             </a:fld>
             <a:endParaRPr lang="en-US"/>
           </a:p>
@@ -3850,7 +3874,7 @@
           <a:p>
             <a:fld id="{35E7EF3B-1460-4EE6-BB1F-95D983DE5504}" type="datetimeFigureOut">
               <a:rPr lang="en-US" smtClean="0"/>
-              <a:t>2025-11-20</a:t>
+              <a:t>2025-11-21</a:t>
             </a:fld>
             <a:endParaRPr lang="en-US"/>
           </a:p>
@@ -4048,7 +4072,7 @@
           <a:p>
             <a:fld id="{2C846FF3-5801-4186-ADA5-4C3C17C77B4C}" type="datetimeFigureOut">
               <a:rPr lang="en-US" smtClean="0"/>
-              <a:t>2025-11-20</a:t>
+              <a:t>2025-11-21</a:t>
             </a:fld>
             <a:endParaRPr lang="en-US"/>
           </a:p>
@@ -4336,7 +4360,7 @@
           <a:p>
             <a:fld id="{35E7EF3B-1460-4EE6-BB1F-95D983DE5504}" type="datetimeFigureOut">
               <a:rPr lang="en-US" smtClean="0"/>
-              <a:t>2025-11-20</a:t>
+              <a:t>2025-11-21</a:t>
             </a:fld>
             <a:endParaRPr lang="en-US"/>
           </a:p>
@@ -4534,7 +4558,7 @@
           <a:p>
             <a:fld id="{35E7EF3B-1460-4EE6-BB1F-95D983DE5504}" type="datetimeFigureOut">
               <a:rPr lang="en-US" smtClean="0"/>
-              <a:t>2025-11-20</a:t>
+              <a:t>2025-11-21</a:t>
             </a:fld>
             <a:endParaRPr lang="en-US"/>
           </a:p>
@@ -4742,7 +4766,7 @@
           <a:p>
             <a:fld id="{35E7EF3B-1460-4EE6-BB1F-95D983DE5504}" type="datetimeFigureOut">
               <a:rPr lang="en-US" smtClean="0"/>
-              <a:t>2025-11-20</a:t>
+              <a:t>2025-11-21</a:t>
             </a:fld>
             <a:endParaRPr lang="en-US"/>
           </a:p>
@@ -5090,7 +5114,7 @@
           <a:p>
             <a:fld id="{2C846FF3-5801-4186-ADA5-4C3C17C77B4C}" type="datetimeFigureOut">
               <a:rPr lang="en-US" smtClean="0"/>
-              <a:t>2025-11-20</a:t>
+              <a:t>2025-11-21</a:t>
             </a:fld>
             <a:endParaRPr lang="en-US"/>
           </a:p>
@@ -5355,7 +5379,7 @@
           <a:p>
             <a:fld id="{2C846FF3-5801-4186-ADA5-4C3C17C77B4C}" type="datetimeFigureOut">
               <a:rPr lang="en-US" smtClean="0"/>
-              <a:t>2025-11-20</a:t>
+              <a:t>2025-11-21</a:t>
             </a:fld>
             <a:endParaRPr lang="en-US"/>
           </a:p>
@@ -5767,7 +5791,7 @@
           <a:p>
             <a:fld id="{2C846FF3-5801-4186-ADA5-4C3C17C77B4C}" type="datetimeFigureOut">
               <a:rPr lang="en-US" smtClean="0"/>
-              <a:t>2025-11-20</a:t>
+              <a:t>2025-11-21</a:t>
             </a:fld>
             <a:endParaRPr lang="en-US"/>
           </a:p>
@@ -5908,7 +5932,7 @@
           <a:p>
             <a:fld id="{2C846FF3-5801-4186-ADA5-4C3C17C77B4C}" type="datetimeFigureOut">
               <a:rPr lang="en-US" smtClean="0"/>
-              <a:t>2025-11-20</a:t>
+              <a:t>2025-11-21</a:t>
             </a:fld>
             <a:endParaRPr lang="en-US"/>
           </a:p>
@@ -6021,7 +6045,7 @@
           <a:p>
             <a:fld id="{2C846FF3-5801-4186-ADA5-4C3C17C77B4C}" type="datetimeFigureOut">
               <a:rPr lang="en-US" smtClean="0"/>
-              <a:t>2025-11-20</a:t>
+              <a:t>2025-11-21</a:t>
             </a:fld>
             <a:endParaRPr lang="en-US"/>
           </a:p>
@@ -6332,7 +6356,7 @@
           <a:p>
             <a:fld id="{2C846FF3-5801-4186-ADA5-4C3C17C77B4C}" type="datetimeFigureOut">
               <a:rPr lang="en-US" smtClean="0"/>
-              <a:t>2025-11-20</a:t>
+              <a:t>2025-11-21</a:t>
             </a:fld>
             <a:endParaRPr lang="en-US"/>
           </a:p>
@@ -6620,7 +6644,7 @@
           <a:p>
             <a:fld id="{2C846FF3-5801-4186-ADA5-4C3C17C77B4C}" type="datetimeFigureOut">
               <a:rPr lang="en-US" smtClean="0"/>
-              <a:t>2025-11-20</a:t>
+              <a:t>2025-11-21</a:t>
             </a:fld>
             <a:endParaRPr lang="en-US"/>
           </a:p>
@@ -6861,7 +6885,7 @@
           <a:p>
             <a:fld id="{2C846FF3-5801-4186-ADA5-4C3C17C77B4C}" type="datetimeFigureOut">
               <a:rPr lang="en-US" smtClean="0"/>
-              <a:t>2025-11-20</a:t>
+              <a:t>2025-11-21</a:t>
             </a:fld>
             <a:endParaRPr lang="en-US"/>
           </a:p>
@@ -7429,7 +7453,7 @@
           <a:p>
             <a:fld id="{35E7EF3B-1460-4EE6-BB1F-95D983DE5504}" type="datetimeFigureOut">
               <a:rPr lang="en-US" smtClean="0"/>
-              <a:t>2025-11-20</a:t>
+              <a:t>2025-11-21</a:t>
             </a:fld>
             <a:endParaRPr lang="en-US"/>
           </a:p>
@@ -8300,6 +8324,438 @@
   <p:cSld>
     <p:spTree>
       <p:nvGrpSpPr>
+        <p:cNvPr id="1" name="">
+          <a:extLst>
+            <a:ext uri="{FF2B5EF4-FFF2-40B4-BE49-F238E27FC236}">
+              <a16:creationId xmlns:a16="http://schemas.microsoft.com/office/drawing/2014/main" id="{C388E8A5-BD65-7336-7770-6E8D27EE2117}"/>
+            </a:ext>
+          </a:extLst>
+        </p:cNvPr>
+        <p:cNvGrpSpPr/>
+        <p:nvPr/>
+      </p:nvGrpSpPr>
+      <p:grpSpPr>
+        <a:xfrm>
+          <a:off x="0" y="0"/>
+          <a:ext cx="0" cy="0"/>
+          <a:chOff x="0" y="0"/>
+          <a:chExt cx="0" cy="0"/>
+        </a:xfrm>
+      </p:grpSpPr>
+      <p:pic>
+        <p:nvPicPr>
+          <p:cNvPr id="13" name="Picture 12" descr="A white background with blue waves&#10;&#10;AI-generated content may be incorrect.">
+            <a:extLst>
+              <a:ext uri="{FF2B5EF4-FFF2-40B4-BE49-F238E27FC236}">
+                <a16:creationId xmlns:a16="http://schemas.microsoft.com/office/drawing/2014/main" id="{42BE72AD-CAB0-8545-8CEB-E663801DA230}"/>
+              </a:ext>
+            </a:extLst>
+          </p:cNvPr>
+          <p:cNvPicPr>
+            <a:picLocks noChangeAspect="1"/>
+          </p:cNvPicPr>
+          <p:nvPr/>
+        </p:nvPicPr>
+        <p:blipFill>
+          <a:blip r:embed="rId2">
+            <a:extLst>
+              <a:ext uri="{28A0092B-C50C-407E-A947-70E740481C1C}">
+                <a14:useLocalDpi xmlns:a14="http://schemas.microsoft.com/office/drawing/2010/main" val="0"/>
+              </a:ext>
+            </a:extLst>
+          </a:blip>
+          <a:stretch>
+            <a:fillRect/>
+          </a:stretch>
+        </p:blipFill>
+        <p:spPr>
+          <a:xfrm>
+            <a:off x="0" y="4281"/>
+            <a:ext cx="12192000" cy="6849438"/>
+          </a:xfrm>
+          <a:prstGeom prst="rect">
+            <a:avLst/>
+          </a:prstGeom>
+        </p:spPr>
+      </p:pic>
+      <p:sp>
+        <p:nvSpPr>
+          <p:cNvPr id="2" name="Title 1">
+            <a:extLst>
+              <a:ext uri="{FF2B5EF4-FFF2-40B4-BE49-F238E27FC236}">
+                <a16:creationId xmlns:a16="http://schemas.microsoft.com/office/drawing/2014/main" id="{D535998D-4277-DE5E-EABF-6DE51048015D}"/>
+              </a:ext>
+            </a:extLst>
+          </p:cNvPr>
+          <p:cNvSpPr>
+            <a:spLocks noGrp="1"/>
+          </p:cNvSpPr>
+          <p:nvPr>
+            <p:ph type="title"/>
+          </p:nvPr>
+        </p:nvSpPr>
+        <p:spPr>
+          <a:xfrm>
+            <a:off x="839788" y="365125"/>
+            <a:ext cx="10869282" cy="1325563"/>
+          </a:xfrm>
+        </p:spPr>
+        <p:txBody>
+          <a:bodyPr/>
+          <a:lstStyle/>
+          <a:p>
+            <a:r>
+              <a:rPr lang="en-US" dirty="0">
+                <a:latin typeface="Arial Rounded MT Bold" panose="020F0704030504030204" pitchFamily="34" charset="0"/>
+              </a:rPr>
+              <a:t>Our Architecture Today</a:t>
+            </a:r>
+          </a:p>
+        </p:txBody>
+      </p:sp>
+      <p:sp>
+        <p:nvSpPr>
+          <p:cNvPr id="5" name="Rectangle: Rounded Corners 4">
+            <a:extLst>
+              <a:ext uri="{FF2B5EF4-FFF2-40B4-BE49-F238E27FC236}">
+                <a16:creationId xmlns:a16="http://schemas.microsoft.com/office/drawing/2014/main" id="{AC9B4D44-2D85-B13A-CE4D-5E7B47B70B46}"/>
+              </a:ext>
+            </a:extLst>
+          </p:cNvPr>
+          <p:cNvSpPr/>
+          <p:nvPr/>
+        </p:nvSpPr>
+        <p:spPr>
+          <a:xfrm>
+            <a:off x="3906981" y="1702564"/>
+            <a:ext cx="3716977" cy="1325564"/>
+          </a:xfrm>
+          <a:prstGeom prst="roundRect">
+            <a:avLst/>
+          </a:prstGeom>
+          <a:noFill/>
+        </p:spPr>
+        <p:style>
+          <a:lnRef idx="2">
+            <a:schemeClr val="accent1">
+              <a:shade val="15000"/>
+            </a:schemeClr>
+          </a:lnRef>
+          <a:fillRef idx="1">
+            <a:schemeClr val="accent1"/>
+          </a:fillRef>
+          <a:effectRef idx="0">
+            <a:schemeClr val="accent1"/>
+          </a:effectRef>
+          <a:fontRef idx="minor">
+            <a:schemeClr val="lt1"/>
+          </a:fontRef>
+        </p:style>
+        <p:txBody>
+          <a:bodyPr rtlCol="0" anchor="ctr"/>
+          <a:lstStyle/>
+          <a:p>
+            <a:r>
+              <a:rPr lang="en-US" dirty="0">
+                <a:solidFill>
+                  <a:schemeClr val="tx1"/>
+                </a:solidFill>
+                <a:latin typeface="Arial Rounded MT Bold" panose="020F0704030504030204" pitchFamily="34" charset="0"/>
+              </a:rPr>
+              <a:t>ASP.NET Core Web App</a:t>
+            </a:r>
+          </a:p>
+          <a:p>
+            <a:r>
+              <a:rPr lang="en-US" dirty="0">
+                <a:solidFill>
+                  <a:schemeClr val="tx1"/>
+                </a:solidFill>
+                <a:latin typeface="Arial Rounded MT Bold" panose="020F0704030504030204" pitchFamily="34" charset="0"/>
+              </a:rPr>
+              <a:t>  |-- </a:t>
+            </a:r>
+            <a:r>
+              <a:rPr lang="en-US" sz="1600" dirty="0">
+                <a:solidFill>
+                  <a:schemeClr val="tx1"/>
+                </a:solidFill>
+                <a:latin typeface="Arial Rounded MT Bold" panose="020F0704030504030204" pitchFamily="34" charset="0"/>
+              </a:rPr>
+              <a:t>Blazor/React UI (Chat)</a:t>
+            </a:r>
+          </a:p>
+          <a:p>
+            <a:r>
+              <a:rPr lang="en-US" dirty="0">
+                <a:solidFill>
+                  <a:schemeClr val="tx1"/>
+                </a:solidFill>
+                <a:latin typeface="Arial Rounded MT Bold" panose="020F0704030504030204" pitchFamily="34" charset="0"/>
+              </a:rPr>
+              <a:t>  |-- </a:t>
+            </a:r>
+            <a:r>
+              <a:rPr lang="en-US" sz="1600" dirty="0">
+                <a:solidFill>
+                  <a:schemeClr val="tx1"/>
+                </a:solidFill>
+                <a:latin typeface="Arial Rounded MT Bold" panose="020F0704030504030204" pitchFamily="34" charset="0"/>
+              </a:rPr>
+              <a:t>C# Backend</a:t>
+            </a:r>
+          </a:p>
+          <a:p>
+            <a:r>
+              <a:rPr lang="en-US" dirty="0">
+                <a:solidFill>
+                  <a:schemeClr val="tx1"/>
+                </a:solidFill>
+                <a:latin typeface="Arial Rounded MT Bold" panose="020F0704030504030204" pitchFamily="34" charset="0"/>
+              </a:rPr>
+              <a:t>  |-- </a:t>
+            </a:r>
+            <a:r>
+              <a:rPr lang="en-US" sz="1600" dirty="0">
+                <a:solidFill>
+                  <a:schemeClr val="tx1"/>
+                </a:solidFill>
+                <a:latin typeface="Arial Rounded MT Bold" panose="020F0704030504030204" pitchFamily="34" charset="0"/>
+              </a:rPr>
+              <a:t>Azure AI Integration</a:t>
+            </a:r>
+          </a:p>
+        </p:txBody>
+      </p:sp>
+      <p:sp>
+        <p:nvSpPr>
+          <p:cNvPr id="7" name="Rectangle: Rounded Corners 6">
+            <a:extLst>
+              <a:ext uri="{FF2B5EF4-FFF2-40B4-BE49-F238E27FC236}">
+                <a16:creationId xmlns:a16="http://schemas.microsoft.com/office/drawing/2014/main" id="{C29DC265-E4B4-7C3A-8554-A09D8035BA56}"/>
+              </a:ext>
+            </a:extLst>
+          </p:cNvPr>
+          <p:cNvSpPr/>
+          <p:nvPr/>
+        </p:nvSpPr>
+        <p:spPr>
+          <a:xfrm>
+            <a:off x="3906980" y="3746745"/>
+            <a:ext cx="3716977" cy="765879"/>
+          </a:xfrm>
+          <a:prstGeom prst="roundRect">
+            <a:avLst/>
+          </a:prstGeom>
+          <a:noFill/>
+        </p:spPr>
+        <p:style>
+          <a:lnRef idx="2">
+            <a:schemeClr val="accent1">
+              <a:shade val="15000"/>
+            </a:schemeClr>
+          </a:lnRef>
+          <a:fillRef idx="1">
+            <a:schemeClr val="accent1"/>
+          </a:fillRef>
+          <a:effectRef idx="0">
+            <a:schemeClr val="accent1"/>
+          </a:effectRef>
+          <a:fontRef idx="minor">
+            <a:schemeClr val="lt1"/>
+          </a:fontRef>
+        </p:style>
+        <p:txBody>
+          <a:bodyPr rtlCol="0" anchor="ctr"/>
+          <a:lstStyle/>
+          <a:p>
+            <a:pPr algn="ctr"/>
+            <a:r>
+              <a:rPr lang="en-US" dirty="0">
+                <a:solidFill>
+                  <a:schemeClr val="tx1"/>
+                </a:solidFill>
+                <a:latin typeface="Arial Rounded MT Bold" panose="020F0704030504030204" pitchFamily="34" charset="0"/>
+              </a:rPr>
+              <a:t>MSSQL MCP Server (Node.js)</a:t>
+            </a:r>
+          </a:p>
+        </p:txBody>
+      </p:sp>
+      <p:sp>
+        <p:nvSpPr>
+          <p:cNvPr id="8" name="Rectangle: Rounded Corners 7">
+            <a:extLst>
+              <a:ext uri="{FF2B5EF4-FFF2-40B4-BE49-F238E27FC236}">
+                <a16:creationId xmlns:a16="http://schemas.microsoft.com/office/drawing/2014/main" id="{4621B28D-C0E6-9999-8137-CE577A140E5E}"/>
+              </a:ext>
+            </a:extLst>
+          </p:cNvPr>
+          <p:cNvSpPr/>
+          <p:nvPr/>
+        </p:nvSpPr>
+        <p:spPr>
+          <a:xfrm>
+            <a:off x="3906980" y="5258162"/>
+            <a:ext cx="3716977" cy="871131"/>
+          </a:xfrm>
+          <a:prstGeom prst="roundRect">
+            <a:avLst/>
+          </a:prstGeom>
+          <a:noFill/>
+        </p:spPr>
+        <p:style>
+          <a:lnRef idx="2">
+            <a:schemeClr val="accent1">
+              <a:shade val="15000"/>
+            </a:schemeClr>
+          </a:lnRef>
+          <a:fillRef idx="1">
+            <a:schemeClr val="accent1"/>
+          </a:fillRef>
+          <a:effectRef idx="0">
+            <a:schemeClr val="accent1"/>
+          </a:effectRef>
+          <a:fontRef idx="minor">
+            <a:schemeClr val="lt1"/>
+          </a:fontRef>
+        </p:style>
+        <p:txBody>
+          <a:bodyPr rtlCol="0" anchor="ctr"/>
+          <a:lstStyle/>
+          <a:p>
+            <a:pPr algn="ctr"/>
+            <a:r>
+              <a:rPr lang="en-US" dirty="0">
+                <a:solidFill>
+                  <a:schemeClr val="tx1"/>
+                </a:solidFill>
+                <a:latin typeface="Arial Rounded MT Bold" panose="020F0704030504030204" pitchFamily="34" charset="0"/>
+              </a:rPr>
+              <a:t>SQL Server Database</a:t>
+            </a:r>
+          </a:p>
+          <a:p>
+            <a:pPr algn="ctr"/>
+            <a:r>
+              <a:rPr lang="en-US" dirty="0">
+                <a:solidFill>
+                  <a:schemeClr val="tx1"/>
+                </a:solidFill>
+                <a:latin typeface="Arial Rounded MT Bold" panose="020F0704030504030204" pitchFamily="34" charset="0"/>
+              </a:rPr>
+              <a:t>(Event Management Schema</a:t>
+            </a:r>
+          </a:p>
+        </p:txBody>
+      </p:sp>
+      <p:cxnSp>
+        <p:nvCxnSpPr>
+          <p:cNvPr id="10" name="Straight Arrow Connector 9">
+            <a:extLst>
+              <a:ext uri="{FF2B5EF4-FFF2-40B4-BE49-F238E27FC236}">
+                <a16:creationId xmlns:a16="http://schemas.microsoft.com/office/drawing/2014/main" id="{99FC591E-6F09-C5CA-59AD-530D032DD6A8}"/>
+              </a:ext>
+            </a:extLst>
+          </p:cNvPr>
+          <p:cNvCxnSpPr>
+            <a:stCxn id="5" idx="2"/>
+            <a:endCxn id="7" idx="0"/>
+          </p:cNvCxnSpPr>
+          <p:nvPr/>
+        </p:nvCxnSpPr>
+        <p:spPr>
+          <a:xfrm flipH="1">
+            <a:off x="5765469" y="3028128"/>
+            <a:ext cx="1" cy="718617"/>
+          </a:xfrm>
+          <a:prstGeom prst="straightConnector1">
+            <a:avLst/>
+          </a:prstGeom>
+          <a:ln w="38100">
+            <a:solidFill>
+              <a:schemeClr val="tx1"/>
+            </a:solidFill>
+            <a:prstDash val="dash"/>
+            <a:tailEnd type="triangle"/>
+          </a:ln>
+        </p:spPr>
+        <p:style>
+          <a:lnRef idx="2">
+            <a:schemeClr val="accent1"/>
+          </a:lnRef>
+          <a:fillRef idx="0">
+            <a:schemeClr val="accent1"/>
+          </a:fillRef>
+          <a:effectRef idx="1">
+            <a:schemeClr val="accent1"/>
+          </a:effectRef>
+          <a:fontRef idx="minor">
+            <a:schemeClr val="tx1"/>
+          </a:fontRef>
+        </p:style>
+      </p:cxnSp>
+      <p:cxnSp>
+        <p:nvCxnSpPr>
+          <p:cNvPr id="11" name="Straight Arrow Connector 10">
+            <a:extLst>
+              <a:ext uri="{FF2B5EF4-FFF2-40B4-BE49-F238E27FC236}">
+                <a16:creationId xmlns:a16="http://schemas.microsoft.com/office/drawing/2014/main" id="{BB15B4B5-0784-70AC-E43D-3C46EF6FDBB1}"/>
+              </a:ext>
+            </a:extLst>
+          </p:cNvPr>
+          <p:cNvCxnSpPr/>
+          <p:nvPr/>
+        </p:nvCxnSpPr>
+        <p:spPr>
+          <a:xfrm flipH="1">
+            <a:off x="5765467" y="4512624"/>
+            <a:ext cx="1" cy="718617"/>
+          </a:xfrm>
+          <a:prstGeom prst="straightConnector1">
+            <a:avLst/>
+          </a:prstGeom>
+          <a:ln w="38100">
+            <a:solidFill>
+              <a:schemeClr val="tx1"/>
+            </a:solidFill>
+            <a:prstDash val="dash"/>
+            <a:tailEnd type="triangle"/>
+          </a:ln>
+        </p:spPr>
+        <p:style>
+          <a:lnRef idx="2">
+            <a:schemeClr val="accent1"/>
+          </a:lnRef>
+          <a:fillRef idx="0">
+            <a:schemeClr val="accent1"/>
+          </a:fillRef>
+          <a:effectRef idx="1">
+            <a:schemeClr val="accent1"/>
+          </a:effectRef>
+          <a:fontRef idx="minor">
+            <a:schemeClr val="tx1"/>
+          </a:fontRef>
+        </p:style>
+      </p:cxnSp>
+    </p:spTree>
+    <p:extLst>
+      <p:ext uri="{BB962C8B-B14F-4D97-AF65-F5344CB8AC3E}">
+        <p14:creationId xmlns:p14="http://schemas.microsoft.com/office/powerpoint/2010/main" val="2328144897"/>
+      </p:ext>
+    </p:extLst>
+  </p:cSld>
+  <p:clrMapOvr>
+    <a:masterClrMapping/>
+  </p:clrMapOvr>
+</p:sld>
+</file>
+
+<file path=ppt/slides/slide11.xml><?xml version="1.0" encoding="utf-8"?>
+<p:sld xmlns:a="http://schemas.openxmlformats.org/drawingml/2006/main" xmlns:r="http://schemas.openxmlformats.org/officeDocument/2006/relationships" xmlns:p="http://schemas.openxmlformats.org/presentationml/2006/main">
+  <p:cSld>
+    <p:spTree>
+      <p:nvGrpSpPr>
         <p:cNvPr id="1" name=""/>
         <p:cNvGrpSpPr/>
         <p:nvPr/>
@@ -8466,7 +8922,7 @@
 </p:sld>
 </file>
 
-<file path=ppt/slides/slide11.xml><?xml version="1.0" encoding="utf-8"?>
+<file path=ppt/slides/slide12.xml><?xml version="1.0" encoding="utf-8"?>
 <p:sld xmlns:a="http://schemas.openxmlformats.org/drawingml/2006/main" xmlns:r="http://schemas.openxmlformats.org/officeDocument/2006/relationships" xmlns:p="http://schemas.openxmlformats.org/presentationml/2006/main">
   <p:cSld>
     <p:spTree>
@@ -8649,7 +9105,7 @@
 </p:sld>
 </file>
 
-<file path=ppt/slides/slide12.xml><?xml version="1.0" encoding="utf-8"?>
+<file path=ppt/slides/slide13.xml><?xml version="1.0" encoding="utf-8"?>
 <p:sld xmlns:a="http://schemas.openxmlformats.org/drawingml/2006/main" xmlns:r="http://schemas.openxmlformats.org/officeDocument/2006/relationships" xmlns:p="http://schemas.openxmlformats.org/presentationml/2006/main">
   <p:cSld>
     <p:spTree>
@@ -8819,7 +9275,7 @@
 </p:sld>
 </file>
 
-<file path=ppt/slides/slide13.xml><?xml version="1.0" encoding="utf-8"?>
+<file path=ppt/slides/slide14.xml><?xml version="1.0" encoding="utf-8"?>
 <p:sld xmlns:a="http://schemas.openxmlformats.org/drawingml/2006/main" xmlns:r="http://schemas.openxmlformats.org/officeDocument/2006/relationships" xmlns:p="http://schemas.openxmlformats.org/presentationml/2006/main">
   <p:cSld>
     <p:spTree>
@@ -9358,6 +9814,96 @@
 </file>
 
 <file path=ppt/slides/slide2.xml><?xml version="1.0" encoding="utf-8"?>
+<p:sld xmlns:a="http://schemas.openxmlformats.org/drawingml/2006/main" xmlns:r="http://schemas.openxmlformats.org/officeDocument/2006/relationships" xmlns:p="http://schemas.openxmlformats.org/presentationml/2006/main">
+  <p:cSld>
+    <p:spTree>
+      <p:nvGrpSpPr>
+        <p:cNvPr id="1" name=""/>
+        <p:cNvGrpSpPr/>
+        <p:nvPr/>
+      </p:nvGrpSpPr>
+      <p:grpSpPr>
+        <a:xfrm>
+          <a:off x="0" y="0"/>
+          <a:ext cx="0" cy="0"/>
+          <a:chOff x="0" y="0"/>
+          <a:chExt cx="0" cy="0"/>
+        </a:xfrm>
+      </p:grpSpPr>
+      <p:sp>
+        <p:nvSpPr>
+          <p:cNvPr id="2" name="Title 1">
+            <a:extLst>
+              <a:ext uri="{FF2B5EF4-FFF2-40B4-BE49-F238E27FC236}">
+                <a16:creationId xmlns:a16="http://schemas.microsoft.com/office/drawing/2014/main" id="{84E36576-CB04-8D7F-19B5-ACF5B083880F}"/>
+              </a:ext>
+            </a:extLst>
+          </p:cNvPr>
+          <p:cNvSpPr>
+            <a:spLocks noGrp="1"/>
+          </p:cNvSpPr>
+          <p:nvPr>
+            <p:ph type="title"/>
+          </p:nvPr>
+        </p:nvSpPr>
+        <p:spPr/>
+        <p:txBody>
+          <a:bodyPr/>
+          <a:lstStyle/>
+          <a:p>
+            <a:endParaRPr lang="en-US"/>
+          </a:p>
+        </p:txBody>
+      </p:sp>
+      <p:pic>
+        <p:nvPicPr>
+          <p:cNvPr id="5" name="Content Placeholder 4" descr="A screenshot of a blue background with white text&#10;&#10;AI-generated content may be incorrect.">
+            <a:extLst>
+              <a:ext uri="{FF2B5EF4-FFF2-40B4-BE49-F238E27FC236}">
+                <a16:creationId xmlns:a16="http://schemas.microsoft.com/office/drawing/2014/main" id="{66609B0F-81B9-A35C-20AB-5CB38BBEA825}"/>
+              </a:ext>
+            </a:extLst>
+          </p:cNvPr>
+          <p:cNvPicPr>
+            <a:picLocks noGrp="1" noChangeAspect="1"/>
+          </p:cNvPicPr>
+          <p:nvPr>
+            <p:ph idx="1"/>
+          </p:nvPr>
+        </p:nvPicPr>
+        <p:blipFill>
+          <a:blip r:embed="rId2">
+            <a:extLst>
+              <a:ext uri="{28A0092B-C50C-407E-A947-70E740481C1C}">
+                <a14:useLocalDpi xmlns:a14="http://schemas.microsoft.com/office/drawing/2010/main" val="0"/>
+              </a:ext>
+            </a:extLst>
+          </a:blip>
+          <a:stretch>
+            <a:fillRect/>
+          </a:stretch>
+        </p:blipFill>
+        <p:spPr>
+          <a:xfrm>
+            <a:off x="0" y="0"/>
+            <a:ext cx="12192000" cy="6858000"/>
+          </a:xfrm>
+        </p:spPr>
+      </p:pic>
+    </p:spTree>
+    <p:extLst>
+      <p:ext uri="{BB962C8B-B14F-4D97-AF65-F5344CB8AC3E}">
+        <p14:creationId xmlns:p14="http://schemas.microsoft.com/office/powerpoint/2010/main" val="2813410835"/>
+      </p:ext>
+    </p:extLst>
+  </p:cSld>
+  <p:clrMapOvr>
+    <a:masterClrMapping/>
+  </p:clrMapOvr>
+</p:sld>
+</file>
+
+<file path=ppt/slides/slide3.xml><?xml version="1.0" encoding="utf-8"?>
 <p:sld xmlns:a="http://schemas.openxmlformats.org/drawingml/2006/main" xmlns:r="http://schemas.openxmlformats.org/officeDocument/2006/relationships" xmlns:p="http://schemas.openxmlformats.org/presentationml/2006/main">
   <p:cSld>
     <p:spTree>
@@ -9699,7 +10245,7 @@
 </p:sld>
 </file>
 
-<file path=ppt/slides/slide3.xml><?xml version="1.0" encoding="utf-8"?>
+<file path=ppt/slides/slide4.xml><?xml version="1.0" encoding="utf-8"?>
 <p:sld xmlns:a="http://schemas.openxmlformats.org/drawingml/2006/main" xmlns:r="http://schemas.openxmlformats.org/officeDocument/2006/relationships" xmlns:p="http://schemas.openxmlformats.org/presentationml/2006/main">
   <p:cSld>
     <p:spTree>
@@ -9987,7 +10533,7 @@
 </p:sld>
 </file>
 
-<file path=ppt/slides/slide4.xml><?xml version="1.0" encoding="utf-8"?>
+<file path=ppt/slides/slide5.xml><?xml version="1.0" encoding="utf-8"?>
 <p:sld xmlns:a="http://schemas.openxmlformats.org/drawingml/2006/main" xmlns:r="http://schemas.openxmlformats.org/officeDocument/2006/relationships" xmlns:p="http://schemas.openxmlformats.org/presentationml/2006/main">
   <p:cSld>
     <p:spTree>
@@ -10182,7 +10728,7 @@
 </p:sld>
 </file>
 
-<file path=ppt/slides/slide5.xml><?xml version="1.0" encoding="utf-8"?>
+<file path=ppt/slides/slide6.xml><?xml version="1.0" encoding="utf-8"?>
 <p:sld xmlns:a="http://schemas.openxmlformats.org/drawingml/2006/main" xmlns:r="http://schemas.openxmlformats.org/officeDocument/2006/relationships" xmlns:p="http://schemas.openxmlformats.org/presentationml/2006/main">
   <p:cSld>
     <p:spTree>
@@ -10612,7 +11158,7 @@
 </p:sld>
 </file>
 
-<file path=ppt/slides/slide6.xml><?xml version="1.0" encoding="utf-8"?>
+<file path=ppt/slides/slide7.xml><?xml version="1.0" encoding="utf-8"?>
 <p:sld xmlns:a="http://schemas.openxmlformats.org/drawingml/2006/main" xmlns:r="http://schemas.openxmlformats.org/officeDocument/2006/relationships" xmlns:p="http://schemas.openxmlformats.org/presentationml/2006/main">
   <p:cSld>
     <p:spTree>
@@ -11920,7 +12466,7 @@
 </p:sld>
 </file>
 
-<file path=ppt/slides/slide7.xml><?xml version="1.0" encoding="utf-8"?>
+<file path=ppt/slides/slide8.xml><?xml version="1.0" encoding="utf-8"?>
 <p:sld xmlns:a="http://schemas.openxmlformats.org/drawingml/2006/main" xmlns:r="http://schemas.openxmlformats.org/officeDocument/2006/relationships" xmlns:p="http://schemas.openxmlformats.org/presentationml/2006/main">
   <p:cSld>
     <p:spTree>
@@ -12114,7 +12660,7 @@
 </p:sld>
 </file>
 
-<file path=ppt/slides/slide8.xml><?xml version="1.0" encoding="utf-8"?>
+<file path=ppt/slides/slide9.xml><?xml version="1.0" encoding="utf-8"?>
 <p:sld xmlns:a="http://schemas.openxmlformats.org/drawingml/2006/main" xmlns:r="http://schemas.openxmlformats.org/officeDocument/2006/relationships" xmlns:p="http://schemas.openxmlformats.org/presentationml/2006/main">
   <p:cSld>
     <p:spTree>
@@ -12357,438 +12903,6 @@
     <p:extLst>
       <p:ext uri="{BB962C8B-B14F-4D97-AF65-F5344CB8AC3E}">
         <p14:creationId xmlns:p14="http://schemas.microsoft.com/office/powerpoint/2010/main" val="156162954"/>
-      </p:ext>
-    </p:extLst>
-  </p:cSld>
-  <p:clrMapOvr>
-    <a:masterClrMapping/>
-  </p:clrMapOvr>
-</p:sld>
-</file>
-
-<file path=ppt/slides/slide9.xml><?xml version="1.0" encoding="utf-8"?>
-<p:sld xmlns:a="http://schemas.openxmlformats.org/drawingml/2006/main" xmlns:r="http://schemas.openxmlformats.org/officeDocument/2006/relationships" xmlns:p="http://schemas.openxmlformats.org/presentationml/2006/main">
-  <p:cSld>
-    <p:spTree>
-      <p:nvGrpSpPr>
-        <p:cNvPr id="1" name="">
-          <a:extLst>
-            <a:ext uri="{FF2B5EF4-FFF2-40B4-BE49-F238E27FC236}">
-              <a16:creationId xmlns:a16="http://schemas.microsoft.com/office/drawing/2014/main" id="{C388E8A5-BD65-7336-7770-6E8D27EE2117}"/>
-            </a:ext>
-          </a:extLst>
-        </p:cNvPr>
-        <p:cNvGrpSpPr/>
-        <p:nvPr/>
-      </p:nvGrpSpPr>
-      <p:grpSpPr>
-        <a:xfrm>
-          <a:off x="0" y="0"/>
-          <a:ext cx="0" cy="0"/>
-          <a:chOff x="0" y="0"/>
-          <a:chExt cx="0" cy="0"/>
-        </a:xfrm>
-      </p:grpSpPr>
-      <p:pic>
-        <p:nvPicPr>
-          <p:cNvPr id="13" name="Picture 12" descr="A white background with blue waves&#10;&#10;AI-generated content may be incorrect.">
-            <a:extLst>
-              <a:ext uri="{FF2B5EF4-FFF2-40B4-BE49-F238E27FC236}">
-                <a16:creationId xmlns:a16="http://schemas.microsoft.com/office/drawing/2014/main" id="{42BE72AD-CAB0-8545-8CEB-E663801DA230}"/>
-              </a:ext>
-            </a:extLst>
-          </p:cNvPr>
-          <p:cNvPicPr>
-            <a:picLocks noChangeAspect="1"/>
-          </p:cNvPicPr>
-          <p:nvPr/>
-        </p:nvPicPr>
-        <p:blipFill>
-          <a:blip r:embed="rId2">
-            <a:extLst>
-              <a:ext uri="{28A0092B-C50C-407E-A947-70E740481C1C}">
-                <a14:useLocalDpi xmlns:a14="http://schemas.microsoft.com/office/drawing/2010/main" val="0"/>
-              </a:ext>
-            </a:extLst>
-          </a:blip>
-          <a:stretch>
-            <a:fillRect/>
-          </a:stretch>
-        </p:blipFill>
-        <p:spPr>
-          <a:xfrm>
-            <a:off x="0" y="4281"/>
-            <a:ext cx="12192000" cy="6849438"/>
-          </a:xfrm>
-          <a:prstGeom prst="rect">
-            <a:avLst/>
-          </a:prstGeom>
-        </p:spPr>
-      </p:pic>
-      <p:sp>
-        <p:nvSpPr>
-          <p:cNvPr id="2" name="Title 1">
-            <a:extLst>
-              <a:ext uri="{FF2B5EF4-FFF2-40B4-BE49-F238E27FC236}">
-                <a16:creationId xmlns:a16="http://schemas.microsoft.com/office/drawing/2014/main" id="{D535998D-4277-DE5E-EABF-6DE51048015D}"/>
-              </a:ext>
-            </a:extLst>
-          </p:cNvPr>
-          <p:cNvSpPr>
-            <a:spLocks noGrp="1"/>
-          </p:cNvSpPr>
-          <p:nvPr>
-            <p:ph type="title"/>
-          </p:nvPr>
-        </p:nvSpPr>
-        <p:spPr>
-          <a:xfrm>
-            <a:off x="839788" y="365125"/>
-            <a:ext cx="10869282" cy="1325563"/>
-          </a:xfrm>
-        </p:spPr>
-        <p:txBody>
-          <a:bodyPr/>
-          <a:lstStyle/>
-          <a:p>
-            <a:r>
-              <a:rPr lang="en-US" dirty="0">
-                <a:latin typeface="Arial Rounded MT Bold" panose="020F0704030504030204" pitchFamily="34" charset="0"/>
-              </a:rPr>
-              <a:t>Our Architecture Today</a:t>
-            </a:r>
-          </a:p>
-        </p:txBody>
-      </p:sp>
-      <p:sp>
-        <p:nvSpPr>
-          <p:cNvPr id="5" name="Rectangle: Rounded Corners 4">
-            <a:extLst>
-              <a:ext uri="{FF2B5EF4-FFF2-40B4-BE49-F238E27FC236}">
-                <a16:creationId xmlns:a16="http://schemas.microsoft.com/office/drawing/2014/main" id="{AC9B4D44-2D85-B13A-CE4D-5E7B47B70B46}"/>
-              </a:ext>
-            </a:extLst>
-          </p:cNvPr>
-          <p:cNvSpPr/>
-          <p:nvPr/>
-        </p:nvSpPr>
-        <p:spPr>
-          <a:xfrm>
-            <a:off x="3906981" y="1702564"/>
-            <a:ext cx="3716977" cy="1325564"/>
-          </a:xfrm>
-          <a:prstGeom prst="roundRect">
-            <a:avLst/>
-          </a:prstGeom>
-          <a:noFill/>
-        </p:spPr>
-        <p:style>
-          <a:lnRef idx="2">
-            <a:schemeClr val="accent1">
-              <a:shade val="15000"/>
-            </a:schemeClr>
-          </a:lnRef>
-          <a:fillRef idx="1">
-            <a:schemeClr val="accent1"/>
-          </a:fillRef>
-          <a:effectRef idx="0">
-            <a:schemeClr val="accent1"/>
-          </a:effectRef>
-          <a:fontRef idx="minor">
-            <a:schemeClr val="lt1"/>
-          </a:fontRef>
-        </p:style>
-        <p:txBody>
-          <a:bodyPr rtlCol="0" anchor="ctr"/>
-          <a:lstStyle/>
-          <a:p>
-            <a:r>
-              <a:rPr lang="en-US" dirty="0">
-                <a:solidFill>
-                  <a:schemeClr val="tx1"/>
-                </a:solidFill>
-                <a:latin typeface="Arial Rounded MT Bold" panose="020F0704030504030204" pitchFamily="34" charset="0"/>
-              </a:rPr>
-              <a:t>ASP.NET Core Web App</a:t>
-            </a:r>
-          </a:p>
-          <a:p>
-            <a:r>
-              <a:rPr lang="en-US" dirty="0">
-                <a:solidFill>
-                  <a:schemeClr val="tx1"/>
-                </a:solidFill>
-                <a:latin typeface="Arial Rounded MT Bold" panose="020F0704030504030204" pitchFamily="34" charset="0"/>
-              </a:rPr>
-              <a:t>  |-- </a:t>
-            </a:r>
-            <a:r>
-              <a:rPr lang="en-US" sz="1600" dirty="0">
-                <a:solidFill>
-                  <a:schemeClr val="tx1"/>
-                </a:solidFill>
-                <a:latin typeface="Arial Rounded MT Bold" panose="020F0704030504030204" pitchFamily="34" charset="0"/>
-              </a:rPr>
-              <a:t>Blazor/React UI (Chat)</a:t>
-            </a:r>
-          </a:p>
-          <a:p>
-            <a:r>
-              <a:rPr lang="en-US" dirty="0">
-                <a:solidFill>
-                  <a:schemeClr val="tx1"/>
-                </a:solidFill>
-                <a:latin typeface="Arial Rounded MT Bold" panose="020F0704030504030204" pitchFamily="34" charset="0"/>
-              </a:rPr>
-              <a:t>  |-- </a:t>
-            </a:r>
-            <a:r>
-              <a:rPr lang="en-US" sz="1600" dirty="0">
-                <a:solidFill>
-                  <a:schemeClr val="tx1"/>
-                </a:solidFill>
-                <a:latin typeface="Arial Rounded MT Bold" panose="020F0704030504030204" pitchFamily="34" charset="0"/>
-              </a:rPr>
-              <a:t>C# Backend</a:t>
-            </a:r>
-          </a:p>
-          <a:p>
-            <a:r>
-              <a:rPr lang="en-US" dirty="0">
-                <a:solidFill>
-                  <a:schemeClr val="tx1"/>
-                </a:solidFill>
-                <a:latin typeface="Arial Rounded MT Bold" panose="020F0704030504030204" pitchFamily="34" charset="0"/>
-              </a:rPr>
-              <a:t>  |-- </a:t>
-            </a:r>
-            <a:r>
-              <a:rPr lang="en-US" sz="1600" dirty="0">
-                <a:solidFill>
-                  <a:schemeClr val="tx1"/>
-                </a:solidFill>
-                <a:latin typeface="Arial Rounded MT Bold" panose="020F0704030504030204" pitchFamily="34" charset="0"/>
-              </a:rPr>
-              <a:t>Azure AI Integration</a:t>
-            </a:r>
-          </a:p>
-        </p:txBody>
-      </p:sp>
-      <p:sp>
-        <p:nvSpPr>
-          <p:cNvPr id="7" name="Rectangle: Rounded Corners 6">
-            <a:extLst>
-              <a:ext uri="{FF2B5EF4-FFF2-40B4-BE49-F238E27FC236}">
-                <a16:creationId xmlns:a16="http://schemas.microsoft.com/office/drawing/2014/main" id="{C29DC265-E4B4-7C3A-8554-A09D8035BA56}"/>
-              </a:ext>
-            </a:extLst>
-          </p:cNvPr>
-          <p:cNvSpPr/>
-          <p:nvPr/>
-        </p:nvSpPr>
-        <p:spPr>
-          <a:xfrm>
-            <a:off x="3906980" y="3746745"/>
-            <a:ext cx="3716977" cy="765879"/>
-          </a:xfrm>
-          <a:prstGeom prst="roundRect">
-            <a:avLst/>
-          </a:prstGeom>
-          <a:noFill/>
-        </p:spPr>
-        <p:style>
-          <a:lnRef idx="2">
-            <a:schemeClr val="accent1">
-              <a:shade val="15000"/>
-            </a:schemeClr>
-          </a:lnRef>
-          <a:fillRef idx="1">
-            <a:schemeClr val="accent1"/>
-          </a:fillRef>
-          <a:effectRef idx="0">
-            <a:schemeClr val="accent1"/>
-          </a:effectRef>
-          <a:fontRef idx="minor">
-            <a:schemeClr val="lt1"/>
-          </a:fontRef>
-        </p:style>
-        <p:txBody>
-          <a:bodyPr rtlCol="0" anchor="ctr"/>
-          <a:lstStyle/>
-          <a:p>
-            <a:pPr algn="ctr"/>
-            <a:r>
-              <a:rPr lang="en-US" dirty="0">
-                <a:solidFill>
-                  <a:schemeClr val="tx1"/>
-                </a:solidFill>
-                <a:latin typeface="Arial Rounded MT Bold" panose="020F0704030504030204" pitchFamily="34" charset="0"/>
-              </a:rPr>
-              <a:t>MSSQL MCP Server (Node.js)</a:t>
-            </a:r>
-          </a:p>
-        </p:txBody>
-      </p:sp>
-      <p:sp>
-        <p:nvSpPr>
-          <p:cNvPr id="8" name="Rectangle: Rounded Corners 7">
-            <a:extLst>
-              <a:ext uri="{FF2B5EF4-FFF2-40B4-BE49-F238E27FC236}">
-                <a16:creationId xmlns:a16="http://schemas.microsoft.com/office/drawing/2014/main" id="{4621B28D-C0E6-9999-8137-CE577A140E5E}"/>
-              </a:ext>
-            </a:extLst>
-          </p:cNvPr>
-          <p:cNvSpPr/>
-          <p:nvPr/>
-        </p:nvSpPr>
-        <p:spPr>
-          <a:xfrm>
-            <a:off x="3906980" y="5258162"/>
-            <a:ext cx="3716977" cy="871131"/>
-          </a:xfrm>
-          <a:prstGeom prst="roundRect">
-            <a:avLst/>
-          </a:prstGeom>
-          <a:noFill/>
-        </p:spPr>
-        <p:style>
-          <a:lnRef idx="2">
-            <a:schemeClr val="accent1">
-              <a:shade val="15000"/>
-            </a:schemeClr>
-          </a:lnRef>
-          <a:fillRef idx="1">
-            <a:schemeClr val="accent1"/>
-          </a:fillRef>
-          <a:effectRef idx="0">
-            <a:schemeClr val="accent1"/>
-          </a:effectRef>
-          <a:fontRef idx="minor">
-            <a:schemeClr val="lt1"/>
-          </a:fontRef>
-        </p:style>
-        <p:txBody>
-          <a:bodyPr rtlCol="0" anchor="ctr"/>
-          <a:lstStyle/>
-          <a:p>
-            <a:pPr algn="ctr"/>
-            <a:r>
-              <a:rPr lang="en-US" dirty="0">
-                <a:solidFill>
-                  <a:schemeClr val="tx1"/>
-                </a:solidFill>
-                <a:latin typeface="Arial Rounded MT Bold" panose="020F0704030504030204" pitchFamily="34" charset="0"/>
-              </a:rPr>
-              <a:t>SQL Server Database</a:t>
-            </a:r>
-          </a:p>
-          <a:p>
-            <a:pPr algn="ctr"/>
-            <a:r>
-              <a:rPr lang="en-US" dirty="0">
-                <a:solidFill>
-                  <a:schemeClr val="tx1"/>
-                </a:solidFill>
-                <a:latin typeface="Arial Rounded MT Bold" panose="020F0704030504030204" pitchFamily="34" charset="0"/>
-              </a:rPr>
-              <a:t>(Event Management Schema</a:t>
-            </a:r>
-          </a:p>
-        </p:txBody>
-      </p:sp>
-      <p:cxnSp>
-        <p:nvCxnSpPr>
-          <p:cNvPr id="10" name="Straight Arrow Connector 9">
-            <a:extLst>
-              <a:ext uri="{FF2B5EF4-FFF2-40B4-BE49-F238E27FC236}">
-                <a16:creationId xmlns:a16="http://schemas.microsoft.com/office/drawing/2014/main" id="{99FC591E-6F09-C5CA-59AD-530D032DD6A8}"/>
-              </a:ext>
-            </a:extLst>
-          </p:cNvPr>
-          <p:cNvCxnSpPr>
-            <a:stCxn id="5" idx="2"/>
-            <a:endCxn id="7" idx="0"/>
-          </p:cNvCxnSpPr>
-          <p:nvPr/>
-        </p:nvCxnSpPr>
-        <p:spPr>
-          <a:xfrm flipH="1">
-            <a:off x="5765469" y="3028128"/>
-            <a:ext cx="1" cy="718617"/>
-          </a:xfrm>
-          <a:prstGeom prst="straightConnector1">
-            <a:avLst/>
-          </a:prstGeom>
-          <a:ln w="38100">
-            <a:solidFill>
-              <a:schemeClr val="tx1"/>
-            </a:solidFill>
-            <a:prstDash val="dash"/>
-            <a:tailEnd type="triangle"/>
-          </a:ln>
-        </p:spPr>
-        <p:style>
-          <a:lnRef idx="2">
-            <a:schemeClr val="accent1"/>
-          </a:lnRef>
-          <a:fillRef idx="0">
-            <a:schemeClr val="accent1"/>
-          </a:fillRef>
-          <a:effectRef idx="1">
-            <a:schemeClr val="accent1"/>
-          </a:effectRef>
-          <a:fontRef idx="minor">
-            <a:schemeClr val="tx1"/>
-          </a:fontRef>
-        </p:style>
-      </p:cxnSp>
-      <p:cxnSp>
-        <p:nvCxnSpPr>
-          <p:cNvPr id="11" name="Straight Arrow Connector 10">
-            <a:extLst>
-              <a:ext uri="{FF2B5EF4-FFF2-40B4-BE49-F238E27FC236}">
-                <a16:creationId xmlns:a16="http://schemas.microsoft.com/office/drawing/2014/main" id="{BB15B4B5-0784-70AC-E43D-3C46EF6FDBB1}"/>
-              </a:ext>
-            </a:extLst>
-          </p:cNvPr>
-          <p:cNvCxnSpPr/>
-          <p:nvPr/>
-        </p:nvCxnSpPr>
-        <p:spPr>
-          <a:xfrm flipH="1">
-            <a:off x="5765467" y="4512624"/>
-            <a:ext cx="1" cy="718617"/>
-          </a:xfrm>
-          <a:prstGeom prst="straightConnector1">
-            <a:avLst/>
-          </a:prstGeom>
-          <a:ln w="38100">
-            <a:solidFill>
-              <a:schemeClr val="tx1"/>
-            </a:solidFill>
-            <a:prstDash val="dash"/>
-            <a:tailEnd type="triangle"/>
-          </a:ln>
-        </p:spPr>
-        <p:style>
-          <a:lnRef idx="2">
-            <a:schemeClr val="accent1"/>
-          </a:lnRef>
-          <a:fillRef idx="0">
-            <a:schemeClr val="accent1"/>
-          </a:fillRef>
-          <a:effectRef idx="1">
-            <a:schemeClr val="accent1"/>
-          </a:effectRef>
-          <a:fontRef idx="minor">
-            <a:schemeClr val="tx1"/>
-          </a:fontRef>
-        </p:style>
-      </p:cxnSp>
-    </p:spTree>
-    <p:extLst>
-      <p:ext uri="{BB962C8B-B14F-4D97-AF65-F5344CB8AC3E}">
-        <p14:creationId xmlns:p14="http://schemas.microsoft.com/office/powerpoint/2010/main" val="2328144897"/>
       </p:ext>
     </p:extLst>
   </p:cSld>

--- a/DotNet-Conf/deck/dotnet-mcp.pptx
+++ b/DotNet-Conf/deck/dotnet-mcp.pptx
@@ -811,7 +811,7 @@
           <a:p>
             <a:fld id="{C01FF5A2-7221-4D0A-BA7E-3E97D457CE20}" type="datetimeFigureOut">
               <a:rPr lang="en-US" smtClean="0"/>
-              <a:t>2025-11-21</a:t>
+              <a:t>11/21/25</a:t>
             </a:fld>
             <a:endParaRPr lang="en-US"/>
           </a:p>
@@ -1286,6 +1286,148 @@
           <a:bodyPr/>
           <a:lstStyle/>
           <a:p>
+            <a:r>
+              <a:rPr lang="en-US" dirty="0"/>
+              <a:t>"Look, here's why this actually matters in your enterprise app. Without MCP, every time you want to connect AI to a database, or a CRM, or a file system, you're writing custom integration code. Custom auth, custom error handling, custom everything. And if you want to switch from Azure OpenAI to Claude? Good luck - you're rewriting everything.</a:t>
+            </a:r>
+          </a:p>
+          <a:p>
+            <a:r>
+              <a:rPr lang="en-US" dirty="0"/>
+              <a:t>MCP changes this. It's a standard protocol - think of it like REST for AI-to-tool communication. The MSSQL MCP Server we're using today? I could use it from a Python app tomorrow. Or a Node.js app. Or with Claude instead of Azure AI. Same server, zero code changes.</a:t>
+            </a:r>
+          </a:p>
+          <a:p>
+            <a:r>
+              <a:rPr lang="en-US" dirty="0"/>
+              <a:t>Security-wise, MCP gives you a proper boundary. The AI isn't executing arbitrary SQL - it's calling tools that the MCP server exposes. Want to prevent DELETE operations? Configure the MCP server. Want audit logs? They're built in.</a:t>
+            </a:r>
+          </a:p>
+          <a:p>
+            <a:r>
+              <a:rPr lang="en-US" dirty="0"/>
+              <a:t>Context wise: the AI tools need to know about the </a:t>
+            </a:r>
+            <a:r>
+              <a:rPr lang="en-US" dirty="0" err="1"/>
+              <a:t>db</a:t>
+            </a:r>
+            <a:r>
+              <a:rPr lang="en-US" dirty="0"/>
+              <a:t> schema, and you stuff that in the context </a:t>
+            </a:r>
+            <a:r>
+              <a:rPr lang="en-US" dirty="0" err="1"/>
+              <a:t>everytime</a:t>
+            </a:r>
+            <a:r>
+              <a:rPr lang="en-US" dirty="0"/>
+              <a:t>. Here the MCP Server provides tools that the AI can ask</a:t>
+            </a:r>
+          </a:p>
+          <a:p>
+            <a:r>
+              <a:rPr lang="en-US" dirty="0"/>
+              <a:t>Tool discovery: the MCP Server tells the AI what tools are available</a:t>
+            </a:r>
+          </a:p>
+          <a:p>
+            <a:r>
+              <a:rPr lang="en-US" dirty="0"/>
+              <a:t>And here's the business case: companies building AI apps right now are spending 80% of their time on integration plumbing and 20% on actual features. MCP flips that. You spend your time building features, not reinventing authentication and error handling.</a:t>
+            </a:r>
+          </a:p>
+          <a:p>
+            <a:r>
+              <a:rPr lang="en-US" dirty="0"/>
+              <a:t>This isn't academic. Microsoft is betting on this. They built the MSSQL MCP Server we're using. They're integrating MCP into VS Code, into Azure. This is becoming the standard, and if you're building enterprise AI apps, you want to be on the right side of that standard."</a:t>
+            </a:r>
+          </a:p>
+          <a:p>
+            <a:endParaRPr lang="en-US" dirty="0"/>
+          </a:p>
+        </p:txBody>
+      </p:sp>
+      <p:sp>
+        <p:nvSpPr>
+          <p:cNvPr id="4" name="Slide Number Placeholder 3"/>
+          <p:cNvSpPr>
+            <a:spLocks noGrp="1"/>
+          </p:cNvSpPr>
+          <p:nvPr>
+            <p:ph type="sldNum" sz="quarter" idx="5"/>
+          </p:nvPr>
+        </p:nvSpPr>
+        <p:spPr/>
+        <p:txBody>
+          <a:bodyPr/>
+          <a:lstStyle/>
+          <a:p>
+            <a:fld id="{63CB3EF4-88E8-4C44-ACD9-4A29BA467B38}" type="slidenum">
+              <a:rPr lang="en-US" smtClean="0"/>
+              <a:t>8</a:t>
+            </a:fld>
+            <a:endParaRPr lang="en-US"/>
+          </a:p>
+        </p:txBody>
+      </p:sp>
+    </p:spTree>
+    <p:extLst>
+      <p:ext uri="{BB962C8B-B14F-4D97-AF65-F5344CB8AC3E}">
+        <p14:creationId xmlns:p14="http://schemas.microsoft.com/office/powerpoint/2010/main" val="2610471502"/>
+      </p:ext>
+    </p:extLst>
+  </p:cSld>
+  <p:clrMapOvr>
+    <a:masterClrMapping/>
+  </p:clrMapOvr>
+</p:notes>
+</file>
+
+<file path=ppt/notesSlides/notesSlide3.xml><?xml version="1.0" encoding="utf-8"?>
+<p:notes xmlns:a="http://schemas.openxmlformats.org/drawingml/2006/main" xmlns:r="http://schemas.openxmlformats.org/officeDocument/2006/relationships" xmlns:p="http://schemas.openxmlformats.org/presentationml/2006/main">
+  <p:cSld>
+    <p:spTree>
+      <p:nvGrpSpPr>
+        <p:cNvPr id="1" name=""/>
+        <p:cNvGrpSpPr/>
+        <p:nvPr/>
+      </p:nvGrpSpPr>
+      <p:grpSpPr>
+        <a:xfrm>
+          <a:off x="0" y="0"/>
+          <a:ext cx="0" cy="0"/>
+          <a:chOff x="0" y="0"/>
+          <a:chExt cx="0" cy="0"/>
+        </a:xfrm>
+      </p:grpSpPr>
+      <p:sp>
+        <p:nvSpPr>
+          <p:cNvPr id="2" name="Slide Image Placeholder 1"/>
+          <p:cNvSpPr>
+            <a:spLocks noGrp="1" noRot="1" noChangeAspect="1"/>
+          </p:cNvSpPr>
+          <p:nvPr>
+            <p:ph type="sldImg"/>
+          </p:nvPr>
+        </p:nvSpPr>
+        <p:spPr/>
+      </p:sp>
+      <p:sp>
+        <p:nvSpPr>
+          <p:cNvPr id="3" name="Notes Placeholder 2"/>
+          <p:cNvSpPr>
+            <a:spLocks noGrp="1"/>
+          </p:cNvSpPr>
+          <p:nvPr>
+            <p:ph type="body" idx="1"/>
+          </p:nvPr>
+        </p:nvSpPr>
+        <p:spPr/>
+        <p:txBody>
+          <a:bodyPr/>
+          <a:lstStyle/>
+          <a:p>
             <a:endParaRPr lang="en-US"/>
           </a:p>
         </p:txBody>
@@ -1533,7 +1675,7 @@
           <a:p>
             <a:fld id="{2C846FF3-5801-4186-ADA5-4C3C17C77B4C}" type="datetimeFigureOut">
               <a:rPr lang="en-US" smtClean="0"/>
-              <a:t>2025-11-21</a:t>
+              <a:t>11/21/25</a:t>
             </a:fld>
             <a:endParaRPr lang="en-US"/>
           </a:p>
@@ -1731,7 +1873,7 @@
           <a:p>
             <a:fld id="{2C846FF3-5801-4186-ADA5-4C3C17C77B4C}" type="datetimeFigureOut">
               <a:rPr lang="en-US" smtClean="0"/>
-              <a:t>2025-11-21</a:t>
+              <a:t>11/21/25</a:t>
             </a:fld>
             <a:endParaRPr lang="en-US"/>
           </a:p>
@@ -1939,7 +2081,7 @@
           <a:p>
             <a:fld id="{2C846FF3-5801-4186-ADA5-4C3C17C77B4C}" type="datetimeFigureOut">
               <a:rPr lang="en-US" smtClean="0"/>
-              <a:t>2025-11-21</a:t>
+              <a:t>11/21/25</a:t>
             </a:fld>
             <a:endParaRPr lang="en-US"/>
           </a:p>
@@ -2159,7 +2301,7 @@
           <a:p>
             <a:fld id="{35E7EF3B-1460-4EE6-BB1F-95D983DE5504}" type="datetimeFigureOut">
               <a:rPr lang="en-US" smtClean="0"/>
-              <a:t>2025-11-21</a:t>
+              <a:t>11/21/25</a:t>
             </a:fld>
             <a:endParaRPr lang="en-US"/>
           </a:p>
@@ -2357,7 +2499,7 @@
           <a:p>
             <a:fld id="{35E7EF3B-1460-4EE6-BB1F-95D983DE5504}" type="datetimeFigureOut">
               <a:rPr lang="en-US" smtClean="0"/>
-              <a:t>2025-11-21</a:t>
+              <a:t>11/21/25</a:t>
             </a:fld>
             <a:endParaRPr lang="en-US"/>
           </a:p>
@@ -2632,7 +2774,7 @@
           <a:p>
             <a:fld id="{35E7EF3B-1460-4EE6-BB1F-95D983DE5504}" type="datetimeFigureOut">
               <a:rPr lang="en-US" smtClean="0"/>
-              <a:t>2025-11-21</a:t>
+              <a:t>11/21/25</a:t>
             </a:fld>
             <a:endParaRPr lang="en-US"/>
           </a:p>
@@ -2897,7 +3039,7 @@
           <a:p>
             <a:fld id="{35E7EF3B-1460-4EE6-BB1F-95D983DE5504}" type="datetimeFigureOut">
               <a:rPr lang="en-US" smtClean="0"/>
-              <a:t>2025-11-21</a:t>
+              <a:t>11/21/25</a:t>
             </a:fld>
             <a:endParaRPr lang="en-US"/>
           </a:p>
@@ -3309,7 +3451,7 @@
           <a:p>
             <a:fld id="{35E7EF3B-1460-4EE6-BB1F-95D983DE5504}" type="datetimeFigureOut">
               <a:rPr lang="en-US" smtClean="0"/>
-              <a:t>2025-11-21</a:t>
+              <a:t>11/21/25</a:t>
             </a:fld>
             <a:endParaRPr lang="en-US"/>
           </a:p>
@@ -3450,7 +3592,7 @@
           <a:p>
             <a:fld id="{35E7EF3B-1460-4EE6-BB1F-95D983DE5504}" type="datetimeFigureOut">
               <a:rPr lang="en-US" smtClean="0"/>
-              <a:t>2025-11-21</a:t>
+              <a:t>11/21/25</a:t>
             </a:fld>
             <a:endParaRPr lang="en-US"/>
           </a:p>
@@ -3563,7 +3705,7 @@
           <a:p>
             <a:fld id="{35E7EF3B-1460-4EE6-BB1F-95D983DE5504}" type="datetimeFigureOut">
               <a:rPr lang="en-US" smtClean="0"/>
-              <a:t>2025-11-21</a:t>
+              <a:t>11/21/25</a:t>
             </a:fld>
             <a:endParaRPr lang="en-US"/>
           </a:p>
@@ -3874,7 +4016,7 @@
           <a:p>
             <a:fld id="{35E7EF3B-1460-4EE6-BB1F-95D983DE5504}" type="datetimeFigureOut">
               <a:rPr lang="en-US" smtClean="0"/>
-              <a:t>2025-11-21</a:t>
+              <a:t>11/21/25</a:t>
             </a:fld>
             <a:endParaRPr lang="en-US"/>
           </a:p>
@@ -4072,7 +4214,7 @@
           <a:p>
             <a:fld id="{2C846FF3-5801-4186-ADA5-4C3C17C77B4C}" type="datetimeFigureOut">
               <a:rPr lang="en-US" smtClean="0"/>
-              <a:t>2025-11-21</a:t>
+              <a:t>11/21/25</a:t>
             </a:fld>
             <a:endParaRPr lang="en-US"/>
           </a:p>
@@ -4360,7 +4502,7 @@
           <a:p>
             <a:fld id="{35E7EF3B-1460-4EE6-BB1F-95D983DE5504}" type="datetimeFigureOut">
               <a:rPr lang="en-US" smtClean="0"/>
-              <a:t>2025-11-21</a:t>
+              <a:t>11/21/25</a:t>
             </a:fld>
             <a:endParaRPr lang="en-US"/>
           </a:p>
@@ -4558,7 +4700,7 @@
           <a:p>
             <a:fld id="{35E7EF3B-1460-4EE6-BB1F-95D983DE5504}" type="datetimeFigureOut">
               <a:rPr lang="en-US" smtClean="0"/>
-              <a:t>2025-11-21</a:t>
+              <a:t>11/21/25</a:t>
             </a:fld>
             <a:endParaRPr lang="en-US"/>
           </a:p>
@@ -4766,7 +4908,7 @@
           <a:p>
             <a:fld id="{35E7EF3B-1460-4EE6-BB1F-95D983DE5504}" type="datetimeFigureOut">
               <a:rPr lang="en-US" smtClean="0"/>
-              <a:t>2025-11-21</a:t>
+              <a:t>11/21/25</a:t>
             </a:fld>
             <a:endParaRPr lang="en-US"/>
           </a:p>
@@ -5114,7 +5256,7 @@
           <a:p>
             <a:fld id="{2C846FF3-5801-4186-ADA5-4C3C17C77B4C}" type="datetimeFigureOut">
               <a:rPr lang="en-US" smtClean="0"/>
-              <a:t>2025-11-21</a:t>
+              <a:t>11/21/25</a:t>
             </a:fld>
             <a:endParaRPr lang="en-US"/>
           </a:p>
@@ -5379,7 +5521,7 @@
           <a:p>
             <a:fld id="{2C846FF3-5801-4186-ADA5-4C3C17C77B4C}" type="datetimeFigureOut">
               <a:rPr lang="en-US" smtClean="0"/>
-              <a:t>2025-11-21</a:t>
+              <a:t>11/21/25</a:t>
             </a:fld>
             <a:endParaRPr lang="en-US"/>
           </a:p>
@@ -5791,7 +5933,7 @@
           <a:p>
             <a:fld id="{2C846FF3-5801-4186-ADA5-4C3C17C77B4C}" type="datetimeFigureOut">
               <a:rPr lang="en-US" smtClean="0"/>
-              <a:t>2025-11-21</a:t>
+              <a:t>11/21/25</a:t>
             </a:fld>
             <a:endParaRPr lang="en-US"/>
           </a:p>
@@ -5932,7 +6074,7 @@
           <a:p>
             <a:fld id="{2C846FF3-5801-4186-ADA5-4C3C17C77B4C}" type="datetimeFigureOut">
               <a:rPr lang="en-US" smtClean="0"/>
-              <a:t>2025-11-21</a:t>
+              <a:t>11/21/25</a:t>
             </a:fld>
             <a:endParaRPr lang="en-US"/>
           </a:p>
@@ -6045,7 +6187,7 @@
           <a:p>
             <a:fld id="{2C846FF3-5801-4186-ADA5-4C3C17C77B4C}" type="datetimeFigureOut">
               <a:rPr lang="en-US" smtClean="0"/>
-              <a:t>2025-11-21</a:t>
+              <a:t>11/21/25</a:t>
             </a:fld>
             <a:endParaRPr lang="en-US"/>
           </a:p>
@@ -6356,7 +6498,7 @@
           <a:p>
             <a:fld id="{2C846FF3-5801-4186-ADA5-4C3C17C77B4C}" type="datetimeFigureOut">
               <a:rPr lang="en-US" smtClean="0"/>
-              <a:t>2025-11-21</a:t>
+              <a:t>11/21/25</a:t>
             </a:fld>
             <a:endParaRPr lang="en-US"/>
           </a:p>
@@ -6644,7 +6786,7 @@
           <a:p>
             <a:fld id="{2C846FF3-5801-4186-ADA5-4C3C17C77B4C}" type="datetimeFigureOut">
               <a:rPr lang="en-US" smtClean="0"/>
-              <a:t>2025-11-21</a:t>
+              <a:t>11/21/25</a:t>
             </a:fld>
             <a:endParaRPr lang="en-US"/>
           </a:p>
@@ -6885,7 +7027,7 @@
           <a:p>
             <a:fld id="{2C846FF3-5801-4186-ADA5-4C3C17C77B4C}" type="datetimeFigureOut">
               <a:rPr lang="en-US" smtClean="0"/>
-              <a:t>2025-11-21</a:t>
+              <a:t>11/21/25</a:t>
             </a:fld>
             <a:endParaRPr lang="en-US"/>
           </a:p>
@@ -7453,7 +7595,7 @@
           <a:p>
             <a:fld id="{35E7EF3B-1460-4EE6-BB1F-95D983DE5504}" type="datetimeFigureOut">
               <a:rPr lang="en-US" smtClean="0"/>
-              <a:t>2025-11-21</a:t>
+              <a:t>11/21/25</a:t>
             </a:fld>
             <a:endParaRPr lang="en-US"/>
           </a:p>
@@ -8482,7 +8624,7 @@
                 </a:solidFill>
                 <a:latin typeface="Arial Rounded MT Bold" panose="020F0704030504030204" pitchFamily="34" charset="0"/>
               </a:rPr>
-              <a:t>Blazor/React UI (Chat)</a:t>
+              <a:t>UI (Chat)</a:t>
             </a:r>
           </a:p>
           <a:p>
@@ -12504,7 +12646,7 @@
           <p:nvPr/>
         </p:nvPicPr>
         <p:blipFill>
-          <a:blip r:embed="rId2">
+          <a:blip r:embed="rId3">
             <a:extLst>
               <a:ext uri="{28A0092B-C50C-407E-A947-70E740481C1C}">
                 <a14:useLocalDpi xmlns:a14="http://schemas.microsoft.com/office/drawing/2010/main" val="0"/>

--- a/DotNet-Conf/deck/dotnet-mcp.pptx
+++ b/DotNet-Conf/deck/dotnet-mcp.pptx
@@ -6,23 +6,24 @@
     <p:sldMasterId id="2147483660" r:id="rId2"/>
   </p:sldMasterIdLst>
   <p:notesMasterIdLst>
-    <p:notesMasterId r:id="rId17"/>
+    <p:notesMasterId r:id="rId18"/>
   </p:notesMasterIdLst>
   <p:sldIdLst>
     <p:sldId id="256" r:id="rId3"/>
     <p:sldId id="349" r:id="rId4"/>
-    <p:sldId id="342" r:id="rId5"/>
-    <p:sldId id="257" r:id="rId6"/>
-    <p:sldId id="259" r:id="rId7"/>
-    <p:sldId id="260" r:id="rId8"/>
-    <p:sldId id="261" r:id="rId9"/>
-    <p:sldId id="262" r:id="rId10"/>
-    <p:sldId id="263" r:id="rId11"/>
-    <p:sldId id="264" r:id="rId12"/>
-    <p:sldId id="265" r:id="rId13"/>
-    <p:sldId id="266" r:id="rId14"/>
-    <p:sldId id="267" r:id="rId15"/>
-    <p:sldId id="348" r:id="rId16"/>
+    <p:sldId id="350" r:id="rId5"/>
+    <p:sldId id="342" r:id="rId6"/>
+    <p:sldId id="257" r:id="rId7"/>
+    <p:sldId id="259" r:id="rId8"/>
+    <p:sldId id="260" r:id="rId9"/>
+    <p:sldId id="261" r:id="rId10"/>
+    <p:sldId id="262" r:id="rId11"/>
+    <p:sldId id="263" r:id="rId12"/>
+    <p:sldId id="264" r:id="rId13"/>
+    <p:sldId id="265" r:id="rId14"/>
+    <p:sldId id="266" r:id="rId15"/>
+    <p:sldId id="267" r:id="rId16"/>
+    <p:sldId id="348" r:id="rId17"/>
   </p:sldIdLst>
   <p:sldSz cx="12192000" cy="6858000"/>
   <p:notesSz cx="6858000" cy="9144000"/>
@@ -134,7 +135,7 @@
   <pc:docChgLst>
     <pc:chgData name="Niels Berglund" userId="6462ffc3c746bb1c" providerId="LiveId" clId="{572CFA61-6849-42BD-B1DA-93EA9D7DCECD}"/>
     <pc:docChg chg="undo redo custSel addSld delSld modSld">
-      <pc:chgData name="Niels Berglund" userId="6462ffc3c746bb1c" providerId="LiveId" clId="{572CFA61-6849-42BD-B1DA-93EA9D7DCECD}" dt="2025-11-21T06:17:57.849" v="1257" actId="14100"/>
+      <pc:chgData name="Niels Berglund" userId="6462ffc3c746bb1c" providerId="LiveId" clId="{572CFA61-6849-42BD-B1DA-93EA9D7DCECD}" dt="2025-11-28T10:19:36.074" v="1265" actId="14100"/>
       <pc:docMkLst>
         <pc:docMk/>
       </pc:docMkLst>
@@ -701,26 +702,49 @@
           </ac:picMkLst>
         </pc:picChg>
       </pc:sldChg>
-      <pc:sldChg chg="addSp delSp modSp new mod">
-        <pc:chgData name="Niels Berglund" userId="6462ffc3c746bb1c" providerId="LiveId" clId="{572CFA61-6849-42BD-B1DA-93EA9D7DCECD}" dt="2025-11-21T06:17:57.849" v="1257" actId="14100"/>
+      <pc:sldChg chg="addSp delSp modSp new mod modShow">
+        <pc:chgData name="Niels Berglund" userId="6462ffc3c746bb1c" providerId="LiveId" clId="{572CFA61-6849-42BD-B1DA-93EA9D7DCECD}" dt="2025-11-28T10:18:57.515" v="1258" actId="729"/>
         <pc:sldMkLst>
           <pc:docMk/>
           <pc:sldMk cId="2813410835" sldId="349"/>
         </pc:sldMkLst>
-        <pc:spChg chg="del">
-          <ac:chgData name="Niels Berglund" userId="6462ffc3c746bb1c" providerId="LiveId" clId="{572CFA61-6849-42BD-B1DA-93EA9D7DCECD}" dt="2025-11-21T06:17:51.495" v="1253"/>
-          <ac:spMkLst>
-            <pc:docMk/>
-            <pc:sldMk cId="2813410835" sldId="349"/>
-            <ac:spMk id="3" creationId="{3DCE38C8-386F-222A-DF62-203BBB19EC52}"/>
-          </ac:spMkLst>
-        </pc:spChg>
         <pc:picChg chg="add mod">
           <ac:chgData name="Niels Berglund" userId="6462ffc3c746bb1c" providerId="LiveId" clId="{572CFA61-6849-42BD-B1DA-93EA9D7DCECD}" dt="2025-11-21T06:17:57.849" v="1257" actId="14100"/>
           <ac:picMkLst>
             <pc:docMk/>
             <pc:sldMk cId="2813410835" sldId="349"/>
             <ac:picMk id="5" creationId="{66609B0F-81B9-A35C-20AB-5CB38BBEA825}"/>
+          </ac:picMkLst>
+        </pc:picChg>
+      </pc:sldChg>
+      <pc:sldChg chg="addSp delSp modSp new mod">
+        <pc:chgData name="Niels Berglund" userId="6462ffc3c746bb1c" providerId="LiveId" clId="{572CFA61-6849-42BD-B1DA-93EA9D7DCECD}" dt="2025-11-28T10:19:36.074" v="1265" actId="14100"/>
+        <pc:sldMkLst>
+          <pc:docMk/>
+          <pc:sldMk cId="355482602" sldId="350"/>
+        </pc:sldMkLst>
+        <pc:spChg chg="del">
+          <ac:chgData name="Niels Berglund" userId="6462ffc3c746bb1c" providerId="LiveId" clId="{572CFA61-6849-42BD-B1DA-93EA9D7DCECD}" dt="2025-11-28T10:19:10.685" v="1260" actId="478"/>
+          <ac:spMkLst>
+            <pc:docMk/>
+            <pc:sldMk cId="355482602" sldId="350"/>
+            <ac:spMk id="2" creationId="{AFFC599B-FB0D-FE7E-1269-13A28D7E04FE}"/>
+          </ac:spMkLst>
+        </pc:spChg>
+        <pc:spChg chg="del">
+          <ac:chgData name="Niels Berglund" userId="6462ffc3c746bb1c" providerId="LiveId" clId="{572CFA61-6849-42BD-B1DA-93EA9D7DCECD}" dt="2025-11-28T10:19:10.685" v="1260" actId="478"/>
+          <ac:spMkLst>
+            <pc:docMk/>
+            <pc:sldMk cId="355482602" sldId="350"/>
+            <ac:spMk id="3" creationId="{C4B9441C-7E8E-171D-0D18-43ACEC69F807}"/>
+          </ac:spMkLst>
+        </pc:spChg>
+        <pc:picChg chg="add mod">
+          <ac:chgData name="Niels Berglund" userId="6462ffc3c746bb1c" providerId="LiveId" clId="{572CFA61-6849-42BD-B1DA-93EA9D7DCECD}" dt="2025-11-28T10:19:36.074" v="1265" actId="14100"/>
+          <ac:picMkLst>
+            <pc:docMk/>
+            <pc:sldMk cId="355482602" sldId="350"/>
+            <ac:picMk id="5" creationId="{5EDB5E82-9600-84F8-B7CC-9B69ADF63E2D}"/>
           </ac:picMkLst>
         </pc:picChg>
       </pc:sldChg>
@@ -811,7 +835,7 @@
           <a:p>
             <a:fld id="{C01FF5A2-7221-4D0A-BA7E-3E97D457CE20}" type="datetimeFigureOut">
               <a:rPr lang="en-US" smtClean="0"/>
-              <a:t>11/21/25</a:t>
+              <a:t>2025-11-28</a:t>
             </a:fld>
             <a:endParaRPr lang="en-US"/>
           </a:p>
@@ -1210,7 +1234,7 @@
                 <a:tabLst/>
                 <a:defRPr/>
               </a:pPr>
-              <a:t>3</a:t>
+              <a:t>4</a:t>
             </a:fld>
             <a:endParaRPr kumimoji="0" lang="en-GB" sz="1200" b="0" i="0" u="none" strike="noStrike" kern="1200" cap="none" spc="0" normalizeH="0" baseline="0" noProof="0">
               <a:ln>
@@ -1365,7 +1389,7 @@
           <a:p>
             <a:fld id="{63CB3EF4-88E8-4C44-ACD9-4A29BA467B38}" type="slidenum">
               <a:rPr lang="en-US" smtClean="0"/>
-              <a:t>8</a:t>
+              <a:t>9</a:t>
             </a:fld>
             <a:endParaRPr lang="en-US"/>
           </a:p>
@@ -1496,7 +1520,7 @@
                 <a:tabLst/>
                 <a:defRPr/>
               </a:pPr>
-              <a:t>14</a:t>
+              <a:t>15</a:t>
             </a:fld>
             <a:endParaRPr kumimoji="0" lang="en-US" sz="1200" b="0" i="0" u="none" strike="noStrike" kern="1200" cap="none" spc="0" normalizeH="0" baseline="0" noProof="0">
               <a:ln>
@@ -1675,7 +1699,7 @@
           <a:p>
             <a:fld id="{2C846FF3-5801-4186-ADA5-4C3C17C77B4C}" type="datetimeFigureOut">
               <a:rPr lang="en-US" smtClean="0"/>
-              <a:t>11/21/25</a:t>
+              <a:t>2025-11-28</a:t>
             </a:fld>
             <a:endParaRPr lang="en-US"/>
           </a:p>
@@ -1873,7 +1897,7 @@
           <a:p>
             <a:fld id="{2C846FF3-5801-4186-ADA5-4C3C17C77B4C}" type="datetimeFigureOut">
               <a:rPr lang="en-US" smtClean="0"/>
-              <a:t>11/21/25</a:t>
+              <a:t>2025-11-28</a:t>
             </a:fld>
             <a:endParaRPr lang="en-US"/>
           </a:p>
@@ -2081,7 +2105,7 @@
           <a:p>
             <a:fld id="{2C846FF3-5801-4186-ADA5-4C3C17C77B4C}" type="datetimeFigureOut">
               <a:rPr lang="en-US" smtClean="0"/>
-              <a:t>11/21/25</a:t>
+              <a:t>2025-11-28</a:t>
             </a:fld>
             <a:endParaRPr lang="en-US"/>
           </a:p>
@@ -2301,7 +2325,7 @@
           <a:p>
             <a:fld id="{35E7EF3B-1460-4EE6-BB1F-95D983DE5504}" type="datetimeFigureOut">
               <a:rPr lang="en-US" smtClean="0"/>
-              <a:t>11/21/25</a:t>
+              <a:t>2025-11-28</a:t>
             </a:fld>
             <a:endParaRPr lang="en-US"/>
           </a:p>
@@ -2499,7 +2523,7 @@
           <a:p>
             <a:fld id="{35E7EF3B-1460-4EE6-BB1F-95D983DE5504}" type="datetimeFigureOut">
               <a:rPr lang="en-US" smtClean="0"/>
-              <a:t>11/21/25</a:t>
+              <a:t>2025-11-28</a:t>
             </a:fld>
             <a:endParaRPr lang="en-US"/>
           </a:p>
@@ -2774,7 +2798,7 @@
           <a:p>
             <a:fld id="{35E7EF3B-1460-4EE6-BB1F-95D983DE5504}" type="datetimeFigureOut">
               <a:rPr lang="en-US" smtClean="0"/>
-              <a:t>11/21/25</a:t>
+              <a:t>2025-11-28</a:t>
             </a:fld>
             <a:endParaRPr lang="en-US"/>
           </a:p>
@@ -3039,7 +3063,7 @@
           <a:p>
             <a:fld id="{35E7EF3B-1460-4EE6-BB1F-95D983DE5504}" type="datetimeFigureOut">
               <a:rPr lang="en-US" smtClean="0"/>
-              <a:t>11/21/25</a:t>
+              <a:t>2025-11-28</a:t>
             </a:fld>
             <a:endParaRPr lang="en-US"/>
           </a:p>
@@ -3451,7 +3475,7 @@
           <a:p>
             <a:fld id="{35E7EF3B-1460-4EE6-BB1F-95D983DE5504}" type="datetimeFigureOut">
               <a:rPr lang="en-US" smtClean="0"/>
-              <a:t>11/21/25</a:t>
+              <a:t>2025-11-28</a:t>
             </a:fld>
             <a:endParaRPr lang="en-US"/>
           </a:p>
@@ -3592,7 +3616,7 @@
           <a:p>
             <a:fld id="{35E7EF3B-1460-4EE6-BB1F-95D983DE5504}" type="datetimeFigureOut">
               <a:rPr lang="en-US" smtClean="0"/>
-              <a:t>11/21/25</a:t>
+              <a:t>2025-11-28</a:t>
             </a:fld>
             <a:endParaRPr lang="en-US"/>
           </a:p>
@@ -3705,7 +3729,7 @@
           <a:p>
             <a:fld id="{35E7EF3B-1460-4EE6-BB1F-95D983DE5504}" type="datetimeFigureOut">
               <a:rPr lang="en-US" smtClean="0"/>
-              <a:t>11/21/25</a:t>
+              <a:t>2025-11-28</a:t>
             </a:fld>
             <a:endParaRPr lang="en-US"/>
           </a:p>
@@ -4016,7 +4040,7 @@
           <a:p>
             <a:fld id="{35E7EF3B-1460-4EE6-BB1F-95D983DE5504}" type="datetimeFigureOut">
               <a:rPr lang="en-US" smtClean="0"/>
-              <a:t>11/21/25</a:t>
+              <a:t>2025-11-28</a:t>
             </a:fld>
             <a:endParaRPr lang="en-US"/>
           </a:p>
@@ -4214,7 +4238,7 @@
           <a:p>
             <a:fld id="{2C846FF3-5801-4186-ADA5-4C3C17C77B4C}" type="datetimeFigureOut">
               <a:rPr lang="en-US" smtClean="0"/>
-              <a:t>11/21/25</a:t>
+              <a:t>2025-11-28</a:t>
             </a:fld>
             <a:endParaRPr lang="en-US"/>
           </a:p>
@@ -4502,7 +4526,7 @@
           <a:p>
             <a:fld id="{35E7EF3B-1460-4EE6-BB1F-95D983DE5504}" type="datetimeFigureOut">
               <a:rPr lang="en-US" smtClean="0"/>
-              <a:t>11/21/25</a:t>
+              <a:t>2025-11-28</a:t>
             </a:fld>
             <a:endParaRPr lang="en-US"/>
           </a:p>
@@ -4700,7 +4724,7 @@
           <a:p>
             <a:fld id="{35E7EF3B-1460-4EE6-BB1F-95D983DE5504}" type="datetimeFigureOut">
               <a:rPr lang="en-US" smtClean="0"/>
-              <a:t>11/21/25</a:t>
+              <a:t>2025-11-28</a:t>
             </a:fld>
             <a:endParaRPr lang="en-US"/>
           </a:p>
@@ -4908,7 +4932,7 @@
           <a:p>
             <a:fld id="{35E7EF3B-1460-4EE6-BB1F-95D983DE5504}" type="datetimeFigureOut">
               <a:rPr lang="en-US" smtClean="0"/>
-              <a:t>11/21/25</a:t>
+              <a:t>2025-11-28</a:t>
             </a:fld>
             <a:endParaRPr lang="en-US"/>
           </a:p>
@@ -5256,7 +5280,7 @@
           <a:p>
             <a:fld id="{2C846FF3-5801-4186-ADA5-4C3C17C77B4C}" type="datetimeFigureOut">
               <a:rPr lang="en-US" smtClean="0"/>
-              <a:t>11/21/25</a:t>
+              <a:t>2025-11-28</a:t>
             </a:fld>
             <a:endParaRPr lang="en-US"/>
           </a:p>
@@ -5521,7 +5545,7 @@
           <a:p>
             <a:fld id="{2C846FF3-5801-4186-ADA5-4C3C17C77B4C}" type="datetimeFigureOut">
               <a:rPr lang="en-US" smtClean="0"/>
-              <a:t>11/21/25</a:t>
+              <a:t>2025-11-28</a:t>
             </a:fld>
             <a:endParaRPr lang="en-US"/>
           </a:p>
@@ -5933,7 +5957,7 @@
           <a:p>
             <a:fld id="{2C846FF3-5801-4186-ADA5-4C3C17C77B4C}" type="datetimeFigureOut">
               <a:rPr lang="en-US" smtClean="0"/>
-              <a:t>11/21/25</a:t>
+              <a:t>2025-11-28</a:t>
             </a:fld>
             <a:endParaRPr lang="en-US"/>
           </a:p>
@@ -6074,7 +6098,7 @@
           <a:p>
             <a:fld id="{2C846FF3-5801-4186-ADA5-4C3C17C77B4C}" type="datetimeFigureOut">
               <a:rPr lang="en-US" smtClean="0"/>
-              <a:t>11/21/25</a:t>
+              <a:t>2025-11-28</a:t>
             </a:fld>
             <a:endParaRPr lang="en-US"/>
           </a:p>
@@ -6187,7 +6211,7 @@
           <a:p>
             <a:fld id="{2C846FF3-5801-4186-ADA5-4C3C17C77B4C}" type="datetimeFigureOut">
               <a:rPr lang="en-US" smtClean="0"/>
-              <a:t>11/21/25</a:t>
+              <a:t>2025-11-28</a:t>
             </a:fld>
             <a:endParaRPr lang="en-US"/>
           </a:p>
@@ -6498,7 +6522,7 @@
           <a:p>
             <a:fld id="{2C846FF3-5801-4186-ADA5-4C3C17C77B4C}" type="datetimeFigureOut">
               <a:rPr lang="en-US" smtClean="0"/>
-              <a:t>11/21/25</a:t>
+              <a:t>2025-11-28</a:t>
             </a:fld>
             <a:endParaRPr lang="en-US"/>
           </a:p>
@@ -6786,7 +6810,7 @@
           <a:p>
             <a:fld id="{2C846FF3-5801-4186-ADA5-4C3C17C77B4C}" type="datetimeFigureOut">
               <a:rPr lang="en-US" smtClean="0"/>
-              <a:t>11/21/25</a:t>
+              <a:t>2025-11-28</a:t>
             </a:fld>
             <a:endParaRPr lang="en-US"/>
           </a:p>
@@ -7027,7 +7051,7 @@
           <a:p>
             <a:fld id="{2C846FF3-5801-4186-ADA5-4C3C17C77B4C}" type="datetimeFigureOut">
               <a:rPr lang="en-US" smtClean="0"/>
-              <a:t>11/21/25</a:t>
+              <a:t>2025-11-28</a:t>
             </a:fld>
             <a:endParaRPr lang="en-US"/>
           </a:p>
@@ -7595,7 +7619,7 @@
           <a:p>
             <a:fld id="{35E7EF3B-1460-4EE6-BB1F-95D983DE5504}" type="datetimeFigureOut">
               <a:rPr lang="en-US" smtClean="0"/>
-              <a:t>11/21/25</a:t>
+              <a:t>2025-11-28</a:t>
             </a:fld>
             <a:endParaRPr lang="en-US"/>
           </a:p>
@@ -8469,6 +8493,258 @@
         <p:cNvPr id="1" name="">
           <a:extLst>
             <a:ext uri="{FF2B5EF4-FFF2-40B4-BE49-F238E27FC236}">
+              <a16:creationId xmlns:a16="http://schemas.microsoft.com/office/drawing/2014/main" id="{28E6DCFA-95DA-2C27-943F-D2051EF7FA06}"/>
+            </a:ext>
+          </a:extLst>
+        </p:cNvPr>
+        <p:cNvGrpSpPr/>
+        <p:nvPr/>
+      </p:nvGrpSpPr>
+      <p:grpSpPr>
+        <a:xfrm>
+          <a:off x="0" y="0"/>
+          <a:ext cx="0" cy="0"/>
+          <a:chOff x="0" y="0"/>
+          <a:chExt cx="0" cy="0"/>
+        </a:xfrm>
+      </p:grpSpPr>
+      <p:pic>
+        <p:nvPicPr>
+          <p:cNvPr id="5" name="Picture 4" descr="A white background with blue waves&#10;&#10;AI-generated content may be incorrect.">
+            <a:extLst>
+              <a:ext uri="{FF2B5EF4-FFF2-40B4-BE49-F238E27FC236}">
+                <a16:creationId xmlns:a16="http://schemas.microsoft.com/office/drawing/2014/main" id="{8BC4390C-0843-A325-1D15-D80E7481A368}"/>
+              </a:ext>
+            </a:extLst>
+          </p:cNvPr>
+          <p:cNvPicPr>
+            <a:picLocks noChangeAspect="1"/>
+          </p:cNvPicPr>
+          <p:nvPr/>
+        </p:nvPicPr>
+        <p:blipFill>
+          <a:blip r:embed="rId2">
+            <a:extLst>
+              <a:ext uri="{28A0092B-C50C-407E-A947-70E740481C1C}">
+                <a14:useLocalDpi xmlns:a14="http://schemas.microsoft.com/office/drawing/2010/main" val="0"/>
+              </a:ext>
+            </a:extLst>
+          </a:blip>
+          <a:stretch>
+            <a:fillRect/>
+          </a:stretch>
+        </p:blipFill>
+        <p:spPr>
+          <a:xfrm>
+            <a:off x="0" y="4281"/>
+            <a:ext cx="12192000" cy="6849438"/>
+          </a:xfrm>
+          <a:prstGeom prst="rect">
+            <a:avLst/>
+          </a:prstGeom>
+        </p:spPr>
+      </p:pic>
+      <p:sp>
+        <p:nvSpPr>
+          <p:cNvPr id="2" name="Title 1">
+            <a:extLst>
+              <a:ext uri="{FF2B5EF4-FFF2-40B4-BE49-F238E27FC236}">
+                <a16:creationId xmlns:a16="http://schemas.microsoft.com/office/drawing/2014/main" id="{AA962FA7-9597-C5F1-7AC4-29096238F49D}"/>
+              </a:ext>
+            </a:extLst>
+          </p:cNvPr>
+          <p:cNvSpPr>
+            <a:spLocks noGrp="1"/>
+          </p:cNvSpPr>
+          <p:nvPr>
+            <p:ph type="title"/>
+          </p:nvPr>
+        </p:nvSpPr>
+        <p:spPr/>
+        <p:txBody>
+          <a:bodyPr/>
+          <a:lstStyle/>
+          <a:p>
+            <a:r>
+              <a:rPr lang="en-US" dirty="0">
+                <a:latin typeface="Arial Rounded MT Bold" panose="020F0704030504030204" pitchFamily="34" charset="0"/>
+              </a:rPr>
+              <a:t>The MSSQL MCP Server</a:t>
+            </a:r>
+          </a:p>
+        </p:txBody>
+      </p:sp>
+      <p:sp>
+        <p:nvSpPr>
+          <p:cNvPr id="6" name="Text Placeholder 5">
+            <a:extLst>
+              <a:ext uri="{FF2B5EF4-FFF2-40B4-BE49-F238E27FC236}">
+                <a16:creationId xmlns:a16="http://schemas.microsoft.com/office/drawing/2014/main" id="{FE134E6C-EE25-5348-6D15-BCC92A1800C6}"/>
+              </a:ext>
+            </a:extLst>
+          </p:cNvPr>
+          <p:cNvSpPr>
+            <a:spLocks noGrp="1"/>
+          </p:cNvSpPr>
+          <p:nvPr>
+            <p:ph type="body" idx="1"/>
+          </p:nvPr>
+        </p:nvSpPr>
+        <p:spPr/>
+        <p:txBody>
+          <a:bodyPr anchor="ctr" anchorCtr="0">
+            <a:normAutofit/>
+          </a:bodyPr>
+          <a:lstStyle/>
+          <a:p>
+            <a:r>
+              <a:rPr lang="en-US" sz="2800" dirty="0">
+                <a:latin typeface="Arial Rounded MT Bold" panose="020F0704030504030204" pitchFamily="34" charset="0"/>
+              </a:rPr>
+              <a:t>What it provides:</a:t>
+            </a:r>
+          </a:p>
+        </p:txBody>
+      </p:sp>
+      <p:sp>
+        <p:nvSpPr>
+          <p:cNvPr id="7" name="Content Placeholder 6">
+            <a:extLst>
+              <a:ext uri="{FF2B5EF4-FFF2-40B4-BE49-F238E27FC236}">
+                <a16:creationId xmlns:a16="http://schemas.microsoft.com/office/drawing/2014/main" id="{D76E6151-9CDE-A6AD-7213-E14A2B18D582}"/>
+              </a:ext>
+            </a:extLst>
+          </p:cNvPr>
+          <p:cNvSpPr>
+            <a:spLocks noGrp="1"/>
+          </p:cNvSpPr>
+          <p:nvPr>
+            <p:ph sz="half" idx="2"/>
+          </p:nvPr>
+        </p:nvSpPr>
+        <p:spPr>
+          <a:xfrm>
+            <a:off x="839788" y="2505075"/>
+            <a:ext cx="10762404" cy="3684588"/>
+          </a:xfrm>
+        </p:spPr>
+        <p:txBody>
+          <a:bodyPr/>
+          <a:lstStyle/>
+          <a:p>
+            <a:pPr algn="l">
+              <a:lnSpc>
+                <a:spcPct val="100000"/>
+              </a:lnSpc>
+              <a:spcBef>
+                <a:spcPts val="1200"/>
+              </a:spcBef>
+              <a:spcAft>
+                <a:spcPts val="1200"/>
+              </a:spcAft>
+              <a:buFont typeface="Arial" panose="020B0604020202020204" pitchFamily="34" charset="0"/>
+              <a:buChar char="•"/>
+            </a:pPr>
+            <a:r>
+              <a:rPr lang="en-US" sz="2800" b="0" i="0" dirty="0">
+                <a:solidFill>
+                  <a:srgbClr val="000000"/>
+                </a:solidFill>
+                <a:effectLst/>
+                <a:latin typeface="Arial Rounded MT Bold" panose="020F0704030504030204" pitchFamily="34" charset="0"/>
+              </a:rPr>
+              <a:t>Database schema inspection</a:t>
+            </a:r>
+          </a:p>
+          <a:p>
+            <a:pPr algn="l">
+              <a:spcBef>
+                <a:spcPts val="1200"/>
+              </a:spcBef>
+              <a:spcAft>
+                <a:spcPts val="1200"/>
+              </a:spcAft>
+              <a:buFont typeface="Arial" panose="020B0604020202020204" pitchFamily="34" charset="0"/>
+              <a:buChar char="•"/>
+            </a:pPr>
+            <a:r>
+              <a:rPr lang="en-US" sz="2800" b="0" i="0" dirty="0">
+                <a:solidFill>
+                  <a:srgbClr val="000000"/>
+                </a:solidFill>
+                <a:effectLst/>
+                <a:latin typeface="Arial Rounded MT Bold" panose="020F0704030504030204" pitchFamily="34" charset="0"/>
+              </a:rPr>
+              <a:t>CRUD operations</a:t>
+            </a:r>
+          </a:p>
+          <a:p>
+            <a:pPr algn="l">
+              <a:spcBef>
+                <a:spcPts val="1200"/>
+              </a:spcBef>
+              <a:spcAft>
+                <a:spcPts val="1200"/>
+              </a:spcAft>
+              <a:buFont typeface="Arial" panose="020B0604020202020204" pitchFamily="34" charset="0"/>
+              <a:buChar char="•"/>
+            </a:pPr>
+            <a:r>
+              <a:rPr lang="en-US" sz="2800" b="0" i="0" dirty="0">
+                <a:solidFill>
+                  <a:srgbClr val="000000"/>
+                </a:solidFill>
+                <a:effectLst/>
+                <a:latin typeface="Arial Rounded MT Bold" panose="020F0704030504030204" pitchFamily="34" charset="0"/>
+              </a:rPr>
+              <a:t>Query execution</a:t>
+            </a:r>
+          </a:p>
+          <a:p>
+            <a:pPr algn="l">
+              <a:spcBef>
+                <a:spcPts val="1200"/>
+              </a:spcBef>
+              <a:spcAft>
+                <a:spcPts val="1200"/>
+              </a:spcAft>
+              <a:buFont typeface="Arial" panose="020B0604020202020204" pitchFamily="34" charset="0"/>
+              <a:buChar char="•"/>
+            </a:pPr>
+            <a:r>
+              <a:rPr lang="en-US" sz="2800" b="0" i="0" dirty="0">
+                <a:solidFill>
+                  <a:srgbClr val="000000"/>
+                </a:solidFill>
+                <a:effectLst/>
+                <a:latin typeface="Arial Rounded MT Bold" panose="020F0704030504030204" pitchFamily="34" charset="0"/>
+              </a:rPr>
+              <a:t>Table creation and management</a:t>
+            </a:r>
+          </a:p>
+        </p:txBody>
+      </p:sp>
+    </p:spTree>
+    <p:extLst>
+      <p:ext uri="{BB962C8B-B14F-4D97-AF65-F5344CB8AC3E}">
+        <p14:creationId xmlns:p14="http://schemas.microsoft.com/office/powerpoint/2010/main" val="156162954"/>
+      </p:ext>
+    </p:extLst>
+  </p:cSld>
+  <p:clrMapOvr>
+    <a:masterClrMapping/>
+  </p:clrMapOvr>
+</p:sld>
+</file>
+
+<file path=ppt/slides/slide11.xml><?xml version="1.0" encoding="utf-8"?>
+<p:sld xmlns:a="http://schemas.openxmlformats.org/drawingml/2006/main" xmlns:r="http://schemas.openxmlformats.org/officeDocument/2006/relationships" xmlns:p="http://schemas.openxmlformats.org/presentationml/2006/main">
+  <p:cSld>
+    <p:spTree>
+      <p:nvGrpSpPr>
+        <p:cNvPr id="1" name="">
+          <a:extLst>
+            <a:ext uri="{FF2B5EF4-FFF2-40B4-BE49-F238E27FC236}">
               <a16:creationId xmlns:a16="http://schemas.microsoft.com/office/drawing/2014/main" id="{C388E8A5-BD65-7336-7770-6E8D27EE2117}"/>
             </a:ext>
           </a:extLst>
@@ -8893,7 +9169,7 @@
 </p:sld>
 </file>
 
-<file path=ppt/slides/slide11.xml><?xml version="1.0" encoding="utf-8"?>
+<file path=ppt/slides/slide12.xml><?xml version="1.0" encoding="utf-8"?>
 <p:sld xmlns:a="http://schemas.openxmlformats.org/drawingml/2006/main" xmlns:r="http://schemas.openxmlformats.org/officeDocument/2006/relationships" xmlns:p="http://schemas.openxmlformats.org/presentationml/2006/main">
   <p:cSld>
     <p:spTree>
@@ -9064,7 +9340,7 @@
 </p:sld>
 </file>
 
-<file path=ppt/slides/slide12.xml><?xml version="1.0" encoding="utf-8"?>
+<file path=ppt/slides/slide13.xml><?xml version="1.0" encoding="utf-8"?>
 <p:sld xmlns:a="http://schemas.openxmlformats.org/drawingml/2006/main" xmlns:r="http://schemas.openxmlformats.org/officeDocument/2006/relationships" xmlns:p="http://schemas.openxmlformats.org/presentationml/2006/main">
   <p:cSld>
     <p:spTree>
@@ -9247,7 +9523,7 @@
 </p:sld>
 </file>
 
-<file path=ppt/slides/slide13.xml><?xml version="1.0" encoding="utf-8"?>
+<file path=ppt/slides/slide14.xml><?xml version="1.0" encoding="utf-8"?>
 <p:sld xmlns:a="http://schemas.openxmlformats.org/drawingml/2006/main" xmlns:r="http://schemas.openxmlformats.org/officeDocument/2006/relationships" xmlns:p="http://schemas.openxmlformats.org/presentationml/2006/main">
   <p:cSld>
     <p:spTree>
@@ -9417,7 +9693,7 @@
 </p:sld>
 </file>
 
-<file path=ppt/slides/slide14.xml><?xml version="1.0" encoding="utf-8"?>
+<file path=ppt/slides/slide15.xml><?xml version="1.0" encoding="utf-8"?>
 <p:sld xmlns:a="http://schemas.openxmlformats.org/drawingml/2006/main" xmlns:r="http://schemas.openxmlformats.org/officeDocument/2006/relationships" xmlns:p="http://schemas.openxmlformats.org/presentationml/2006/main">
   <p:cSld>
     <p:spTree>
@@ -9956,7 +10232,7 @@
 </file>
 
 <file path=ppt/slides/slide2.xml><?xml version="1.0" encoding="utf-8"?>
-<p:sld xmlns:a="http://schemas.openxmlformats.org/drawingml/2006/main" xmlns:r="http://schemas.openxmlformats.org/officeDocument/2006/relationships" xmlns:p="http://schemas.openxmlformats.org/presentationml/2006/main">
+<p:sld xmlns:a="http://schemas.openxmlformats.org/drawingml/2006/main" xmlns:r="http://schemas.openxmlformats.org/officeDocument/2006/relationships" xmlns:p="http://schemas.openxmlformats.org/presentationml/2006/main" show="0">
   <p:cSld>
     <p:spTree>
       <p:nvGrpSpPr>
@@ -10046,6 +10322,72 @@
 </file>
 
 <file path=ppt/slides/slide3.xml><?xml version="1.0" encoding="utf-8"?>
+<p:sld xmlns:a="http://schemas.openxmlformats.org/drawingml/2006/main" xmlns:r="http://schemas.openxmlformats.org/officeDocument/2006/relationships" xmlns:p="http://schemas.openxmlformats.org/presentationml/2006/main">
+  <p:cSld>
+    <p:spTree>
+      <p:nvGrpSpPr>
+        <p:cNvPr id="1" name=""/>
+        <p:cNvGrpSpPr/>
+        <p:nvPr/>
+      </p:nvGrpSpPr>
+      <p:grpSpPr>
+        <a:xfrm>
+          <a:off x="0" y="0"/>
+          <a:ext cx="0" cy="0"/>
+          <a:chOff x="0" y="0"/>
+          <a:chExt cx="0" cy="0"/>
+        </a:xfrm>
+      </p:grpSpPr>
+      <p:pic>
+        <p:nvPicPr>
+          <p:cNvPr id="5" name="Picture 4" descr="A screenshot of a blue screen&#10;&#10;AI-generated content may be incorrect.">
+            <a:extLst>
+              <a:ext uri="{FF2B5EF4-FFF2-40B4-BE49-F238E27FC236}">
+                <a16:creationId xmlns:a16="http://schemas.microsoft.com/office/drawing/2014/main" id="{5EDB5E82-9600-84F8-B7CC-9B69ADF63E2D}"/>
+              </a:ext>
+            </a:extLst>
+          </p:cNvPr>
+          <p:cNvPicPr>
+            <a:picLocks noChangeAspect="1"/>
+          </p:cNvPicPr>
+          <p:nvPr/>
+        </p:nvPicPr>
+        <p:blipFill>
+          <a:blip r:embed="rId2">
+            <a:extLst>
+              <a:ext uri="{28A0092B-C50C-407E-A947-70E740481C1C}">
+                <a14:useLocalDpi xmlns:a14="http://schemas.microsoft.com/office/drawing/2010/main" val="0"/>
+              </a:ext>
+            </a:extLst>
+          </a:blip>
+          <a:stretch>
+            <a:fillRect/>
+          </a:stretch>
+        </p:blipFill>
+        <p:spPr>
+          <a:xfrm>
+            <a:off x="0" y="0"/>
+            <a:ext cx="12192000" cy="6862652"/>
+          </a:xfrm>
+          <a:prstGeom prst="rect">
+            <a:avLst/>
+          </a:prstGeom>
+        </p:spPr>
+      </p:pic>
+    </p:spTree>
+    <p:extLst>
+      <p:ext uri="{BB962C8B-B14F-4D97-AF65-F5344CB8AC3E}">
+        <p14:creationId xmlns:p14="http://schemas.microsoft.com/office/powerpoint/2010/main" val="355482602"/>
+      </p:ext>
+    </p:extLst>
+  </p:cSld>
+  <p:clrMapOvr>
+    <a:masterClrMapping/>
+  </p:clrMapOvr>
+</p:sld>
+</file>
+
+<file path=ppt/slides/slide4.xml><?xml version="1.0" encoding="utf-8"?>
 <p:sld xmlns:a="http://schemas.openxmlformats.org/drawingml/2006/main" xmlns:r="http://schemas.openxmlformats.org/officeDocument/2006/relationships" xmlns:p="http://schemas.openxmlformats.org/presentationml/2006/main">
   <p:cSld>
     <p:spTree>
@@ -10387,7 +10729,7 @@
 </p:sld>
 </file>
 
-<file path=ppt/slides/slide4.xml><?xml version="1.0" encoding="utf-8"?>
+<file path=ppt/slides/slide5.xml><?xml version="1.0" encoding="utf-8"?>
 <p:sld xmlns:a="http://schemas.openxmlformats.org/drawingml/2006/main" xmlns:r="http://schemas.openxmlformats.org/officeDocument/2006/relationships" xmlns:p="http://schemas.openxmlformats.org/presentationml/2006/main">
   <p:cSld>
     <p:spTree>
@@ -10675,7 +11017,7 @@
 </p:sld>
 </file>
 
-<file path=ppt/slides/slide5.xml><?xml version="1.0" encoding="utf-8"?>
+<file path=ppt/slides/slide6.xml><?xml version="1.0" encoding="utf-8"?>
 <p:sld xmlns:a="http://schemas.openxmlformats.org/drawingml/2006/main" xmlns:r="http://schemas.openxmlformats.org/officeDocument/2006/relationships" xmlns:p="http://schemas.openxmlformats.org/presentationml/2006/main">
   <p:cSld>
     <p:spTree>
@@ -10870,7 +11212,7 @@
 </p:sld>
 </file>
 
-<file path=ppt/slides/slide6.xml><?xml version="1.0" encoding="utf-8"?>
+<file path=ppt/slides/slide7.xml><?xml version="1.0" encoding="utf-8"?>
 <p:sld xmlns:a="http://schemas.openxmlformats.org/drawingml/2006/main" xmlns:r="http://schemas.openxmlformats.org/officeDocument/2006/relationships" xmlns:p="http://schemas.openxmlformats.org/presentationml/2006/main">
   <p:cSld>
     <p:spTree>
@@ -11300,7 +11642,7 @@
 </p:sld>
 </file>
 
-<file path=ppt/slides/slide7.xml><?xml version="1.0" encoding="utf-8"?>
+<file path=ppt/slides/slide8.xml><?xml version="1.0" encoding="utf-8"?>
 <p:sld xmlns:a="http://schemas.openxmlformats.org/drawingml/2006/main" xmlns:r="http://schemas.openxmlformats.org/officeDocument/2006/relationships" xmlns:p="http://schemas.openxmlformats.org/presentationml/2006/main">
   <p:cSld>
     <p:spTree>
@@ -12608,7 +12950,7 @@
 </p:sld>
 </file>
 
-<file path=ppt/slides/slide8.xml><?xml version="1.0" encoding="utf-8"?>
+<file path=ppt/slides/slide9.xml><?xml version="1.0" encoding="utf-8"?>
 <p:sld xmlns:a="http://schemas.openxmlformats.org/drawingml/2006/main" xmlns:r="http://schemas.openxmlformats.org/officeDocument/2006/relationships" xmlns:p="http://schemas.openxmlformats.org/presentationml/2006/main">
   <p:cSld>
     <p:spTree>
@@ -12793,258 +13135,6 @@
     <p:extLst>
       <p:ext uri="{BB962C8B-B14F-4D97-AF65-F5344CB8AC3E}">
         <p14:creationId xmlns:p14="http://schemas.microsoft.com/office/powerpoint/2010/main" val="2839801116"/>
-      </p:ext>
-    </p:extLst>
-  </p:cSld>
-  <p:clrMapOvr>
-    <a:masterClrMapping/>
-  </p:clrMapOvr>
-</p:sld>
-</file>
-
-<file path=ppt/slides/slide9.xml><?xml version="1.0" encoding="utf-8"?>
-<p:sld xmlns:a="http://schemas.openxmlformats.org/drawingml/2006/main" xmlns:r="http://schemas.openxmlformats.org/officeDocument/2006/relationships" xmlns:p="http://schemas.openxmlformats.org/presentationml/2006/main">
-  <p:cSld>
-    <p:spTree>
-      <p:nvGrpSpPr>
-        <p:cNvPr id="1" name="">
-          <a:extLst>
-            <a:ext uri="{FF2B5EF4-FFF2-40B4-BE49-F238E27FC236}">
-              <a16:creationId xmlns:a16="http://schemas.microsoft.com/office/drawing/2014/main" id="{28E6DCFA-95DA-2C27-943F-D2051EF7FA06}"/>
-            </a:ext>
-          </a:extLst>
-        </p:cNvPr>
-        <p:cNvGrpSpPr/>
-        <p:nvPr/>
-      </p:nvGrpSpPr>
-      <p:grpSpPr>
-        <a:xfrm>
-          <a:off x="0" y="0"/>
-          <a:ext cx="0" cy="0"/>
-          <a:chOff x="0" y="0"/>
-          <a:chExt cx="0" cy="0"/>
-        </a:xfrm>
-      </p:grpSpPr>
-      <p:pic>
-        <p:nvPicPr>
-          <p:cNvPr id="5" name="Picture 4" descr="A white background with blue waves&#10;&#10;AI-generated content may be incorrect.">
-            <a:extLst>
-              <a:ext uri="{FF2B5EF4-FFF2-40B4-BE49-F238E27FC236}">
-                <a16:creationId xmlns:a16="http://schemas.microsoft.com/office/drawing/2014/main" id="{8BC4390C-0843-A325-1D15-D80E7481A368}"/>
-              </a:ext>
-            </a:extLst>
-          </p:cNvPr>
-          <p:cNvPicPr>
-            <a:picLocks noChangeAspect="1"/>
-          </p:cNvPicPr>
-          <p:nvPr/>
-        </p:nvPicPr>
-        <p:blipFill>
-          <a:blip r:embed="rId2">
-            <a:extLst>
-              <a:ext uri="{28A0092B-C50C-407E-A947-70E740481C1C}">
-                <a14:useLocalDpi xmlns:a14="http://schemas.microsoft.com/office/drawing/2010/main" val="0"/>
-              </a:ext>
-            </a:extLst>
-          </a:blip>
-          <a:stretch>
-            <a:fillRect/>
-          </a:stretch>
-        </p:blipFill>
-        <p:spPr>
-          <a:xfrm>
-            <a:off x="0" y="4281"/>
-            <a:ext cx="12192000" cy="6849438"/>
-          </a:xfrm>
-          <a:prstGeom prst="rect">
-            <a:avLst/>
-          </a:prstGeom>
-        </p:spPr>
-      </p:pic>
-      <p:sp>
-        <p:nvSpPr>
-          <p:cNvPr id="2" name="Title 1">
-            <a:extLst>
-              <a:ext uri="{FF2B5EF4-FFF2-40B4-BE49-F238E27FC236}">
-                <a16:creationId xmlns:a16="http://schemas.microsoft.com/office/drawing/2014/main" id="{AA962FA7-9597-C5F1-7AC4-29096238F49D}"/>
-              </a:ext>
-            </a:extLst>
-          </p:cNvPr>
-          <p:cNvSpPr>
-            <a:spLocks noGrp="1"/>
-          </p:cNvSpPr>
-          <p:nvPr>
-            <p:ph type="title"/>
-          </p:nvPr>
-        </p:nvSpPr>
-        <p:spPr/>
-        <p:txBody>
-          <a:bodyPr/>
-          <a:lstStyle/>
-          <a:p>
-            <a:r>
-              <a:rPr lang="en-US" dirty="0">
-                <a:latin typeface="Arial Rounded MT Bold" panose="020F0704030504030204" pitchFamily="34" charset="0"/>
-              </a:rPr>
-              <a:t>The MSSQL MCP Server</a:t>
-            </a:r>
-          </a:p>
-        </p:txBody>
-      </p:sp>
-      <p:sp>
-        <p:nvSpPr>
-          <p:cNvPr id="6" name="Text Placeholder 5">
-            <a:extLst>
-              <a:ext uri="{FF2B5EF4-FFF2-40B4-BE49-F238E27FC236}">
-                <a16:creationId xmlns:a16="http://schemas.microsoft.com/office/drawing/2014/main" id="{FE134E6C-EE25-5348-6D15-BCC92A1800C6}"/>
-              </a:ext>
-            </a:extLst>
-          </p:cNvPr>
-          <p:cNvSpPr>
-            <a:spLocks noGrp="1"/>
-          </p:cNvSpPr>
-          <p:nvPr>
-            <p:ph type="body" idx="1"/>
-          </p:nvPr>
-        </p:nvSpPr>
-        <p:spPr/>
-        <p:txBody>
-          <a:bodyPr anchor="ctr" anchorCtr="0">
-            <a:normAutofit/>
-          </a:bodyPr>
-          <a:lstStyle/>
-          <a:p>
-            <a:r>
-              <a:rPr lang="en-US" sz="2800" dirty="0">
-                <a:latin typeface="Arial Rounded MT Bold" panose="020F0704030504030204" pitchFamily="34" charset="0"/>
-              </a:rPr>
-              <a:t>What it provides:</a:t>
-            </a:r>
-          </a:p>
-        </p:txBody>
-      </p:sp>
-      <p:sp>
-        <p:nvSpPr>
-          <p:cNvPr id="7" name="Content Placeholder 6">
-            <a:extLst>
-              <a:ext uri="{FF2B5EF4-FFF2-40B4-BE49-F238E27FC236}">
-                <a16:creationId xmlns:a16="http://schemas.microsoft.com/office/drawing/2014/main" id="{D76E6151-9CDE-A6AD-7213-E14A2B18D582}"/>
-              </a:ext>
-            </a:extLst>
-          </p:cNvPr>
-          <p:cNvSpPr>
-            <a:spLocks noGrp="1"/>
-          </p:cNvSpPr>
-          <p:nvPr>
-            <p:ph sz="half" idx="2"/>
-          </p:nvPr>
-        </p:nvSpPr>
-        <p:spPr>
-          <a:xfrm>
-            <a:off x="839788" y="2505075"/>
-            <a:ext cx="10762404" cy="3684588"/>
-          </a:xfrm>
-        </p:spPr>
-        <p:txBody>
-          <a:bodyPr/>
-          <a:lstStyle/>
-          <a:p>
-            <a:pPr algn="l">
-              <a:lnSpc>
-                <a:spcPct val="100000"/>
-              </a:lnSpc>
-              <a:spcBef>
-                <a:spcPts val="1200"/>
-              </a:spcBef>
-              <a:spcAft>
-                <a:spcPts val="1200"/>
-              </a:spcAft>
-              <a:buFont typeface="Arial" panose="020B0604020202020204" pitchFamily="34" charset="0"/>
-              <a:buChar char="•"/>
-            </a:pPr>
-            <a:r>
-              <a:rPr lang="en-US" sz="2800" b="0" i="0" dirty="0">
-                <a:solidFill>
-                  <a:srgbClr val="000000"/>
-                </a:solidFill>
-                <a:effectLst/>
-                <a:latin typeface="Arial Rounded MT Bold" panose="020F0704030504030204" pitchFamily="34" charset="0"/>
-              </a:rPr>
-              <a:t>Database schema inspection</a:t>
-            </a:r>
-          </a:p>
-          <a:p>
-            <a:pPr algn="l">
-              <a:spcBef>
-                <a:spcPts val="1200"/>
-              </a:spcBef>
-              <a:spcAft>
-                <a:spcPts val="1200"/>
-              </a:spcAft>
-              <a:buFont typeface="Arial" panose="020B0604020202020204" pitchFamily="34" charset="0"/>
-              <a:buChar char="•"/>
-            </a:pPr>
-            <a:r>
-              <a:rPr lang="en-US" sz="2800" b="0" i="0" dirty="0">
-                <a:solidFill>
-                  <a:srgbClr val="000000"/>
-                </a:solidFill>
-                <a:effectLst/>
-                <a:latin typeface="Arial Rounded MT Bold" panose="020F0704030504030204" pitchFamily="34" charset="0"/>
-              </a:rPr>
-              <a:t>CRUD operations</a:t>
-            </a:r>
-          </a:p>
-          <a:p>
-            <a:pPr algn="l">
-              <a:spcBef>
-                <a:spcPts val="1200"/>
-              </a:spcBef>
-              <a:spcAft>
-                <a:spcPts val="1200"/>
-              </a:spcAft>
-              <a:buFont typeface="Arial" panose="020B0604020202020204" pitchFamily="34" charset="0"/>
-              <a:buChar char="•"/>
-            </a:pPr>
-            <a:r>
-              <a:rPr lang="en-US" sz="2800" b="0" i="0" dirty="0">
-                <a:solidFill>
-                  <a:srgbClr val="000000"/>
-                </a:solidFill>
-                <a:effectLst/>
-                <a:latin typeface="Arial Rounded MT Bold" panose="020F0704030504030204" pitchFamily="34" charset="0"/>
-              </a:rPr>
-              <a:t>Query execution</a:t>
-            </a:r>
-          </a:p>
-          <a:p>
-            <a:pPr algn="l">
-              <a:spcBef>
-                <a:spcPts val="1200"/>
-              </a:spcBef>
-              <a:spcAft>
-                <a:spcPts val="1200"/>
-              </a:spcAft>
-              <a:buFont typeface="Arial" panose="020B0604020202020204" pitchFamily="34" charset="0"/>
-              <a:buChar char="•"/>
-            </a:pPr>
-            <a:r>
-              <a:rPr lang="en-US" sz="2800" b="0" i="0" dirty="0">
-                <a:solidFill>
-                  <a:srgbClr val="000000"/>
-                </a:solidFill>
-                <a:effectLst/>
-                <a:latin typeface="Arial Rounded MT Bold" panose="020F0704030504030204" pitchFamily="34" charset="0"/>
-              </a:rPr>
-              <a:t>Table creation and management</a:t>
-            </a:r>
-          </a:p>
-        </p:txBody>
-      </p:sp>
-    </p:spTree>
-    <p:extLst>
-      <p:ext uri="{BB962C8B-B14F-4D97-AF65-F5344CB8AC3E}">
-        <p14:creationId xmlns:p14="http://schemas.microsoft.com/office/powerpoint/2010/main" val="156162954"/>
       </p:ext>
     </p:extLst>
   </p:cSld>

--- a/DotNet-Conf/deck/dotnet-mcp.pptx
+++ b/DotNet-Conf/deck/dotnet-mcp.pptx
@@ -835,7 +835,7 @@
           <a:p>
             <a:fld id="{C01FF5A2-7221-4D0A-BA7E-3E97D457CE20}" type="datetimeFigureOut">
               <a:rPr lang="en-US" smtClean="0"/>
-              <a:t>2025-11-28</a:t>
+              <a:t>11/28/25</a:t>
             </a:fld>
             <a:endParaRPr lang="en-US"/>
           </a:p>
@@ -1310,6 +1310,90 @@
           <a:bodyPr/>
           <a:lstStyle/>
           <a:p>
+            <a:endParaRPr lang="en-US" dirty="0"/>
+          </a:p>
+        </p:txBody>
+      </p:sp>
+      <p:sp>
+        <p:nvSpPr>
+          <p:cNvPr id="4" name="Slide Number Placeholder 3"/>
+          <p:cNvSpPr>
+            <a:spLocks noGrp="1"/>
+          </p:cNvSpPr>
+          <p:nvPr>
+            <p:ph type="sldNum" sz="quarter" idx="5"/>
+          </p:nvPr>
+        </p:nvSpPr>
+        <p:spPr/>
+        <p:txBody>
+          <a:bodyPr/>
+          <a:lstStyle/>
+          <a:p>
+            <a:fld id="{63CB3EF4-88E8-4C44-ACD9-4A29BA467B38}" type="slidenum">
+              <a:rPr lang="en-US" smtClean="0"/>
+              <a:t>8</a:t>
+            </a:fld>
+            <a:endParaRPr lang="en-US"/>
+          </a:p>
+        </p:txBody>
+      </p:sp>
+    </p:spTree>
+    <p:extLst>
+      <p:ext uri="{BB962C8B-B14F-4D97-AF65-F5344CB8AC3E}">
+        <p14:creationId xmlns:p14="http://schemas.microsoft.com/office/powerpoint/2010/main" val="25354960"/>
+      </p:ext>
+    </p:extLst>
+  </p:cSld>
+  <p:clrMapOvr>
+    <a:masterClrMapping/>
+  </p:clrMapOvr>
+</p:notes>
+</file>
+
+<file path=ppt/notesSlides/notesSlide3.xml><?xml version="1.0" encoding="utf-8"?>
+<p:notes xmlns:a="http://schemas.openxmlformats.org/drawingml/2006/main" xmlns:r="http://schemas.openxmlformats.org/officeDocument/2006/relationships" xmlns:p="http://schemas.openxmlformats.org/presentationml/2006/main">
+  <p:cSld>
+    <p:spTree>
+      <p:nvGrpSpPr>
+        <p:cNvPr id="1" name=""/>
+        <p:cNvGrpSpPr/>
+        <p:nvPr/>
+      </p:nvGrpSpPr>
+      <p:grpSpPr>
+        <a:xfrm>
+          <a:off x="0" y="0"/>
+          <a:ext cx="0" cy="0"/>
+          <a:chOff x="0" y="0"/>
+          <a:chExt cx="0" cy="0"/>
+        </a:xfrm>
+      </p:grpSpPr>
+      <p:sp>
+        <p:nvSpPr>
+          <p:cNvPr id="2" name="Slide Image Placeholder 1"/>
+          <p:cNvSpPr>
+            <a:spLocks noGrp="1" noRot="1" noChangeAspect="1"/>
+          </p:cNvSpPr>
+          <p:nvPr>
+            <p:ph type="sldImg"/>
+          </p:nvPr>
+        </p:nvSpPr>
+        <p:spPr/>
+      </p:sp>
+      <p:sp>
+        <p:nvSpPr>
+          <p:cNvPr id="3" name="Notes Placeholder 2"/>
+          <p:cNvSpPr>
+            <a:spLocks noGrp="1"/>
+          </p:cNvSpPr>
+          <p:nvPr>
+            <p:ph type="body" idx="1"/>
+          </p:nvPr>
+        </p:nvSpPr>
+        <p:spPr/>
+        <p:txBody>
+          <a:bodyPr/>
+          <a:lstStyle/>
+          <a:p>
             <a:r>
               <a:rPr lang="en-US" dirty="0"/>
               <a:t>"Look, here's why this actually matters in your enterprise app. Without MCP, every time you want to connect AI to a database, or a CRM, or a file system, you're writing custom integration code. Custom auth, custom error handling, custom everything. And if you want to switch from Azure OpenAI to Claude? Good luck - you're rewriting everything.</a:t>
@@ -1408,7 +1492,7 @@
 </p:notes>
 </file>
 
-<file path=ppt/notesSlides/notesSlide3.xml><?xml version="1.0" encoding="utf-8"?>
+<file path=ppt/notesSlides/notesSlide4.xml><?xml version="1.0" encoding="utf-8"?>
 <p:notes xmlns:a="http://schemas.openxmlformats.org/drawingml/2006/main" xmlns:r="http://schemas.openxmlformats.org/officeDocument/2006/relationships" xmlns:p="http://schemas.openxmlformats.org/presentationml/2006/main">
   <p:cSld>
     <p:spTree>
@@ -1699,7 +1783,7 @@
           <a:p>
             <a:fld id="{2C846FF3-5801-4186-ADA5-4C3C17C77B4C}" type="datetimeFigureOut">
               <a:rPr lang="en-US" smtClean="0"/>
-              <a:t>2025-11-28</a:t>
+              <a:t>11/28/25</a:t>
             </a:fld>
             <a:endParaRPr lang="en-US"/>
           </a:p>
@@ -1897,7 +1981,7 @@
           <a:p>
             <a:fld id="{2C846FF3-5801-4186-ADA5-4C3C17C77B4C}" type="datetimeFigureOut">
               <a:rPr lang="en-US" smtClean="0"/>
-              <a:t>2025-11-28</a:t>
+              <a:t>11/28/25</a:t>
             </a:fld>
             <a:endParaRPr lang="en-US"/>
           </a:p>
@@ -2105,7 +2189,7 @@
           <a:p>
             <a:fld id="{2C846FF3-5801-4186-ADA5-4C3C17C77B4C}" type="datetimeFigureOut">
               <a:rPr lang="en-US" smtClean="0"/>
-              <a:t>2025-11-28</a:t>
+              <a:t>11/28/25</a:t>
             </a:fld>
             <a:endParaRPr lang="en-US"/>
           </a:p>
@@ -2325,7 +2409,7 @@
           <a:p>
             <a:fld id="{35E7EF3B-1460-4EE6-BB1F-95D983DE5504}" type="datetimeFigureOut">
               <a:rPr lang="en-US" smtClean="0"/>
-              <a:t>2025-11-28</a:t>
+              <a:t>11/28/25</a:t>
             </a:fld>
             <a:endParaRPr lang="en-US"/>
           </a:p>
@@ -2523,7 +2607,7 @@
           <a:p>
             <a:fld id="{35E7EF3B-1460-4EE6-BB1F-95D983DE5504}" type="datetimeFigureOut">
               <a:rPr lang="en-US" smtClean="0"/>
-              <a:t>2025-11-28</a:t>
+              <a:t>11/28/25</a:t>
             </a:fld>
             <a:endParaRPr lang="en-US"/>
           </a:p>
@@ -2798,7 +2882,7 @@
           <a:p>
             <a:fld id="{35E7EF3B-1460-4EE6-BB1F-95D983DE5504}" type="datetimeFigureOut">
               <a:rPr lang="en-US" smtClean="0"/>
-              <a:t>2025-11-28</a:t>
+              <a:t>11/28/25</a:t>
             </a:fld>
             <a:endParaRPr lang="en-US"/>
           </a:p>
@@ -3063,7 +3147,7 @@
           <a:p>
             <a:fld id="{35E7EF3B-1460-4EE6-BB1F-95D983DE5504}" type="datetimeFigureOut">
               <a:rPr lang="en-US" smtClean="0"/>
-              <a:t>2025-11-28</a:t>
+              <a:t>11/28/25</a:t>
             </a:fld>
             <a:endParaRPr lang="en-US"/>
           </a:p>
@@ -3475,7 +3559,7 @@
           <a:p>
             <a:fld id="{35E7EF3B-1460-4EE6-BB1F-95D983DE5504}" type="datetimeFigureOut">
               <a:rPr lang="en-US" smtClean="0"/>
-              <a:t>2025-11-28</a:t>
+              <a:t>11/28/25</a:t>
             </a:fld>
             <a:endParaRPr lang="en-US"/>
           </a:p>
@@ -3616,7 +3700,7 @@
           <a:p>
             <a:fld id="{35E7EF3B-1460-4EE6-BB1F-95D983DE5504}" type="datetimeFigureOut">
               <a:rPr lang="en-US" smtClean="0"/>
-              <a:t>2025-11-28</a:t>
+              <a:t>11/28/25</a:t>
             </a:fld>
             <a:endParaRPr lang="en-US"/>
           </a:p>
@@ -3729,7 +3813,7 @@
           <a:p>
             <a:fld id="{35E7EF3B-1460-4EE6-BB1F-95D983DE5504}" type="datetimeFigureOut">
               <a:rPr lang="en-US" smtClean="0"/>
-              <a:t>2025-11-28</a:t>
+              <a:t>11/28/25</a:t>
             </a:fld>
             <a:endParaRPr lang="en-US"/>
           </a:p>
@@ -4040,7 +4124,7 @@
           <a:p>
             <a:fld id="{35E7EF3B-1460-4EE6-BB1F-95D983DE5504}" type="datetimeFigureOut">
               <a:rPr lang="en-US" smtClean="0"/>
-              <a:t>2025-11-28</a:t>
+              <a:t>11/28/25</a:t>
             </a:fld>
             <a:endParaRPr lang="en-US"/>
           </a:p>
@@ -4238,7 +4322,7 @@
           <a:p>
             <a:fld id="{2C846FF3-5801-4186-ADA5-4C3C17C77B4C}" type="datetimeFigureOut">
               <a:rPr lang="en-US" smtClean="0"/>
-              <a:t>2025-11-28</a:t>
+              <a:t>11/28/25</a:t>
             </a:fld>
             <a:endParaRPr lang="en-US"/>
           </a:p>
@@ -4526,7 +4610,7 @@
           <a:p>
             <a:fld id="{35E7EF3B-1460-4EE6-BB1F-95D983DE5504}" type="datetimeFigureOut">
               <a:rPr lang="en-US" smtClean="0"/>
-              <a:t>2025-11-28</a:t>
+              <a:t>11/28/25</a:t>
             </a:fld>
             <a:endParaRPr lang="en-US"/>
           </a:p>
@@ -4724,7 +4808,7 @@
           <a:p>
             <a:fld id="{35E7EF3B-1460-4EE6-BB1F-95D983DE5504}" type="datetimeFigureOut">
               <a:rPr lang="en-US" smtClean="0"/>
-              <a:t>2025-11-28</a:t>
+              <a:t>11/28/25</a:t>
             </a:fld>
             <a:endParaRPr lang="en-US"/>
           </a:p>
@@ -4932,7 +5016,7 @@
           <a:p>
             <a:fld id="{35E7EF3B-1460-4EE6-BB1F-95D983DE5504}" type="datetimeFigureOut">
               <a:rPr lang="en-US" smtClean="0"/>
-              <a:t>2025-11-28</a:t>
+              <a:t>11/28/25</a:t>
             </a:fld>
             <a:endParaRPr lang="en-US"/>
           </a:p>
@@ -5280,7 +5364,7 @@
           <a:p>
             <a:fld id="{2C846FF3-5801-4186-ADA5-4C3C17C77B4C}" type="datetimeFigureOut">
               <a:rPr lang="en-US" smtClean="0"/>
-              <a:t>2025-11-28</a:t>
+              <a:t>11/28/25</a:t>
             </a:fld>
             <a:endParaRPr lang="en-US"/>
           </a:p>
@@ -5545,7 +5629,7 @@
           <a:p>
             <a:fld id="{2C846FF3-5801-4186-ADA5-4C3C17C77B4C}" type="datetimeFigureOut">
               <a:rPr lang="en-US" smtClean="0"/>
-              <a:t>2025-11-28</a:t>
+              <a:t>11/28/25</a:t>
             </a:fld>
             <a:endParaRPr lang="en-US"/>
           </a:p>
@@ -5957,7 +6041,7 @@
           <a:p>
             <a:fld id="{2C846FF3-5801-4186-ADA5-4C3C17C77B4C}" type="datetimeFigureOut">
               <a:rPr lang="en-US" smtClean="0"/>
-              <a:t>2025-11-28</a:t>
+              <a:t>11/28/25</a:t>
             </a:fld>
             <a:endParaRPr lang="en-US"/>
           </a:p>
@@ -6098,7 +6182,7 @@
           <a:p>
             <a:fld id="{2C846FF3-5801-4186-ADA5-4C3C17C77B4C}" type="datetimeFigureOut">
               <a:rPr lang="en-US" smtClean="0"/>
-              <a:t>2025-11-28</a:t>
+              <a:t>11/28/25</a:t>
             </a:fld>
             <a:endParaRPr lang="en-US"/>
           </a:p>
@@ -6211,7 +6295,7 @@
           <a:p>
             <a:fld id="{2C846FF3-5801-4186-ADA5-4C3C17C77B4C}" type="datetimeFigureOut">
               <a:rPr lang="en-US" smtClean="0"/>
-              <a:t>2025-11-28</a:t>
+              <a:t>11/28/25</a:t>
             </a:fld>
             <a:endParaRPr lang="en-US"/>
           </a:p>
@@ -6522,7 +6606,7 @@
           <a:p>
             <a:fld id="{2C846FF3-5801-4186-ADA5-4C3C17C77B4C}" type="datetimeFigureOut">
               <a:rPr lang="en-US" smtClean="0"/>
-              <a:t>2025-11-28</a:t>
+              <a:t>11/28/25</a:t>
             </a:fld>
             <a:endParaRPr lang="en-US"/>
           </a:p>
@@ -6810,7 +6894,7 @@
           <a:p>
             <a:fld id="{2C846FF3-5801-4186-ADA5-4C3C17C77B4C}" type="datetimeFigureOut">
               <a:rPr lang="en-US" smtClean="0"/>
-              <a:t>2025-11-28</a:t>
+              <a:t>11/28/25</a:t>
             </a:fld>
             <a:endParaRPr lang="en-US"/>
           </a:p>
@@ -7051,7 +7135,7 @@
           <a:p>
             <a:fld id="{2C846FF3-5801-4186-ADA5-4C3C17C77B4C}" type="datetimeFigureOut">
               <a:rPr lang="en-US" smtClean="0"/>
-              <a:t>2025-11-28</a:t>
+              <a:t>11/28/25</a:t>
             </a:fld>
             <a:endParaRPr lang="en-US"/>
           </a:p>
@@ -7619,7 +7703,7 @@
           <a:p>
             <a:fld id="{35E7EF3B-1460-4EE6-BB1F-95D983DE5504}" type="datetimeFigureOut">
               <a:rPr lang="en-US" smtClean="0"/>
-              <a:t>2025-11-28</a:t>
+              <a:t>11/28/25</a:t>
             </a:fld>
             <a:endParaRPr lang="en-US"/>
           </a:p>
@@ -11665,42 +11749,6 @@
           <a:chExt cx="0" cy="0"/>
         </a:xfrm>
       </p:grpSpPr>
-      <p:pic>
-        <p:nvPicPr>
-          <p:cNvPr id="39" name="Picture 38" descr="A white background with blue waves&#10;&#10;AI-generated content may be incorrect.">
-            <a:extLst>
-              <a:ext uri="{FF2B5EF4-FFF2-40B4-BE49-F238E27FC236}">
-                <a16:creationId xmlns:a16="http://schemas.microsoft.com/office/drawing/2014/main" id="{7A233E10-473C-475C-18F1-9C069728508B}"/>
-              </a:ext>
-            </a:extLst>
-          </p:cNvPr>
-          <p:cNvPicPr>
-            <a:picLocks noChangeAspect="1"/>
-          </p:cNvPicPr>
-          <p:nvPr/>
-        </p:nvPicPr>
-        <p:blipFill>
-          <a:blip r:embed="rId2">
-            <a:extLst>
-              <a:ext uri="{28A0092B-C50C-407E-A947-70E740481C1C}">
-                <a14:useLocalDpi xmlns:a14="http://schemas.microsoft.com/office/drawing/2010/main" val="0"/>
-              </a:ext>
-            </a:extLst>
-          </a:blip>
-          <a:stretch>
-            <a:fillRect/>
-          </a:stretch>
-        </p:blipFill>
-        <p:spPr>
-          <a:xfrm>
-            <a:off x="0" y="8562"/>
-            <a:ext cx="12192000" cy="6849438"/>
-          </a:xfrm>
-          <a:prstGeom prst="rect">
-            <a:avLst/>
-          </a:prstGeom>
-        </p:spPr>
-      </p:pic>
       <p:sp>
         <p:nvSpPr>
           <p:cNvPr id="2" name="Title 1">
@@ -11750,8 +11798,8 @@
         </p:nvSpPr>
         <p:spPr>
           <a:xfrm>
-            <a:off x="1217933" y="2196618"/>
-            <a:ext cx="2816352" cy="3450336"/>
+            <a:off x="482930" y="2196618"/>
+            <a:ext cx="5113658" cy="3450336"/>
           </a:xfrm>
           <a:prstGeom prst="roundRect">
             <a:avLst/>
@@ -11797,8 +11845,8 @@
         </p:nvSpPr>
         <p:spPr>
           <a:xfrm>
-            <a:off x="1859537" y="2312537"/>
-            <a:ext cx="1533144" cy="318006"/>
+            <a:off x="990600" y="2312537"/>
+            <a:ext cx="3921013" cy="464292"/>
           </a:xfrm>
           <a:prstGeom prst="rect">
             <a:avLst/>
@@ -11810,59 +11858,13 @@
           <a:bodyPr wrap="square" lIns="0" tIns="0" rIns="0" bIns="0" rtlCol="0" anchor="t"/>
           <a:lstStyle/>
           <a:p>
-            <a:pPr marL="0" indent="0" algn="ctr">
+            <a:pPr algn="ctr">
               <a:spcAft>
                 <a:spcPts val="1000"/>
               </a:spcAft>
-              <a:buNone/>
             </a:pPr>
             <a:r>
-              <a:rPr lang="en-US" sz="2400" b="1" dirty="0">
-                <a:latin typeface="Arial Rounded MT Bold" pitchFamily="34" charset="0"/>
-                <a:ea typeface="Arial Rounded MT Bold" pitchFamily="34" charset="-122"/>
-                <a:cs typeface="Arial Rounded MT Bold" pitchFamily="34" charset="-120"/>
-              </a:rPr>
-              <a:t>MCP Host</a:t>
-            </a:r>
-            <a:endParaRPr lang="en-US" sz="2400" dirty="0"/>
-          </a:p>
-        </p:txBody>
-      </p:sp>
-      <p:sp>
-        <p:nvSpPr>
-          <p:cNvPr id="20" name="Text 5">
-            <a:extLst>
-              <a:ext uri="{FF2B5EF4-FFF2-40B4-BE49-F238E27FC236}">
-                <a16:creationId xmlns:a16="http://schemas.microsoft.com/office/drawing/2014/main" id="{DEF1A8BE-591A-3660-374B-F6FEE56F76B3}"/>
-              </a:ext>
-            </a:extLst>
-          </p:cNvPr>
-          <p:cNvSpPr/>
-          <p:nvPr/>
-        </p:nvSpPr>
-        <p:spPr>
-          <a:xfrm>
-            <a:off x="1707898" y="2756463"/>
-            <a:ext cx="1836421" cy="318006"/>
-          </a:xfrm>
-          <a:prstGeom prst="rect">
-            <a:avLst/>
-          </a:prstGeom>
-          <a:noFill/>
-          <a:ln/>
-        </p:spPr>
-        <p:txBody>
-          <a:bodyPr wrap="square" lIns="0" tIns="0" rIns="0" bIns="0" rtlCol="0" anchor="t"/>
-          <a:lstStyle/>
-          <a:p>
-            <a:pPr marL="0" indent="0" algn="l">
-              <a:lnSpc>
-                <a:spcPts val="1920"/>
-              </a:lnSpc>
-              <a:buNone/>
-            </a:pPr>
-            <a:r>
-              <a:rPr lang="en-US" sz="2000" dirty="0">
+              <a:rPr lang="en-US" sz="2400" dirty="0">
                 <a:solidFill>
                   <a:srgbClr val="000000"/>
                 </a:solidFill>
@@ -11872,236 +11874,19 @@
               </a:rPr>
               <a:t>Your .NET app.</a:t>
             </a:r>
-            <a:endParaRPr lang="en-US" sz="2000" dirty="0"/>
-          </a:p>
-        </p:txBody>
-      </p:sp>
-      <p:grpSp>
-        <p:nvGrpSpPr>
-          <p:cNvPr id="23" name="Group 22">
-            <a:extLst>
-              <a:ext uri="{FF2B5EF4-FFF2-40B4-BE49-F238E27FC236}">
-                <a16:creationId xmlns:a16="http://schemas.microsoft.com/office/drawing/2014/main" id="{85DABE07-599E-475F-15CF-8A3EDBE5455D}"/>
-              </a:ext>
-            </a:extLst>
-          </p:cNvPr>
-          <p:cNvGrpSpPr/>
-          <p:nvPr/>
-        </p:nvGrpSpPr>
-        <p:grpSpPr>
-          <a:xfrm>
-            <a:off x="1707898" y="3288081"/>
-            <a:ext cx="1877563" cy="703109"/>
-            <a:chOff x="1660397" y="2820379"/>
-            <a:chExt cx="1877563" cy="703109"/>
-          </a:xfrm>
-        </p:grpSpPr>
-        <p:sp>
-          <p:nvSpPr>
-            <p:cNvPr id="21" name="Rectangle: Rounded Corners 20">
-              <a:extLst>
-                <a:ext uri="{FF2B5EF4-FFF2-40B4-BE49-F238E27FC236}">
-                  <a16:creationId xmlns:a16="http://schemas.microsoft.com/office/drawing/2014/main" id="{81D35457-CCCC-CEE9-6167-6F3F6B845DA6}"/>
-                </a:ext>
-              </a:extLst>
-            </p:cNvPr>
-            <p:cNvSpPr/>
-            <p:nvPr/>
-          </p:nvSpPr>
-          <p:spPr>
-            <a:xfrm>
-              <a:off x="1660397" y="2820379"/>
-              <a:ext cx="1877563" cy="703109"/>
-            </a:xfrm>
-            <a:prstGeom prst="roundRect">
-              <a:avLst/>
-            </a:prstGeom>
-            <a:noFill/>
-          </p:spPr>
-          <p:style>
-            <a:lnRef idx="2">
-              <a:schemeClr val="accent1">
-                <a:shade val="15000"/>
-              </a:schemeClr>
-            </a:lnRef>
-            <a:fillRef idx="1">
-              <a:schemeClr val="accent1"/>
-            </a:fillRef>
-            <a:effectRef idx="0">
-              <a:schemeClr val="accent1"/>
-            </a:effectRef>
-            <a:fontRef idx="minor">
-              <a:schemeClr val="lt1"/>
-            </a:fontRef>
-          </p:style>
-          <p:txBody>
-            <a:bodyPr rtlCol="0" anchor="ctr"/>
-            <a:lstStyle/>
-            <a:p>
-              <a:pPr algn="ctr"/>
-              <a:endParaRPr lang="en-US"/>
-            </a:p>
-          </p:txBody>
-        </p:sp>
-        <p:sp>
-          <p:nvSpPr>
-            <p:cNvPr id="22" name="Text 4">
-              <a:extLst>
-                <a:ext uri="{FF2B5EF4-FFF2-40B4-BE49-F238E27FC236}">
-                  <a16:creationId xmlns:a16="http://schemas.microsoft.com/office/drawing/2014/main" id="{AB274DB5-2D33-D81F-3612-05D5DCE99383}"/>
-                </a:ext>
-              </a:extLst>
-            </p:cNvPr>
-            <p:cNvSpPr/>
-            <p:nvPr/>
-          </p:nvSpPr>
-          <p:spPr>
-            <a:xfrm>
-              <a:off x="1834703" y="2946299"/>
-              <a:ext cx="1528950" cy="318006"/>
-            </a:xfrm>
-            <a:prstGeom prst="rect">
-              <a:avLst/>
-            </a:prstGeom>
-            <a:noFill/>
-            <a:ln/>
-          </p:spPr>
-          <p:txBody>
-            <a:bodyPr wrap="square" lIns="0" tIns="0" rIns="0" bIns="0" rtlCol="0" anchor="t"/>
-            <a:lstStyle/>
-            <a:p>
-              <a:pPr marL="0" indent="0" algn="ctr">
-                <a:spcAft>
-                  <a:spcPts val="1000"/>
-                </a:spcAft>
-                <a:buNone/>
-              </a:pPr>
-              <a:r>
-                <a:rPr lang="en-US" sz="2200" dirty="0">
-                  <a:latin typeface="Arial Rounded MT Bold" pitchFamily="34" charset="0"/>
-                  <a:ea typeface="Arial Rounded MT Bold" pitchFamily="34" charset="-122"/>
-                  <a:cs typeface="Arial Rounded MT Bold" pitchFamily="34" charset="-120"/>
-                </a:rPr>
-                <a:t>MCP Client</a:t>
-              </a:r>
-              <a:endParaRPr lang="en-US" sz="2200" dirty="0"/>
-            </a:p>
-          </p:txBody>
-        </p:sp>
-      </p:grpSp>
-      <p:grpSp>
-        <p:nvGrpSpPr>
-          <p:cNvPr id="24" name="Group 23">
-            <a:extLst>
-              <a:ext uri="{FF2B5EF4-FFF2-40B4-BE49-F238E27FC236}">
-                <a16:creationId xmlns:a16="http://schemas.microsoft.com/office/drawing/2014/main" id="{5710D682-711F-171E-5A51-E15F8285E3B4}"/>
-              </a:ext>
-            </a:extLst>
-          </p:cNvPr>
-          <p:cNvGrpSpPr/>
-          <p:nvPr/>
-        </p:nvGrpSpPr>
-        <p:grpSpPr>
-          <a:xfrm>
-            <a:off x="1687326" y="4655251"/>
-            <a:ext cx="1877563" cy="703109"/>
-            <a:chOff x="1660397" y="2820379"/>
-            <a:chExt cx="1877563" cy="703109"/>
-          </a:xfrm>
-        </p:grpSpPr>
-        <p:sp>
-          <p:nvSpPr>
-            <p:cNvPr id="25" name="Rectangle: Rounded Corners 24">
-              <a:extLst>
-                <a:ext uri="{FF2B5EF4-FFF2-40B4-BE49-F238E27FC236}">
-                  <a16:creationId xmlns:a16="http://schemas.microsoft.com/office/drawing/2014/main" id="{9BA15B20-59C2-966F-A40F-7C44D7821D30}"/>
-                </a:ext>
-              </a:extLst>
-            </p:cNvPr>
-            <p:cNvSpPr/>
-            <p:nvPr/>
-          </p:nvSpPr>
-          <p:spPr>
-            <a:xfrm>
-              <a:off x="1660397" y="2820379"/>
-              <a:ext cx="1877563" cy="703109"/>
-            </a:xfrm>
-            <a:prstGeom prst="roundRect">
-              <a:avLst/>
-            </a:prstGeom>
-            <a:noFill/>
-          </p:spPr>
-          <p:style>
-            <a:lnRef idx="2">
-              <a:schemeClr val="accent1">
-                <a:shade val="15000"/>
-              </a:schemeClr>
-            </a:lnRef>
-            <a:fillRef idx="1">
-              <a:schemeClr val="accent1"/>
-            </a:fillRef>
-            <a:effectRef idx="0">
-              <a:schemeClr val="accent1"/>
-            </a:effectRef>
-            <a:fontRef idx="minor">
-              <a:schemeClr val="lt1"/>
-            </a:fontRef>
-          </p:style>
-          <p:txBody>
-            <a:bodyPr rtlCol="0" anchor="ctr"/>
-            <a:lstStyle/>
-            <a:p>
-              <a:pPr algn="ctr"/>
-              <a:endParaRPr lang="en-US"/>
-            </a:p>
-          </p:txBody>
-        </p:sp>
-        <p:sp>
-          <p:nvSpPr>
-            <p:cNvPr id="26" name="Text 4">
-              <a:extLst>
-                <a:ext uri="{FF2B5EF4-FFF2-40B4-BE49-F238E27FC236}">
-                  <a16:creationId xmlns:a16="http://schemas.microsoft.com/office/drawing/2014/main" id="{1AE6083F-522A-96DA-FA8F-CA042896CDF5}"/>
-                </a:ext>
-              </a:extLst>
-            </p:cNvPr>
-            <p:cNvSpPr/>
-            <p:nvPr/>
-          </p:nvSpPr>
-          <p:spPr>
-            <a:xfrm>
-              <a:off x="1834703" y="2946299"/>
-              <a:ext cx="1528950" cy="318006"/>
-            </a:xfrm>
-            <a:prstGeom prst="rect">
-              <a:avLst/>
-            </a:prstGeom>
-            <a:noFill/>
-            <a:ln/>
-          </p:spPr>
-          <p:txBody>
-            <a:bodyPr wrap="square" lIns="0" tIns="0" rIns="0" bIns="0" rtlCol="0" anchor="t"/>
-            <a:lstStyle/>
-            <a:p>
-              <a:pPr marL="0" indent="0" algn="ctr">
-                <a:spcAft>
-                  <a:spcPts val="1000"/>
-                </a:spcAft>
-                <a:buNone/>
-              </a:pPr>
-              <a:r>
-                <a:rPr lang="en-US" sz="2200" dirty="0">
-                  <a:latin typeface="Arial Rounded MT Bold" pitchFamily="34" charset="0"/>
-                  <a:ea typeface="Arial Rounded MT Bold" pitchFamily="34" charset="-122"/>
-                  <a:cs typeface="Arial Rounded MT Bold" pitchFamily="34" charset="-120"/>
-                </a:rPr>
-                <a:t>MCP Client</a:t>
-              </a:r>
-              <a:endParaRPr lang="en-US" sz="2200" dirty="0"/>
-            </a:p>
-          </p:txBody>
-        </p:sp>
-      </p:grpSp>
+            <a:endParaRPr lang="en-US" sz="2400" dirty="0"/>
+          </a:p>
+          <a:p>
+            <a:pPr marL="0" indent="0" algn="ctr">
+              <a:spcAft>
+                <a:spcPts val="1000"/>
+              </a:spcAft>
+              <a:buNone/>
+            </a:pPr>
+            <a:endParaRPr lang="en-US" sz="2400" dirty="0"/>
+          </a:p>
+        </p:txBody>
+      </p:sp>
       <p:sp>
         <p:nvSpPr>
           <p:cNvPr id="27" name="Rectangle: Rounded Corners 26">
@@ -12116,7 +11901,7 @@
         </p:nvSpPr>
         <p:spPr>
           <a:xfrm>
-            <a:off x="5511998" y="3215906"/>
+            <a:off x="6192881" y="3203971"/>
             <a:ext cx="1915432" cy="847455"/>
           </a:xfrm>
           <a:prstGeom prst="roundRect">
@@ -12171,7 +11956,7 @@
         </p:nvSpPr>
         <p:spPr>
           <a:xfrm>
-            <a:off x="5511998" y="4583076"/>
+            <a:off x="6192881" y="4429231"/>
             <a:ext cx="1915432" cy="847455"/>
           </a:xfrm>
           <a:prstGeom prst="roundRect">
@@ -12226,7 +12011,7 @@
         </p:nvSpPr>
         <p:spPr>
           <a:xfrm>
-            <a:off x="9435341" y="3151862"/>
+            <a:off x="9315450" y="3098503"/>
             <a:ext cx="1316736" cy="975544"/>
           </a:xfrm>
           <a:prstGeom prst="roundRect">
@@ -12281,7 +12066,7 @@
         </p:nvSpPr>
         <p:spPr>
           <a:xfrm>
-            <a:off x="9435341" y="4424787"/>
+            <a:off x="9315450" y="4393868"/>
             <a:ext cx="1316736" cy="975544"/>
           </a:xfrm>
           <a:prstGeom prst="roundRect">
@@ -12324,23 +12109,324 @@
       </p:sp>
       <p:cxnSp>
         <p:nvCxnSpPr>
-          <p:cNvPr id="32" name="Straight Arrow Connector 31">
-            <a:extLst>
-              <a:ext uri="{FF2B5EF4-FFF2-40B4-BE49-F238E27FC236}">
-                <a16:creationId xmlns:a16="http://schemas.microsoft.com/office/drawing/2014/main" id="{577ABAE9-6A08-D012-B271-EB396AE85EE2}"/>
+          <p:cNvPr id="35" name="Straight Arrow Connector 34">
+            <a:extLst>
+              <a:ext uri="{FF2B5EF4-FFF2-40B4-BE49-F238E27FC236}">
+                <a16:creationId xmlns:a16="http://schemas.microsoft.com/office/drawing/2014/main" id="{2FBE76F3-7880-42B4-8F6A-3C01E43035B5}"/>
               </a:ext>
             </a:extLst>
           </p:cNvPr>
           <p:cNvCxnSpPr>
-            <a:stCxn id="21" idx="3"/>
+            <a:cxnSpLocks/>
+            <a:stCxn id="27" idx="3"/>
+          </p:cNvCxnSpPr>
+          <p:nvPr/>
+        </p:nvCxnSpPr>
+        <p:spPr>
+          <a:xfrm>
+            <a:off x="8108313" y="3627699"/>
+            <a:ext cx="1207137" cy="0"/>
+          </a:xfrm>
+          <a:prstGeom prst="straightConnector1">
+            <a:avLst/>
+          </a:prstGeom>
+          <a:ln w="38100">
+            <a:solidFill>
+              <a:schemeClr val="tx1"/>
+            </a:solidFill>
+            <a:headEnd type="triangle"/>
+            <a:tailEnd type="triangle"/>
+          </a:ln>
+        </p:spPr>
+        <p:style>
+          <a:lnRef idx="2">
+            <a:schemeClr val="accent1"/>
+          </a:lnRef>
+          <a:fillRef idx="0">
+            <a:schemeClr val="accent1"/>
+          </a:fillRef>
+          <a:effectRef idx="1">
+            <a:schemeClr val="accent1"/>
+          </a:effectRef>
+          <a:fontRef idx="minor">
+            <a:schemeClr val="tx1"/>
+          </a:fontRef>
+        </p:style>
+      </p:cxnSp>
+      <p:sp>
+        <p:nvSpPr>
+          <p:cNvPr id="4" name="Rectangle: Rounded Corners 26">
+            <a:extLst>
+              <a:ext uri="{FF2B5EF4-FFF2-40B4-BE49-F238E27FC236}">
+                <a16:creationId xmlns:a16="http://schemas.microsoft.com/office/drawing/2014/main" id="{C445CAAB-96D5-C6EB-A5DA-1539A38DECBC}"/>
+              </a:ext>
+            </a:extLst>
+          </p:cNvPr>
+          <p:cNvSpPr/>
+          <p:nvPr/>
+        </p:nvSpPr>
+        <p:spPr>
+          <a:xfrm>
+            <a:off x="676321" y="3570549"/>
+            <a:ext cx="2279422" cy="1389714"/>
+          </a:xfrm>
+          <a:prstGeom prst="roundRect">
+            <a:avLst/>
+          </a:prstGeom>
+          <a:noFill/>
+        </p:spPr>
+        <p:style>
+          <a:lnRef idx="2">
+            <a:schemeClr val="accent1">
+              <a:shade val="15000"/>
+            </a:schemeClr>
+          </a:lnRef>
+          <a:fillRef idx="1">
+            <a:schemeClr val="accent1"/>
+          </a:fillRef>
+          <a:effectRef idx="0">
+            <a:schemeClr val="accent1"/>
+          </a:effectRef>
+          <a:fontRef idx="minor">
+            <a:schemeClr val="lt1"/>
+          </a:fontRef>
+        </p:style>
+        <p:txBody>
+          <a:bodyPr rtlCol="0" anchor="ctr"/>
+          <a:lstStyle/>
+          <a:p>
+            <a:pPr algn="ctr"/>
+            <a:r>
+              <a:rPr lang="en-US" sz="2200" dirty="0">
+                <a:solidFill>
+                  <a:schemeClr val="tx1"/>
+                </a:solidFill>
+                <a:latin typeface="Arial Rounded MT Bold" panose="020F0704030504030204" pitchFamily="34" charset="0"/>
+              </a:rPr>
+              <a:t>AI Agent/LLM</a:t>
+            </a:r>
+          </a:p>
+        </p:txBody>
+      </p:sp>
+      <p:sp>
+        <p:nvSpPr>
+          <p:cNvPr id="5" name="Rectangle: Rounded Corners 29">
+            <a:extLst>
+              <a:ext uri="{FF2B5EF4-FFF2-40B4-BE49-F238E27FC236}">
+                <a16:creationId xmlns:a16="http://schemas.microsoft.com/office/drawing/2014/main" id="{6A28DE74-509C-4F31-99AB-13A704EAA7FD}"/>
+              </a:ext>
+            </a:extLst>
+          </p:cNvPr>
+          <p:cNvSpPr/>
+          <p:nvPr/>
+        </p:nvSpPr>
+        <p:spPr>
+          <a:xfrm>
+            <a:off x="3913459" y="3139927"/>
+            <a:ext cx="1316736" cy="975544"/>
+          </a:xfrm>
+          <a:prstGeom prst="roundRect">
+            <a:avLst/>
+          </a:prstGeom>
+          <a:noFill/>
+        </p:spPr>
+        <p:style>
+          <a:lnRef idx="2">
+            <a:schemeClr val="accent1">
+              <a:shade val="15000"/>
+            </a:schemeClr>
+          </a:lnRef>
+          <a:fillRef idx="1">
+            <a:schemeClr val="accent1"/>
+          </a:fillRef>
+          <a:effectRef idx="0">
+            <a:schemeClr val="accent1"/>
+          </a:effectRef>
+          <a:fontRef idx="minor">
+            <a:schemeClr val="lt1"/>
+          </a:fontRef>
+        </p:style>
+        <p:txBody>
+          <a:bodyPr rtlCol="0" anchor="ctr"/>
+          <a:lstStyle/>
+          <a:p>
+            <a:pPr algn="ctr"/>
+            <a:r>
+              <a:rPr lang="en-US" sz="2200" dirty="0">
+                <a:solidFill>
+                  <a:schemeClr val="tx1"/>
+                </a:solidFill>
+                <a:latin typeface="Arial Rounded MT Bold" panose="020F0704030504030204" pitchFamily="34" charset="0"/>
+              </a:rPr>
+              <a:t>MCP Client</a:t>
+            </a:r>
+          </a:p>
+        </p:txBody>
+      </p:sp>
+      <p:sp>
+        <p:nvSpPr>
+          <p:cNvPr id="6" name="Rectangle: Rounded Corners 29">
+            <a:extLst>
+              <a:ext uri="{FF2B5EF4-FFF2-40B4-BE49-F238E27FC236}">
+                <a16:creationId xmlns:a16="http://schemas.microsoft.com/office/drawing/2014/main" id="{7C90D06C-9644-F9F3-FEBC-C79F8C6386A3}"/>
+              </a:ext>
+            </a:extLst>
+          </p:cNvPr>
+          <p:cNvSpPr/>
+          <p:nvPr/>
+        </p:nvSpPr>
+        <p:spPr>
+          <a:xfrm>
+            <a:off x="3913459" y="4365187"/>
+            <a:ext cx="1316736" cy="975544"/>
+          </a:xfrm>
+          <a:prstGeom prst="roundRect">
+            <a:avLst/>
+          </a:prstGeom>
+          <a:noFill/>
+        </p:spPr>
+        <p:style>
+          <a:lnRef idx="2">
+            <a:schemeClr val="accent1">
+              <a:shade val="15000"/>
+            </a:schemeClr>
+          </a:lnRef>
+          <a:fillRef idx="1">
+            <a:schemeClr val="accent1"/>
+          </a:fillRef>
+          <a:effectRef idx="0">
+            <a:schemeClr val="accent1"/>
+          </a:effectRef>
+          <a:fontRef idx="minor">
+            <a:schemeClr val="lt1"/>
+          </a:fontRef>
+        </p:style>
+        <p:txBody>
+          <a:bodyPr rtlCol="0" anchor="ctr"/>
+          <a:lstStyle/>
+          <a:p>
+            <a:pPr algn="ctr"/>
+            <a:r>
+              <a:rPr lang="en-US" sz="2200" dirty="0">
+                <a:solidFill>
+                  <a:schemeClr val="tx1"/>
+                </a:solidFill>
+                <a:latin typeface="Arial Rounded MT Bold" panose="020F0704030504030204" pitchFamily="34" charset="0"/>
+              </a:rPr>
+              <a:t>MCP Client</a:t>
+            </a:r>
+          </a:p>
+        </p:txBody>
+      </p:sp>
+      <p:cxnSp>
+        <p:nvCxnSpPr>
+          <p:cNvPr id="8" name="Elbow Connector 7">
+            <a:extLst>
+              <a:ext uri="{FF2B5EF4-FFF2-40B4-BE49-F238E27FC236}">
+                <a16:creationId xmlns:a16="http://schemas.microsoft.com/office/drawing/2014/main" id="{8763B82F-FA5A-9888-A869-C39FAEE63C38}"/>
+              </a:ext>
+            </a:extLst>
+          </p:cNvPr>
+          <p:cNvCxnSpPr>
+            <a:stCxn id="4" idx="3"/>
+            <a:endCxn id="5" idx="1"/>
+          </p:cNvCxnSpPr>
+          <p:nvPr/>
+        </p:nvCxnSpPr>
+        <p:spPr>
+          <a:xfrm flipV="1">
+            <a:off x="2955743" y="3627699"/>
+            <a:ext cx="957716" cy="637707"/>
+          </a:xfrm>
+          <a:prstGeom prst="bentConnector3">
+            <a:avLst/>
+          </a:prstGeom>
+          <a:ln w="38100">
+            <a:solidFill>
+              <a:schemeClr val="tx1"/>
+            </a:solidFill>
+            <a:tailEnd type="triangle"/>
+          </a:ln>
+        </p:spPr>
+        <p:style>
+          <a:lnRef idx="2">
+            <a:schemeClr val="accent1"/>
+          </a:lnRef>
+          <a:fillRef idx="0">
+            <a:schemeClr val="accent1"/>
+          </a:fillRef>
+          <a:effectRef idx="1">
+            <a:schemeClr val="accent1"/>
+          </a:effectRef>
+          <a:fontRef idx="minor">
+            <a:schemeClr val="tx1"/>
+          </a:fontRef>
+        </p:style>
+      </p:cxnSp>
+      <p:cxnSp>
+        <p:nvCxnSpPr>
+          <p:cNvPr id="10" name="Elbow Connector 9">
+            <a:extLst>
+              <a:ext uri="{FF2B5EF4-FFF2-40B4-BE49-F238E27FC236}">
+                <a16:creationId xmlns:a16="http://schemas.microsoft.com/office/drawing/2014/main" id="{5E13DB2A-0611-3E09-1B7A-C81297BB618D}"/>
+              </a:ext>
+            </a:extLst>
+          </p:cNvPr>
+          <p:cNvCxnSpPr>
+            <a:stCxn id="4" idx="3"/>
+            <a:endCxn id="6" idx="1"/>
+          </p:cNvCxnSpPr>
+          <p:nvPr/>
+        </p:nvCxnSpPr>
+        <p:spPr>
+          <a:xfrm>
+            <a:off x="2955743" y="4265406"/>
+            <a:ext cx="957716" cy="587553"/>
+          </a:xfrm>
+          <a:prstGeom prst="bentConnector3">
+            <a:avLst/>
+          </a:prstGeom>
+          <a:ln w="38100">
+            <a:solidFill>
+              <a:schemeClr val="tx1"/>
+            </a:solidFill>
+            <a:tailEnd type="triangle"/>
+          </a:ln>
+        </p:spPr>
+        <p:style>
+          <a:lnRef idx="2">
+            <a:schemeClr val="accent1"/>
+          </a:lnRef>
+          <a:fillRef idx="0">
+            <a:schemeClr val="accent1"/>
+          </a:fillRef>
+          <a:effectRef idx="1">
+            <a:schemeClr val="accent1"/>
+          </a:effectRef>
+          <a:fontRef idx="minor">
+            <a:schemeClr val="tx1"/>
+          </a:fontRef>
+        </p:style>
+      </p:cxnSp>
+      <p:cxnSp>
+        <p:nvCxnSpPr>
+          <p:cNvPr id="12" name="Straight Arrow Connector 11">
+            <a:extLst>
+              <a:ext uri="{FF2B5EF4-FFF2-40B4-BE49-F238E27FC236}">
+                <a16:creationId xmlns:a16="http://schemas.microsoft.com/office/drawing/2014/main" id="{9E56E6B6-A5C2-0954-C66B-62F3BF01698E}"/>
+              </a:ext>
+            </a:extLst>
+          </p:cNvPr>
+          <p:cNvCxnSpPr>
+            <a:stCxn id="5" idx="3"/>
             <a:endCxn id="27" idx="1"/>
           </p:cNvCxnSpPr>
           <p:nvPr/>
         </p:nvCxnSpPr>
         <p:spPr>
-          <a:xfrm flipV="1">
-            <a:off x="3585461" y="3639634"/>
-            <a:ext cx="1926537" cy="2"/>
+          <a:xfrm>
+            <a:off x="5230195" y="3627699"/>
+            <a:ext cx="962686" cy="0"/>
           </a:xfrm>
           <a:prstGeom prst="straightConnector1">
             <a:avLst/>
@@ -12370,23 +12456,20 @@
       </p:cxnSp>
       <p:cxnSp>
         <p:nvCxnSpPr>
-          <p:cNvPr id="33" name="Straight Arrow Connector 32">
-            <a:extLst>
-              <a:ext uri="{FF2B5EF4-FFF2-40B4-BE49-F238E27FC236}">
-                <a16:creationId xmlns:a16="http://schemas.microsoft.com/office/drawing/2014/main" id="{BCCE9D13-4681-9C6D-F583-90B37EB411E9}"/>
-              </a:ext>
-            </a:extLst>
-          </p:cNvPr>
-          <p:cNvCxnSpPr>
-            <a:cxnSpLocks/>
-            <a:endCxn id="28" idx="1"/>
-          </p:cNvCxnSpPr>
+          <p:cNvPr id="13" name="Straight Arrow Connector 12">
+            <a:extLst>
+              <a:ext uri="{FF2B5EF4-FFF2-40B4-BE49-F238E27FC236}">
+                <a16:creationId xmlns:a16="http://schemas.microsoft.com/office/drawing/2014/main" id="{F4BD52C5-4043-6C7B-997A-6E1E54C48912}"/>
+              </a:ext>
+            </a:extLst>
+          </p:cNvPr>
+          <p:cNvCxnSpPr/>
           <p:nvPr/>
         </p:nvCxnSpPr>
         <p:spPr>
           <a:xfrm>
-            <a:off x="3540409" y="4985706"/>
-            <a:ext cx="1971589" cy="21098"/>
+            <a:off x="5230195" y="4921702"/>
+            <a:ext cx="962686" cy="0"/>
           </a:xfrm>
           <a:prstGeom prst="straightConnector1">
             <a:avLst/>
@@ -12416,23 +12499,22 @@
       </p:cxnSp>
       <p:cxnSp>
         <p:nvCxnSpPr>
-          <p:cNvPr id="35" name="Straight Arrow Connector 34">
-            <a:extLst>
-              <a:ext uri="{FF2B5EF4-FFF2-40B4-BE49-F238E27FC236}">
-                <a16:creationId xmlns:a16="http://schemas.microsoft.com/office/drawing/2014/main" id="{2FBE76F3-7880-42B4-8F6A-3C01E43035B5}"/>
+          <p:cNvPr id="38" name="Straight Arrow Connector 37">
+            <a:extLst>
+              <a:ext uri="{FF2B5EF4-FFF2-40B4-BE49-F238E27FC236}">
+                <a16:creationId xmlns:a16="http://schemas.microsoft.com/office/drawing/2014/main" id="{5D9D06B6-11D0-1B30-8EA1-A60445E9325B}"/>
               </a:ext>
             </a:extLst>
           </p:cNvPr>
           <p:cNvCxnSpPr>
             <a:cxnSpLocks/>
-            <a:endCxn id="29" idx="1"/>
           </p:cNvCxnSpPr>
           <p:nvPr/>
         </p:nvCxnSpPr>
         <p:spPr>
-          <a:xfrm flipV="1">
-            <a:off x="7427430" y="3639634"/>
-            <a:ext cx="2007911" cy="15241"/>
+          <a:xfrm>
+            <a:off x="8108312" y="4856627"/>
+            <a:ext cx="1207137" cy="0"/>
           </a:xfrm>
           <a:prstGeom prst="straightConnector1">
             <a:avLst/>
@@ -12460,51 +12542,62 @@
           </a:fontRef>
         </p:style>
       </p:cxnSp>
-      <p:cxnSp>
-        <p:nvCxnSpPr>
-          <p:cNvPr id="37" name="Straight Arrow Connector 36">
-            <a:extLst>
-              <a:ext uri="{FF2B5EF4-FFF2-40B4-BE49-F238E27FC236}">
-                <a16:creationId xmlns:a16="http://schemas.microsoft.com/office/drawing/2014/main" id="{BEF51562-C519-8ACB-3CF0-ACA040FAFDDD}"/>
-              </a:ext>
-            </a:extLst>
-          </p:cNvPr>
-          <p:cNvCxnSpPr>
-            <a:cxnSpLocks/>
-          </p:cNvCxnSpPr>
+      <p:sp>
+        <p:nvSpPr>
+          <p:cNvPr id="43" name="Text 4">
+            <a:extLst>
+              <a:ext uri="{FF2B5EF4-FFF2-40B4-BE49-F238E27FC236}">
+                <a16:creationId xmlns:a16="http://schemas.microsoft.com/office/drawing/2014/main" id="{C62BC9D9-046E-78E6-120C-C6A8FFF2B169}"/>
+              </a:ext>
+            </a:extLst>
+          </p:cNvPr>
+          <p:cNvSpPr/>
           <p:nvPr/>
-        </p:nvCxnSpPr>
+        </p:nvSpPr>
         <p:spPr>
-          <a:xfrm flipV="1">
-            <a:off x="7427429" y="4976562"/>
-            <a:ext cx="2007911" cy="15241"/>
+          <a:xfrm>
+            <a:off x="1079252" y="2750850"/>
+            <a:ext cx="3921013" cy="464292"/>
           </a:xfrm>
-          <a:prstGeom prst="straightConnector1">
+          <a:prstGeom prst="rect">
             <a:avLst/>
           </a:prstGeom>
-          <a:ln w="38100">
-            <a:solidFill>
-              <a:schemeClr val="tx1"/>
-            </a:solidFill>
-            <a:headEnd type="triangle"/>
-            <a:tailEnd type="triangle"/>
-          </a:ln>
+          <a:noFill/>
+          <a:ln/>
         </p:spPr>
-        <p:style>
-          <a:lnRef idx="2">
-            <a:schemeClr val="accent1"/>
-          </a:lnRef>
-          <a:fillRef idx="0">
-            <a:schemeClr val="accent1"/>
-          </a:fillRef>
-          <a:effectRef idx="1">
-            <a:schemeClr val="accent1"/>
-          </a:effectRef>
-          <a:fontRef idx="minor">
-            <a:schemeClr val="tx1"/>
-          </a:fontRef>
-        </p:style>
-      </p:cxnSp>
+        <p:txBody>
+          <a:bodyPr wrap="square" lIns="0" tIns="0" rIns="0" bIns="0" rtlCol="0" anchor="t"/>
+          <a:lstStyle/>
+          <a:p>
+            <a:pPr algn="ctr">
+              <a:spcAft>
+                <a:spcPts val="1000"/>
+              </a:spcAft>
+            </a:pPr>
+            <a:r>
+              <a:rPr lang="en-US" sz="2400" dirty="0">
+                <a:solidFill>
+                  <a:srgbClr val="000000"/>
+                </a:solidFill>
+                <a:latin typeface="Arial Rounded MT Bold" pitchFamily="34" charset="0"/>
+                <a:ea typeface="Arial Rounded MT Bold" pitchFamily="34" charset="-122"/>
+                <a:cs typeface="Arial Rounded MT Bold" pitchFamily="34" charset="-120"/>
+              </a:rPr>
+              <a:t>MCP Host</a:t>
+            </a:r>
+            <a:endParaRPr lang="en-US" sz="2400" dirty="0"/>
+          </a:p>
+          <a:p>
+            <a:pPr marL="0" indent="0" algn="ctr">
+              <a:spcAft>
+                <a:spcPts val="1000"/>
+              </a:spcAft>
+              <a:buNone/>
+            </a:pPr>
+            <a:endParaRPr lang="en-US" sz="2400" dirty="0"/>
+          </a:p>
+        </p:txBody>
+      </p:sp>
     </p:spTree>
     <p:extLst>
       <p:ext uri="{BB962C8B-B14F-4D97-AF65-F5344CB8AC3E}">
@@ -12536,7 +12629,7 @@
                             </p:stCondLst>
                             <p:childTnLst>
                               <p:par>
-                                <p:cTn id="5" presetID="1" presetClass="entr" presetSubtype="0" fill="hold" nodeType="clickEffect">
+                                <p:cTn id="5" presetID="1" presetClass="entr" presetSubtype="0" fill="hold" grpId="0" nodeType="clickEffect">
                                   <p:stCondLst>
                                     <p:cond delay="0"/>
                                   </p:stCondLst>
@@ -12549,7 +12642,61 @@
                                           </p:stCondLst>
                                         </p:cTn>
                                         <p:tgtEl>
-                                          <p:spTgt spid="23"/>
+                                          <p:spTgt spid="19"/>
+                                        </p:tgtEl>
+                                        <p:attrNameLst>
+                                          <p:attrName>style.visibility</p:attrName>
+                                        </p:attrNameLst>
+                                      </p:cBhvr>
+                                      <p:to>
+                                        <p:strVal val="visible"/>
+                                      </p:to>
+                                    </p:set>
+                                  </p:childTnLst>
+                                </p:cTn>
+                              </p:par>
+                              <p:par>
+                                <p:cTn id="7" presetID="1" presetClass="entr" presetSubtype="0" fill="hold" grpId="1" nodeType="withEffect">
+                                  <p:stCondLst>
+                                    <p:cond delay="0"/>
+                                  </p:stCondLst>
+                                  <p:childTnLst>
+                                    <p:set>
+                                      <p:cBhvr>
+                                        <p:cTn id="8" dur="1" fill="hold">
+                                          <p:stCondLst>
+                                            <p:cond delay="0"/>
+                                          </p:stCondLst>
+                                        </p:cTn>
+                                        <p:tgtEl>
+                                          <p:spTgt spid="18"/>
+                                        </p:tgtEl>
+                                        <p:attrNameLst>
+                                          <p:attrName>style.visibility</p:attrName>
+                                        </p:attrNameLst>
+                                      </p:cBhvr>
+                                      <p:to>
+                                        <p:strVal val="visible"/>
+                                      </p:to>
+                                    </p:set>
+                                  </p:childTnLst>
+                                </p:cTn>
+                              </p:par>
+                              <p:par>
+                                <p:cTn id="9" presetID="1" presetClass="entr" presetSubtype="0" fill="hold" grpId="0" nodeType="withEffect">
+                                  <p:stCondLst>
+                                    <p:cond delay="0"/>
+                                  </p:stCondLst>
+                                  <p:childTnLst>
+                                    <p:set>
+                                      <p:cBhvr>
+                                        <p:cTn id="10" dur="1" fill="hold">
+                                          <p:stCondLst>
+                                            <p:cond delay="0"/>
+                                          </p:stCondLst>
+                                        </p:cTn>
+                                        <p:tgtEl>
+                                          <p:spTgt spid="4"/>
                                         </p:tgtEl>
                                         <p:attrNameLst>
                                           <p:attrName>style.visibility</p:attrName>
@@ -12569,32 +12716,32 @@
                     </p:cTn>
                   </p:par>
                   <p:par>
-                    <p:cTn id="7" fill="hold">
+                    <p:cTn id="11" fill="hold">
                       <p:stCondLst>
                         <p:cond delay="indefinite"/>
                       </p:stCondLst>
                       <p:childTnLst>
                         <p:par>
-                          <p:cTn id="8" fill="hold">
+                          <p:cTn id="12" fill="hold">
                             <p:stCondLst>
                               <p:cond delay="0"/>
                             </p:stCondLst>
                             <p:childTnLst>
                               <p:par>
-                                <p:cTn id="9" presetID="1" presetClass="entr" presetSubtype="0" fill="hold" nodeType="clickEffect">
+                                <p:cTn id="13" presetID="1" presetClass="entr" presetSubtype="0" fill="hold" grpId="0" nodeType="clickEffect">
                                   <p:stCondLst>
                                     <p:cond delay="0"/>
                                   </p:stCondLst>
                                   <p:childTnLst>
                                     <p:set>
                                       <p:cBhvr>
-                                        <p:cTn id="10" dur="1" fill="hold">
+                                        <p:cTn id="14" dur="1" fill="hold">
                                           <p:stCondLst>
                                             <p:cond delay="0"/>
                                           </p:stCondLst>
                                         </p:cTn>
                                         <p:tgtEl>
-                                          <p:spTgt spid="32"/>
+                                          <p:spTgt spid="5"/>
                                         </p:tgtEl>
                                         <p:attrNameLst>
                                           <p:attrName>style.visibility</p:attrName>
@@ -12607,30 +12754,21 @@
                                   </p:childTnLst>
                                 </p:cTn>
                               </p:par>
-                            </p:childTnLst>
-                          </p:cTn>
-                        </p:par>
-                        <p:par>
-                          <p:cTn id="11" fill="hold">
-                            <p:stCondLst>
-                              <p:cond delay="0"/>
-                            </p:stCondLst>
-                            <p:childTnLst>
                               <p:par>
-                                <p:cTn id="12" presetID="1" presetClass="entr" presetSubtype="0" fill="hold" grpId="0" nodeType="afterEffect">
+                                <p:cTn id="15" presetID="1" presetClass="entr" presetSubtype="0" fill="hold" grpId="0" nodeType="withEffect">
                                   <p:stCondLst>
-                                    <p:cond delay="500"/>
+                                    <p:cond delay="0"/>
                                   </p:stCondLst>
                                   <p:childTnLst>
                                     <p:set>
                                       <p:cBhvr>
-                                        <p:cTn id="13" dur="1" fill="hold">
+                                        <p:cTn id="16" dur="1" fill="hold">
                                           <p:stCondLst>
                                             <p:cond delay="0"/>
                                           </p:stCondLst>
                                         </p:cTn>
                                         <p:tgtEl>
-                                          <p:spTgt spid="27"/>
+                                          <p:spTgt spid="43"/>
                                         </p:tgtEl>
                                         <p:attrNameLst>
                                           <p:attrName>style.visibility</p:attrName>
@@ -12650,47 +12788,11 @@
                     </p:cTn>
                   </p:par>
                   <p:par>
-                    <p:cTn id="14" fill="hold">
+                    <p:cTn id="17" fill="hold">
                       <p:stCondLst>
                         <p:cond delay="indefinite"/>
                       </p:stCondLst>
                       <p:childTnLst>
-                        <p:par>
-                          <p:cTn id="15" fill="hold">
-                            <p:stCondLst>
-                              <p:cond delay="0"/>
-                            </p:stCondLst>
-                            <p:childTnLst>
-                              <p:par>
-                                <p:cTn id="16" presetID="1" presetClass="entr" presetSubtype="0" fill="hold" nodeType="clickEffect">
-                                  <p:stCondLst>
-                                    <p:cond delay="0"/>
-                                  </p:stCondLst>
-                                  <p:childTnLst>
-                                    <p:set>
-                                      <p:cBhvr>
-                                        <p:cTn id="17" dur="1" fill="hold">
-                                          <p:stCondLst>
-                                            <p:cond delay="0"/>
-                                          </p:stCondLst>
-                                        </p:cTn>
-                                        <p:tgtEl>
-                                          <p:spTgt spid="35"/>
-                                        </p:tgtEl>
-                                        <p:attrNameLst>
-                                          <p:attrName>style.visibility</p:attrName>
-                                        </p:attrNameLst>
-                                      </p:cBhvr>
-                                      <p:to>
-                                        <p:strVal val="visible"/>
-                                      </p:to>
-                                    </p:set>
-                                  </p:childTnLst>
-                                </p:cTn>
-                              </p:par>
-                            </p:childTnLst>
-                          </p:cTn>
-                        </p:par>
                         <p:par>
                           <p:cTn id="18" fill="hold">
                             <p:stCondLst>
@@ -12698,9 +12800,9 @@
                             </p:stCondLst>
                             <p:childTnLst>
                               <p:par>
-                                <p:cTn id="19" presetID="1" presetClass="entr" presetSubtype="0" fill="hold" grpId="0" nodeType="afterEffect">
+                                <p:cTn id="19" presetID="1" presetClass="entr" presetSubtype="0" fill="hold" nodeType="clickEffect">
                                   <p:stCondLst>
-                                    <p:cond delay="500"/>
+                                    <p:cond delay="0"/>
                                   </p:stCondLst>
                                   <p:childTnLst>
                                     <p:set>
@@ -12711,7 +12813,7 @@
                                           </p:stCondLst>
                                         </p:cTn>
                                         <p:tgtEl>
-                                          <p:spTgt spid="29"/>
+                                          <p:spTgt spid="8"/>
                                         </p:tgtEl>
                                         <p:attrNameLst>
                                           <p:attrName>style.visibility</p:attrName>
@@ -12756,7 +12858,7 @@
                                           </p:stCondLst>
                                         </p:cTn>
                                         <p:tgtEl>
-                                          <p:spTgt spid="24"/>
+                                          <p:spTgt spid="12"/>
                                         </p:tgtEl>
                                         <p:attrNameLst>
                                           <p:attrName>style.visibility</p:attrName>
@@ -12772,27 +12874,90 @@
                             </p:childTnLst>
                           </p:cTn>
                         </p:par>
+                      </p:childTnLst>
+                    </p:cTn>
+                  </p:par>
+                  <p:par>
+                    <p:cTn id="25" fill="hold">
+                      <p:stCondLst>
+                        <p:cond delay="indefinite"/>
+                      </p:stCondLst>
+                      <p:childTnLst>
                         <p:par>
-                          <p:cTn id="25" fill="hold">
+                          <p:cTn id="26" fill="hold">
                             <p:stCondLst>
                               <p:cond delay="0"/>
                             </p:stCondLst>
                             <p:childTnLst>
                               <p:par>
-                                <p:cTn id="26" presetID="1" presetClass="entr" presetSubtype="0" fill="hold" nodeType="afterEffect">
+                                <p:cTn id="27" presetID="1" presetClass="entr" presetSubtype="0" fill="hold" grpId="0" nodeType="clickEffect">
                                   <p:stCondLst>
-                                    <p:cond delay="500"/>
+                                    <p:cond delay="0"/>
                                   </p:stCondLst>
                                   <p:childTnLst>
                                     <p:set>
                                       <p:cBhvr>
-                                        <p:cTn id="27" dur="1" fill="hold">
+                                        <p:cTn id="28" dur="1" fill="hold">
                                           <p:stCondLst>
                                             <p:cond delay="0"/>
                                           </p:stCondLst>
                                         </p:cTn>
                                         <p:tgtEl>
-                                          <p:spTgt spid="33"/>
+                                          <p:spTgt spid="27"/>
+                                        </p:tgtEl>
+                                        <p:attrNameLst>
+                                          <p:attrName>style.visibility</p:attrName>
+                                        </p:attrNameLst>
+                                      </p:cBhvr>
+                                      <p:to>
+                                        <p:strVal val="visible"/>
+                                      </p:to>
+                                    </p:set>
+                                  </p:childTnLst>
+                                </p:cTn>
+                              </p:par>
+                              <p:par>
+                                <p:cTn id="29" presetID="1" presetClass="entr" presetSubtype="0" fill="hold" nodeType="withEffect">
+                                  <p:stCondLst>
+                                    <p:cond delay="0"/>
+                                  </p:stCondLst>
+                                  <p:childTnLst>
+                                    <p:set>
+                                      <p:cBhvr>
+                                        <p:cTn id="30" dur="1" fill="hold">
+                                          <p:stCondLst>
+                                            <p:cond delay="0"/>
+                                          </p:stCondLst>
+                                        </p:cTn>
+                                        <p:tgtEl>
+                                          <p:spTgt spid="35"/>
+                                        </p:tgtEl>
+                                        <p:attrNameLst>
+                                          <p:attrName>style.visibility</p:attrName>
+                                        </p:attrNameLst>
+                                      </p:cBhvr>
+                                      <p:to>
+                                        <p:strVal val="visible"/>
+                                      </p:to>
+                                    </p:set>
+                                  </p:childTnLst>
+                                </p:cTn>
+                              </p:par>
+                              <p:par>
+                                <p:cTn id="31" presetID="1" presetClass="entr" presetSubtype="0" fill="hold" grpId="0" nodeType="withEffect">
+                                  <p:stCondLst>
+                                    <p:cond delay="0"/>
+                                  </p:stCondLst>
+                                  <p:childTnLst>
+                                    <p:set>
+                                      <p:cBhvr>
+                                        <p:cTn id="32" dur="1" fill="hold">
+                                          <p:stCondLst>
+                                            <p:cond delay="0"/>
+                                          </p:stCondLst>
+                                        </p:cTn>
+                                        <p:tgtEl>
+                                          <p:spTgt spid="29"/>
                                         </p:tgtEl>
                                         <p:attrNameLst>
                                           <p:attrName>style.visibility</p:attrName>
@@ -12808,21 +12973,129 @@
                             </p:childTnLst>
                           </p:cTn>
                         </p:par>
+                      </p:childTnLst>
+                    </p:cTn>
+                  </p:par>
+                  <p:par>
+                    <p:cTn id="33" fill="hold">
+                      <p:stCondLst>
+                        <p:cond delay="indefinite"/>
+                      </p:stCondLst>
+                      <p:childTnLst>
                         <p:par>
-                          <p:cTn id="28" fill="hold">
+                          <p:cTn id="34" fill="hold">
                             <p:stCondLst>
-                              <p:cond delay="500"/>
+                              <p:cond delay="0"/>
                             </p:stCondLst>
                             <p:childTnLst>
                               <p:par>
-                                <p:cTn id="29" presetID="1" presetClass="entr" presetSubtype="0" fill="hold" grpId="0" nodeType="afterEffect">
+                                <p:cTn id="35" presetID="1" presetClass="entr" presetSubtype="0" fill="hold" nodeType="clickEffect">
                                   <p:stCondLst>
                                     <p:cond delay="0"/>
                                   </p:stCondLst>
                                   <p:childTnLst>
                                     <p:set>
                                       <p:cBhvr>
-                                        <p:cTn id="30" dur="1" fill="hold">
+                                        <p:cTn id="36" dur="1" fill="hold">
+                                          <p:stCondLst>
+                                            <p:cond delay="0"/>
+                                          </p:stCondLst>
+                                        </p:cTn>
+                                        <p:tgtEl>
+                                          <p:spTgt spid="10"/>
+                                        </p:tgtEl>
+                                        <p:attrNameLst>
+                                          <p:attrName>style.visibility</p:attrName>
+                                        </p:attrNameLst>
+                                      </p:cBhvr>
+                                      <p:to>
+                                        <p:strVal val="visible"/>
+                                      </p:to>
+                                    </p:set>
+                                  </p:childTnLst>
+                                </p:cTn>
+                              </p:par>
+                              <p:par>
+                                <p:cTn id="37" presetID="1" presetClass="entr" presetSubtype="0" fill="hold" grpId="0" nodeType="withEffect">
+                                  <p:stCondLst>
+                                    <p:cond delay="0"/>
+                                  </p:stCondLst>
+                                  <p:childTnLst>
+                                    <p:set>
+                                      <p:cBhvr>
+                                        <p:cTn id="38" dur="1" fill="hold">
+                                          <p:stCondLst>
+                                            <p:cond delay="0"/>
+                                          </p:stCondLst>
+                                        </p:cTn>
+                                        <p:tgtEl>
+                                          <p:spTgt spid="6"/>
+                                        </p:tgtEl>
+                                        <p:attrNameLst>
+                                          <p:attrName>style.visibility</p:attrName>
+                                        </p:attrNameLst>
+                                      </p:cBhvr>
+                                      <p:to>
+                                        <p:strVal val="visible"/>
+                                      </p:to>
+                                    </p:set>
+                                  </p:childTnLst>
+                                </p:cTn>
+                              </p:par>
+                            </p:childTnLst>
+                          </p:cTn>
+                        </p:par>
+                      </p:childTnLst>
+                    </p:cTn>
+                  </p:par>
+                  <p:par>
+                    <p:cTn id="39" fill="hold">
+                      <p:stCondLst>
+                        <p:cond delay="indefinite"/>
+                      </p:stCondLst>
+                      <p:childTnLst>
+                        <p:par>
+                          <p:cTn id="40" fill="hold">
+                            <p:stCondLst>
+                              <p:cond delay="0"/>
+                            </p:stCondLst>
+                            <p:childTnLst>
+                              <p:par>
+                                <p:cTn id="41" presetID="1" presetClass="entr" presetSubtype="0" fill="hold" nodeType="clickEffect">
+                                  <p:stCondLst>
+                                    <p:cond delay="0"/>
+                                  </p:stCondLst>
+                                  <p:childTnLst>
+                                    <p:set>
+                                      <p:cBhvr>
+                                        <p:cTn id="42" dur="1" fill="hold">
+                                          <p:stCondLst>
+                                            <p:cond delay="0"/>
+                                          </p:stCondLst>
+                                        </p:cTn>
+                                        <p:tgtEl>
+                                          <p:spTgt spid="13"/>
+                                        </p:tgtEl>
+                                        <p:attrNameLst>
+                                          <p:attrName>style.visibility</p:attrName>
+                                        </p:attrNameLst>
+                                      </p:cBhvr>
+                                      <p:to>
+                                        <p:strVal val="visible"/>
+                                      </p:to>
+                                    </p:set>
+                                  </p:childTnLst>
+                                </p:cTn>
+                              </p:par>
+                              <p:par>
+                                <p:cTn id="43" presetID="1" presetClass="entr" presetSubtype="0" fill="hold" grpId="0" nodeType="withEffect">
+                                  <p:stCondLst>
+                                    <p:cond delay="0"/>
+                                  </p:stCondLst>
+                                  <p:childTnLst>
+                                    <p:set>
+                                      <p:cBhvr>
+                                        <p:cTn id="44" dur="1" fill="hold">
                                           <p:stCondLst>
                                             <p:cond delay="0"/>
                                           </p:stCondLst>
@@ -12841,30 +13114,21 @@
                                   </p:childTnLst>
                                 </p:cTn>
                               </p:par>
-                            </p:childTnLst>
-                          </p:cTn>
-                        </p:par>
-                        <p:par>
-                          <p:cTn id="31" fill="hold">
-                            <p:stCondLst>
-                              <p:cond delay="500"/>
-                            </p:stCondLst>
-                            <p:childTnLst>
                               <p:par>
-                                <p:cTn id="32" presetID="1" presetClass="entr" presetSubtype="0" fill="hold" nodeType="afterEffect">
+                                <p:cTn id="45" presetID="1" presetClass="entr" presetSubtype="0" fill="hold" nodeType="withEffect">
                                   <p:stCondLst>
                                     <p:cond delay="0"/>
                                   </p:stCondLst>
                                   <p:childTnLst>
                                     <p:set>
                                       <p:cBhvr>
-                                        <p:cTn id="33" dur="1" fill="hold">
+                                        <p:cTn id="46" dur="1" fill="hold">
                                           <p:stCondLst>
                                             <p:cond delay="0"/>
                                           </p:stCondLst>
                                         </p:cTn>
                                         <p:tgtEl>
-                                          <p:spTgt spid="37"/>
+                                          <p:spTgt spid="38"/>
                                         </p:tgtEl>
                                         <p:attrNameLst>
                                           <p:attrName>style.visibility</p:attrName>
@@ -12877,24 +13141,15 @@
                                   </p:childTnLst>
                                 </p:cTn>
                               </p:par>
-                            </p:childTnLst>
-                          </p:cTn>
-                        </p:par>
-                        <p:par>
-                          <p:cTn id="34" fill="hold">
-                            <p:stCondLst>
-                              <p:cond delay="500"/>
-                            </p:stCondLst>
-                            <p:childTnLst>
                               <p:par>
-                                <p:cTn id="35" presetID="1" presetClass="entr" presetSubtype="0" fill="hold" grpId="0" nodeType="afterEffect">
+                                <p:cTn id="47" presetID="1" presetClass="entr" presetSubtype="0" fill="hold" grpId="0" nodeType="withEffect">
                                   <p:stCondLst>
                                     <p:cond delay="0"/>
                                   </p:stCondLst>
                                   <p:childTnLst>
                                     <p:set>
                                       <p:cBhvr>
-                                        <p:cTn id="36" dur="1" fill="hold">
+                                        <p:cTn id="48" dur="1" fill="hold">
                                           <p:stCondLst>
                                             <p:cond delay="0"/>
                                           </p:stCondLst>
@@ -12941,10 +13196,16 @@
       </p:par>
     </p:tnLst>
     <p:bldLst>
+      <p:bldP spid="18" grpId="1" animBg="1"/>
+      <p:bldP spid="19" grpId="0" animBg="1"/>
       <p:bldP spid="27" grpId="0" animBg="1"/>
       <p:bldP spid="28" grpId="0" animBg="1"/>
       <p:bldP spid="29" grpId="0" animBg="1"/>
       <p:bldP spid="30" grpId="0" animBg="1"/>
+      <p:bldP spid="4" grpId="0" animBg="1"/>
+      <p:bldP spid="5" grpId="0" animBg="1"/>
+      <p:bldP spid="6" grpId="0" animBg="1"/>
+      <p:bldP spid="43" grpId="0" animBg="1"/>
     </p:bldLst>
   </p:timing>
 </p:sld>
